--- a/Chapter_13_Presentation.pptx
+++ b/Chapter_13_Presentation.pptx
@@ -5,32 +5,36 @@
     <p:sldMasterId id="2147483659" r:id="rId1"/>
   </p:sldMasterIdLst>
   <p:notesMasterIdLst>
-    <p:notesMasterId r:id="rId17"/>
+    <p:notesMasterId r:id="rId21"/>
   </p:notesMasterIdLst>
   <p:handoutMasterIdLst>
-    <p:handoutMasterId r:id="rId18"/>
+    <p:handoutMasterId r:id="rId22"/>
   </p:handoutMasterIdLst>
   <p:sldIdLst>
     <p:sldId id="256" r:id="rId2"/>
-    <p:sldId id="257" r:id="rId3"/>
-    <p:sldId id="258" r:id="rId4"/>
-    <p:sldId id="259" r:id="rId5"/>
-    <p:sldId id="260" r:id="rId6"/>
-    <p:sldId id="261" r:id="rId7"/>
-    <p:sldId id="262" r:id="rId8"/>
-    <p:sldId id="263" r:id="rId9"/>
-    <p:sldId id="264" r:id="rId10"/>
-    <p:sldId id="265" r:id="rId11"/>
-    <p:sldId id="266" r:id="rId12"/>
-    <p:sldId id="267" r:id="rId13"/>
-    <p:sldId id="268" r:id="rId14"/>
-    <p:sldId id="269" r:id="rId15"/>
-    <p:sldId id="270" r:id="rId16"/>
+    <p:sldId id="258" r:id="rId3"/>
+    <p:sldId id="271" r:id="rId4"/>
+    <p:sldId id="272" r:id="rId5"/>
+    <p:sldId id="280" r:id="rId6"/>
+    <p:sldId id="273" r:id="rId7"/>
+    <p:sldId id="260" r:id="rId8"/>
+    <p:sldId id="261" r:id="rId9"/>
+    <p:sldId id="281" r:id="rId10"/>
+    <p:sldId id="274" r:id="rId11"/>
+    <p:sldId id="275" r:id="rId12"/>
+    <p:sldId id="276" r:id="rId13"/>
+    <p:sldId id="263" r:id="rId14"/>
+    <p:sldId id="277" r:id="rId15"/>
+    <p:sldId id="278" r:id="rId16"/>
+    <p:sldId id="279" r:id="rId17"/>
+    <p:sldId id="282" r:id="rId18"/>
+    <p:sldId id="265" r:id="rId19"/>
+    <p:sldId id="283" r:id="rId20"/>
   </p:sldIdLst>
   <p:sldSz cx="12188825" cy="6858000"/>
   <p:notesSz cx="6858000" cy="9144000"/>
   <p:custDataLst>
-    <p:tags r:id="rId19"/>
+    <p:tags r:id="rId23"/>
   </p:custDataLst>
   <p:defaultTextStyle>
     <a:defPPr>
@@ -209,6 +213,3071 @@
 </p:presentation>
 </file>
 
+<file path=ppt/diagrams/colors1.xml><?xml version="1.0" encoding="utf-8"?>
+<dgm:colorsDef xmlns:dgm="http://schemas.openxmlformats.org/drawingml/2006/diagram" xmlns:a="http://schemas.openxmlformats.org/drawingml/2006/main" uniqueId="urn:microsoft.com/office/officeart/2005/8/colors/accent2_2">
+  <dgm:title val=""/>
+  <dgm:desc val=""/>
+  <dgm:catLst>
+    <dgm:cat type="accent2" pri="11200"/>
+  </dgm:catLst>
+  <dgm:styleLbl name="node0">
+    <dgm:fillClrLst meth="repeat">
+      <a:schemeClr val="accent2"/>
+    </dgm:fillClrLst>
+    <dgm:linClrLst meth="repeat">
+      <a:schemeClr val="lt1"/>
+    </dgm:linClrLst>
+    <dgm:effectClrLst/>
+    <dgm:txLinClrLst/>
+    <dgm:txFillClrLst/>
+    <dgm:txEffectClrLst/>
+  </dgm:styleLbl>
+  <dgm:styleLbl name="node1">
+    <dgm:fillClrLst meth="repeat">
+      <a:schemeClr val="accent2"/>
+    </dgm:fillClrLst>
+    <dgm:linClrLst meth="repeat">
+      <a:schemeClr val="lt1"/>
+    </dgm:linClrLst>
+    <dgm:effectClrLst/>
+    <dgm:txLinClrLst/>
+    <dgm:txFillClrLst/>
+    <dgm:txEffectClrLst/>
+  </dgm:styleLbl>
+  <dgm:styleLbl name="alignNode1">
+    <dgm:fillClrLst meth="repeat">
+      <a:schemeClr val="accent2"/>
+    </dgm:fillClrLst>
+    <dgm:linClrLst meth="repeat">
+      <a:schemeClr val="accent2"/>
+    </dgm:linClrLst>
+    <dgm:effectClrLst/>
+    <dgm:txLinClrLst/>
+    <dgm:txFillClrLst/>
+    <dgm:txEffectClrLst/>
+  </dgm:styleLbl>
+  <dgm:styleLbl name="lnNode1">
+    <dgm:fillClrLst meth="repeat">
+      <a:schemeClr val="accent2"/>
+    </dgm:fillClrLst>
+    <dgm:linClrLst meth="repeat">
+      <a:schemeClr val="lt1"/>
+    </dgm:linClrLst>
+    <dgm:effectClrLst/>
+    <dgm:txLinClrLst/>
+    <dgm:txFillClrLst/>
+    <dgm:txEffectClrLst/>
+  </dgm:styleLbl>
+  <dgm:styleLbl name="vennNode1">
+    <dgm:fillClrLst meth="repeat">
+      <a:schemeClr val="accent2">
+        <a:alpha val="50000"/>
+      </a:schemeClr>
+    </dgm:fillClrLst>
+    <dgm:linClrLst meth="repeat">
+      <a:schemeClr val="lt1"/>
+    </dgm:linClrLst>
+    <dgm:effectClrLst/>
+    <dgm:txLinClrLst/>
+    <dgm:txFillClrLst/>
+    <dgm:txEffectClrLst/>
+  </dgm:styleLbl>
+  <dgm:styleLbl name="node2">
+    <dgm:fillClrLst meth="repeat">
+      <a:schemeClr val="accent2"/>
+    </dgm:fillClrLst>
+    <dgm:linClrLst meth="repeat">
+      <a:schemeClr val="lt1"/>
+    </dgm:linClrLst>
+    <dgm:effectClrLst/>
+    <dgm:txLinClrLst/>
+    <dgm:txFillClrLst/>
+    <dgm:txEffectClrLst/>
+  </dgm:styleLbl>
+  <dgm:styleLbl name="node3">
+    <dgm:fillClrLst meth="repeat">
+      <a:schemeClr val="accent2"/>
+    </dgm:fillClrLst>
+    <dgm:linClrLst meth="repeat">
+      <a:schemeClr val="lt1"/>
+    </dgm:linClrLst>
+    <dgm:effectClrLst/>
+    <dgm:txLinClrLst/>
+    <dgm:txFillClrLst/>
+    <dgm:txEffectClrLst/>
+  </dgm:styleLbl>
+  <dgm:styleLbl name="node4">
+    <dgm:fillClrLst meth="repeat">
+      <a:schemeClr val="accent2"/>
+    </dgm:fillClrLst>
+    <dgm:linClrLst meth="repeat">
+      <a:schemeClr val="lt1"/>
+    </dgm:linClrLst>
+    <dgm:effectClrLst/>
+    <dgm:txLinClrLst/>
+    <dgm:txFillClrLst/>
+    <dgm:txEffectClrLst/>
+  </dgm:styleLbl>
+  <dgm:styleLbl name="fgImgPlace1">
+    <dgm:fillClrLst meth="repeat">
+      <a:schemeClr val="accent2">
+        <a:tint val="50000"/>
+      </a:schemeClr>
+    </dgm:fillClrLst>
+    <dgm:linClrLst meth="repeat">
+      <a:schemeClr val="lt1"/>
+    </dgm:linClrLst>
+    <dgm:effectClrLst/>
+    <dgm:txLinClrLst/>
+    <dgm:txFillClrLst meth="repeat">
+      <a:schemeClr val="lt1"/>
+    </dgm:txFillClrLst>
+    <dgm:txEffectClrLst/>
+  </dgm:styleLbl>
+  <dgm:styleLbl name="alignImgPlace1">
+    <dgm:fillClrLst meth="repeat">
+      <a:schemeClr val="accent2">
+        <a:tint val="50000"/>
+      </a:schemeClr>
+    </dgm:fillClrLst>
+    <dgm:linClrLst meth="repeat">
+      <a:schemeClr val="lt1"/>
+    </dgm:linClrLst>
+    <dgm:effectClrLst/>
+    <dgm:txLinClrLst/>
+    <dgm:txFillClrLst meth="repeat">
+      <a:schemeClr val="lt1"/>
+    </dgm:txFillClrLst>
+    <dgm:txEffectClrLst/>
+  </dgm:styleLbl>
+  <dgm:styleLbl name="bgImgPlace1">
+    <dgm:fillClrLst meth="repeat">
+      <a:schemeClr val="accent2">
+        <a:tint val="50000"/>
+      </a:schemeClr>
+    </dgm:fillClrLst>
+    <dgm:linClrLst meth="repeat">
+      <a:schemeClr val="lt1"/>
+    </dgm:linClrLst>
+    <dgm:effectClrLst/>
+    <dgm:txLinClrLst/>
+    <dgm:txFillClrLst meth="repeat">
+      <a:schemeClr val="lt1"/>
+    </dgm:txFillClrLst>
+    <dgm:txEffectClrLst/>
+  </dgm:styleLbl>
+  <dgm:styleLbl name="sibTrans2D1">
+    <dgm:fillClrLst meth="repeat">
+      <a:schemeClr val="accent2">
+        <a:tint val="60000"/>
+      </a:schemeClr>
+    </dgm:fillClrLst>
+    <dgm:linClrLst meth="repeat">
+      <a:schemeClr val="accent2">
+        <a:tint val="60000"/>
+      </a:schemeClr>
+    </dgm:linClrLst>
+    <dgm:effectClrLst/>
+    <dgm:txLinClrLst/>
+    <dgm:txFillClrLst/>
+    <dgm:txEffectClrLst/>
+  </dgm:styleLbl>
+  <dgm:styleLbl name="fgSibTrans2D1">
+    <dgm:fillClrLst meth="repeat">
+      <a:schemeClr val="accent2">
+        <a:tint val="60000"/>
+      </a:schemeClr>
+    </dgm:fillClrLst>
+    <dgm:linClrLst meth="repeat">
+      <a:schemeClr val="accent2">
+        <a:tint val="60000"/>
+      </a:schemeClr>
+    </dgm:linClrLst>
+    <dgm:effectClrLst/>
+    <dgm:txLinClrLst/>
+    <dgm:txFillClrLst/>
+    <dgm:txEffectClrLst/>
+  </dgm:styleLbl>
+  <dgm:styleLbl name="bgSibTrans2D1">
+    <dgm:fillClrLst meth="repeat">
+      <a:schemeClr val="accent2">
+        <a:tint val="60000"/>
+      </a:schemeClr>
+    </dgm:fillClrLst>
+    <dgm:linClrLst meth="repeat">
+      <a:schemeClr val="accent2">
+        <a:tint val="60000"/>
+      </a:schemeClr>
+    </dgm:linClrLst>
+    <dgm:effectClrLst/>
+    <dgm:txLinClrLst/>
+    <dgm:txFillClrLst/>
+    <dgm:txEffectClrLst/>
+  </dgm:styleLbl>
+  <dgm:styleLbl name="sibTrans1D1">
+    <dgm:fillClrLst meth="repeat">
+      <a:schemeClr val="accent2"/>
+    </dgm:fillClrLst>
+    <dgm:linClrLst meth="repeat">
+      <a:schemeClr val="accent2"/>
+    </dgm:linClrLst>
+    <dgm:effectClrLst/>
+    <dgm:txLinClrLst/>
+    <dgm:txFillClrLst meth="repeat">
+      <a:schemeClr val="tx1"/>
+    </dgm:txFillClrLst>
+    <dgm:txEffectClrLst/>
+  </dgm:styleLbl>
+  <dgm:styleLbl name="callout">
+    <dgm:fillClrLst meth="repeat">
+      <a:schemeClr val="accent2"/>
+    </dgm:fillClrLst>
+    <dgm:linClrLst meth="repeat">
+      <a:schemeClr val="accent2">
+        <a:tint val="50000"/>
+      </a:schemeClr>
+    </dgm:linClrLst>
+    <dgm:effectClrLst/>
+    <dgm:txLinClrLst/>
+    <dgm:txFillClrLst meth="repeat">
+      <a:schemeClr val="tx1"/>
+    </dgm:txFillClrLst>
+    <dgm:txEffectClrLst/>
+  </dgm:styleLbl>
+  <dgm:styleLbl name="asst0">
+    <dgm:fillClrLst meth="repeat">
+      <a:schemeClr val="accent2"/>
+    </dgm:fillClrLst>
+    <dgm:linClrLst meth="repeat">
+      <a:schemeClr val="lt1"/>
+    </dgm:linClrLst>
+    <dgm:effectClrLst/>
+    <dgm:txLinClrLst/>
+    <dgm:txFillClrLst/>
+    <dgm:txEffectClrLst/>
+  </dgm:styleLbl>
+  <dgm:styleLbl name="asst1">
+    <dgm:fillClrLst meth="repeat">
+      <a:schemeClr val="accent2"/>
+    </dgm:fillClrLst>
+    <dgm:linClrLst meth="repeat">
+      <a:schemeClr val="lt1"/>
+    </dgm:linClrLst>
+    <dgm:effectClrLst/>
+    <dgm:txLinClrLst/>
+    <dgm:txFillClrLst/>
+    <dgm:txEffectClrLst/>
+  </dgm:styleLbl>
+  <dgm:styleLbl name="asst2">
+    <dgm:fillClrLst meth="repeat">
+      <a:schemeClr val="accent2"/>
+    </dgm:fillClrLst>
+    <dgm:linClrLst meth="repeat">
+      <a:schemeClr val="lt1"/>
+    </dgm:linClrLst>
+    <dgm:effectClrLst/>
+    <dgm:txLinClrLst/>
+    <dgm:txFillClrLst/>
+    <dgm:txEffectClrLst/>
+  </dgm:styleLbl>
+  <dgm:styleLbl name="asst3">
+    <dgm:fillClrLst meth="repeat">
+      <a:schemeClr val="accent2"/>
+    </dgm:fillClrLst>
+    <dgm:linClrLst meth="repeat">
+      <a:schemeClr val="lt1"/>
+    </dgm:linClrLst>
+    <dgm:effectClrLst/>
+    <dgm:txLinClrLst/>
+    <dgm:txFillClrLst/>
+    <dgm:txEffectClrLst/>
+  </dgm:styleLbl>
+  <dgm:styleLbl name="asst4">
+    <dgm:fillClrLst meth="repeat">
+      <a:schemeClr val="accent2"/>
+    </dgm:fillClrLst>
+    <dgm:linClrLst meth="repeat">
+      <a:schemeClr val="lt1"/>
+    </dgm:linClrLst>
+    <dgm:effectClrLst/>
+    <dgm:txLinClrLst/>
+    <dgm:txFillClrLst/>
+    <dgm:txEffectClrLst/>
+  </dgm:styleLbl>
+  <dgm:styleLbl name="parChTrans2D1">
+    <dgm:fillClrLst meth="repeat">
+      <a:schemeClr val="accent2">
+        <a:tint val="60000"/>
+      </a:schemeClr>
+    </dgm:fillClrLst>
+    <dgm:linClrLst meth="repeat">
+      <a:schemeClr val="accent2">
+        <a:tint val="60000"/>
+      </a:schemeClr>
+    </dgm:linClrLst>
+    <dgm:effectClrLst/>
+    <dgm:txLinClrLst/>
+    <dgm:txFillClrLst meth="repeat">
+      <a:schemeClr val="lt1"/>
+    </dgm:txFillClrLst>
+    <dgm:txEffectClrLst/>
+  </dgm:styleLbl>
+  <dgm:styleLbl name="parChTrans2D2">
+    <dgm:fillClrLst meth="repeat">
+      <a:schemeClr val="accent2"/>
+    </dgm:fillClrLst>
+    <dgm:linClrLst meth="repeat">
+      <a:schemeClr val="accent2"/>
+    </dgm:linClrLst>
+    <dgm:effectClrLst/>
+    <dgm:txLinClrLst/>
+    <dgm:txFillClrLst meth="repeat">
+      <a:schemeClr val="lt1"/>
+    </dgm:txFillClrLst>
+    <dgm:txEffectClrLst/>
+  </dgm:styleLbl>
+  <dgm:styleLbl name="parChTrans2D3">
+    <dgm:fillClrLst meth="repeat">
+      <a:schemeClr val="accent2"/>
+    </dgm:fillClrLst>
+    <dgm:linClrLst meth="repeat">
+      <a:schemeClr val="accent2"/>
+    </dgm:linClrLst>
+    <dgm:effectClrLst/>
+    <dgm:txLinClrLst/>
+    <dgm:txFillClrLst meth="repeat">
+      <a:schemeClr val="lt1"/>
+    </dgm:txFillClrLst>
+    <dgm:txEffectClrLst/>
+  </dgm:styleLbl>
+  <dgm:styleLbl name="parChTrans2D4">
+    <dgm:fillClrLst meth="repeat">
+      <a:schemeClr val="accent2"/>
+    </dgm:fillClrLst>
+    <dgm:linClrLst meth="repeat">
+      <a:schemeClr val="accent2"/>
+    </dgm:linClrLst>
+    <dgm:effectClrLst/>
+    <dgm:txLinClrLst/>
+    <dgm:txFillClrLst meth="repeat">
+      <a:schemeClr val="lt1"/>
+    </dgm:txFillClrLst>
+    <dgm:txEffectClrLst/>
+  </dgm:styleLbl>
+  <dgm:styleLbl name="parChTrans1D1">
+    <dgm:fillClrLst meth="repeat">
+      <a:schemeClr val="accent2"/>
+    </dgm:fillClrLst>
+    <dgm:linClrLst meth="repeat">
+      <a:schemeClr val="accent2">
+        <a:shade val="60000"/>
+      </a:schemeClr>
+    </dgm:linClrLst>
+    <dgm:effectClrLst/>
+    <dgm:txLinClrLst/>
+    <dgm:txFillClrLst meth="repeat">
+      <a:schemeClr val="tx1"/>
+    </dgm:txFillClrLst>
+    <dgm:txEffectClrLst/>
+  </dgm:styleLbl>
+  <dgm:styleLbl name="parChTrans1D2">
+    <dgm:fillClrLst meth="repeat">
+      <a:schemeClr val="accent2"/>
+    </dgm:fillClrLst>
+    <dgm:linClrLst meth="repeat">
+      <a:schemeClr val="accent2">
+        <a:shade val="60000"/>
+      </a:schemeClr>
+    </dgm:linClrLst>
+    <dgm:effectClrLst/>
+    <dgm:txLinClrLst/>
+    <dgm:txFillClrLst meth="repeat">
+      <a:schemeClr val="tx1"/>
+    </dgm:txFillClrLst>
+    <dgm:txEffectClrLst/>
+  </dgm:styleLbl>
+  <dgm:styleLbl name="parChTrans1D3">
+    <dgm:fillClrLst meth="repeat">
+      <a:schemeClr val="accent2"/>
+    </dgm:fillClrLst>
+    <dgm:linClrLst meth="repeat">
+      <a:schemeClr val="accent2">
+        <a:shade val="80000"/>
+      </a:schemeClr>
+    </dgm:linClrLst>
+    <dgm:effectClrLst/>
+    <dgm:txLinClrLst/>
+    <dgm:txFillClrLst meth="repeat">
+      <a:schemeClr val="tx1"/>
+    </dgm:txFillClrLst>
+    <dgm:txEffectClrLst/>
+  </dgm:styleLbl>
+  <dgm:styleLbl name="parChTrans1D4">
+    <dgm:fillClrLst meth="repeat">
+      <a:schemeClr val="accent2"/>
+    </dgm:fillClrLst>
+    <dgm:linClrLst meth="repeat">
+      <a:schemeClr val="accent2">
+        <a:shade val="80000"/>
+      </a:schemeClr>
+    </dgm:linClrLst>
+    <dgm:effectClrLst/>
+    <dgm:txLinClrLst/>
+    <dgm:txFillClrLst meth="repeat">
+      <a:schemeClr val="tx1"/>
+    </dgm:txFillClrLst>
+    <dgm:txEffectClrLst/>
+  </dgm:styleLbl>
+  <dgm:styleLbl name="fgAcc1">
+    <dgm:fillClrLst meth="repeat">
+      <a:schemeClr val="lt1">
+        <a:alpha val="90000"/>
+      </a:schemeClr>
+    </dgm:fillClrLst>
+    <dgm:linClrLst meth="repeat">
+      <a:schemeClr val="accent2"/>
+    </dgm:linClrLst>
+    <dgm:effectClrLst/>
+    <dgm:txLinClrLst/>
+    <dgm:txFillClrLst meth="repeat">
+      <a:schemeClr val="dk1"/>
+    </dgm:txFillClrLst>
+    <dgm:txEffectClrLst/>
+  </dgm:styleLbl>
+  <dgm:styleLbl name="conFgAcc1">
+    <dgm:fillClrLst meth="repeat">
+      <a:schemeClr val="lt1">
+        <a:alpha val="90000"/>
+      </a:schemeClr>
+    </dgm:fillClrLst>
+    <dgm:linClrLst meth="repeat">
+      <a:schemeClr val="accent2"/>
+    </dgm:linClrLst>
+    <dgm:effectClrLst/>
+    <dgm:txLinClrLst/>
+    <dgm:txFillClrLst meth="repeat">
+      <a:schemeClr val="dk1"/>
+    </dgm:txFillClrLst>
+    <dgm:txEffectClrLst/>
+  </dgm:styleLbl>
+  <dgm:styleLbl name="alignAcc1">
+    <dgm:fillClrLst meth="repeat">
+      <a:schemeClr val="lt1">
+        <a:alpha val="90000"/>
+      </a:schemeClr>
+    </dgm:fillClrLst>
+    <dgm:linClrLst meth="repeat">
+      <a:schemeClr val="accent2"/>
+    </dgm:linClrLst>
+    <dgm:effectClrLst/>
+    <dgm:txLinClrLst/>
+    <dgm:txFillClrLst meth="repeat">
+      <a:schemeClr val="dk1"/>
+    </dgm:txFillClrLst>
+    <dgm:txEffectClrLst/>
+  </dgm:styleLbl>
+  <dgm:styleLbl name="trAlignAcc1">
+    <dgm:fillClrLst meth="repeat">
+      <a:schemeClr val="lt1">
+        <a:alpha val="40000"/>
+      </a:schemeClr>
+    </dgm:fillClrLst>
+    <dgm:linClrLst meth="repeat">
+      <a:schemeClr val="accent2"/>
+    </dgm:linClrLst>
+    <dgm:effectClrLst/>
+    <dgm:txLinClrLst/>
+    <dgm:txFillClrLst meth="repeat">
+      <a:schemeClr val="dk1"/>
+    </dgm:txFillClrLst>
+    <dgm:txEffectClrLst/>
+  </dgm:styleLbl>
+  <dgm:styleLbl name="bgAcc1">
+    <dgm:fillClrLst meth="repeat">
+      <a:schemeClr val="lt1">
+        <a:alpha val="90000"/>
+      </a:schemeClr>
+    </dgm:fillClrLst>
+    <dgm:linClrLst meth="repeat">
+      <a:schemeClr val="accent2"/>
+    </dgm:linClrLst>
+    <dgm:effectClrLst/>
+    <dgm:txLinClrLst/>
+    <dgm:txFillClrLst meth="repeat">
+      <a:schemeClr val="dk1"/>
+    </dgm:txFillClrLst>
+    <dgm:txEffectClrLst/>
+  </dgm:styleLbl>
+  <dgm:styleLbl name="solidFgAcc1">
+    <dgm:fillClrLst meth="repeat">
+      <a:schemeClr val="lt1"/>
+    </dgm:fillClrLst>
+    <dgm:linClrLst meth="repeat">
+      <a:schemeClr val="accent2"/>
+    </dgm:linClrLst>
+    <dgm:effectClrLst/>
+    <dgm:txLinClrLst/>
+    <dgm:txFillClrLst meth="repeat">
+      <a:schemeClr val="dk1"/>
+    </dgm:txFillClrLst>
+    <dgm:txEffectClrLst/>
+  </dgm:styleLbl>
+  <dgm:styleLbl name="solidAlignAcc1">
+    <dgm:fillClrLst meth="repeat">
+      <a:schemeClr val="lt1"/>
+    </dgm:fillClrLst>
+    <dgm:linClrLst meth="repeat">
+      <a:schemeClr val="accent2"/>
+    </dgm:linClrLst>
+    <dgm:effectClrLst/>
+    <dgm:txLinClrLst/>
+    <dgm:txFillClrLst meth="repeat">
+      <a:schemeClr val="dk1"/>
+    </dgm:txFillClrLst>
+    <dgm:txEffectClrLst/>
+  </dgm:styleLbl>
+  <dgm:styleLbl name="solidBgAcc1">
+    <dgm:fillClrLst meth="repeat">
+      <a:schemeClr val="lt1"/>
+    </dgm:fillClrLst>
+    <dgm:linClrLst meth="repeat">
+      <a:schemeClr val="accent2"/>
+    </dgm:linClrLst>
+    <dgm:effectClrLst/>
+    <dgm:txLinClrLst/>
+    <dgm:txFillClrLst meth="repeat">
+      <a:schemeClr val="dk1"/>
+    </dgm:txFillClrLst>
+    <dgm:txEffectClrLst/>
+  </dgm:styleLbl>
+  <dgm:styleLbl name="fgAccFollowNode1">
+    <dgm:fillClrLst meth="repeat">
+      <a:schemeClr val="accent2">
+        <a:alpha val="90000"/>
+        <a:tint val="40000"/>
+      </a:schemeClr>
+    </dgm:fillClrLst>
+    <dgm:linClrLst meth="repeat">
+      <a:schemeClr val="accent2">
+        <a:alpha val="90000"/>
+        <a:tint val="40000"/>
+      </a:schemeClr>
+    </dgm:linClrLst>
+    <dgm:effectClrLst/>
+    <dgm:txLinClrLst/>
+    <dgm:txFillClrLst meth="repeat">
+      <a:schemeClr val="dk1"/>
+    </dgm:txFillClrLst>
+    <dgm:txEffectClrLst/>
+  </dgm:styleLbl>
+  <dgm:styleLbl name="alignAccFollowNode1">
+    <dgm:fillClrLst meth="repeat">
+      <a:schemeClr val="accent2">
+        <a:alpha val="90000"/>
+        <a:tint val="40000"/>
+      </a:schemeClr>
+    </dgm:fillClrLst>
+    <dgm:linClrLst meth="repeat">
+      <a:schemeClr val="accent2">
+        <a:alpha val="90000"/>
+        <a:tint val="40000"/>
+      </a:schemeClr>
+    </dgm:linClrLst>
+    <dgm:effectClrLst/>
+    <dgm:txLinClrLst/>
+    <dgm:txFillClrLst meth="repeat">
+      <a:schemeClr val="dk1"/>
+    </dgm:txFillClrLst>
+    <dgm:txEffectClrLst/>
+  </dgm:styleLbl>
+  <dgm:styleLbl name="bgAccFollowNode1">
+    <dgm:fillClrLst meth="repeat">
+      <a:schemeClr val="accent2">
+        <a:alpha val="90000"/>
+        <a:tint val="40000"/>
+      </a:schemeClr>
+    </dgm:fillClrLst>
+    <dgm:linClrLst meth="repeat">
+      <a:schemeClr val="accent2">
+        <a:alpha val="90000"/>
+        <a:tint val="40000"/>
+      </a:schemeClr>
+    </dgm:linClrLst>
+    <dgm:effectClrLst/>
+    <dgm:txLinClrLst/>
+    <dgm:txFillClrLst meth="repeat">
+      <a:schemeClr val="dk1"/>
+    </dgm:txFillClrLst>
+    <dgm:txEffectClrLst/>
+  </dgm:styleLbl>
+  <dgm:styleLbl name="fgAcc0">
+    <dgm:fillClrLst meth="repeat">
+      <a:schemeClr val="lt1">
+        <a:alpha val="90000"/>
+      </a:schemeClr>
+    </dgm:fillClrLst>
+    <dgm:linClrLst meth="repeat">
+      <a:schemeClr val="accent2"/>
+    </dgm:linClrLst>
+    <dgm:effectClrLst/>
+    <dgm:txLinClrLst/>
+    <dgm:txFillClrLst meth="repeat">
+      <a:schemeClr val="dk1"/>
+    </dgm:txFillClrLst>
+    <dgm:txEffectClrLst/>
+  </dgm:styleLbl>
+  <dgm:styleLbl name="fgAcc2">
+    <dgm:fillClrLst meth="repeat">
+      <a:schemeClr val="lt1">
+        <a:alpha val="90000"/>
+      </a:schemeClr>
+    </dgm:fillClrLst>
+    <dgm:linClrLst meth="repeat">
+      <a:schemeClr val="accent2"/>
+    </dgm:linClrLst>
+    <dgm:effectClrLst/>
+    <dgm:txLinClrLst/>
+    <dgm:txFillClrLst meth="repeat">
+      <a:schemeClr val="dk1"/>
+    </dgm:txFillClrLst>
+    <dgm:txEffectClrLst/>
+  </dgm:styleLbl>
+  <dgm:styleLbl name="fgAcc3">
+    <dgm:fillClrLst meth="repeat">
+      <a:schemeClr val="lt1">
+        <a:alpha val="90000"/>
+      </a:schemeClr>
+    </dgm:fillClrLst>
+    <dgm:linClrLst meth="repeat">
+      <a:schemeClr val="accent2"/>
+    </dgm:linClrLst>
+    <dgm:effectClrLst/>
+    <dgm:txLinClrLst/>
+    <dgm:txFillClrLst meth="repeat">
+      <a:schemeClr val="dk1"/>
+    </dgm:txFillClrLst>
+    <dgm:txEffectClrLst/>
+  </dgm:styleLbl>
+  <dgm:styleLbl name="fgAcc4">
+    <dgm:fillClrLst meth="repeat">
+      <a:schemeClr val="lt1">
+        <a:alpha val="90000"/>
+      </a:schemeClr>
+    </dgm:fillClrLst>
+    <dgm:linClrLst meth="repeat">
+      <a:schemeClr val="accent2"/>
+    </dgm:linClrLst>
+    <dgm:effectClrLst/>
+    <dgm:txLinClrLst/>
+    <dgm:txFillClrLst meth="repeat">
+      <a:schemeClr val="dk1"/>
+    </dgm:txFillClrLst>
+    <dgm:txEffectClrLst/>
+  </dgm:styleLbl>
+  <dgm:styleLbl name="bgShp">
+    <dgm:fillClrLst meth="repeat">
+      <a:schemeClr val="accent2">
+        <a:tint val="40000"/>
+      </a:schemeClr>
+    </dgm:fillClrLst>
+    <dgm:linClrLst meth="repeat">
+      <a:schemeClr val="accent2"/>
+    </dgm:linClrLst>
+    <dgm:effectClrLst/>
+    <dgm:txLinClrLst/>
+    <dgm:txFillClrLst meth="repeat">
+      <a:schemeClr val="dk1"/>
+    </dgm:txFillClrLst>
+    <dgm:txEffectClrLst/>
+  </dgm:styleLbl>
+  <dgm:styleLbl name="dkBgShp">
+    <dgm:fillClrLst meth="repeat">
+      <a:schemeClr val="accent2">
+        <a:shade val="80000"/>
+      </a:schemeClr>
+    </dgm:fillClrLst>
+    <dgm:linClrLst meth="repeat">
+      <a:schemeClr val="accent2"/>
+    </dgm:linClrLst>
+    <dgm:effectClrLst/>
+    <dgm:txLinClrLst/>
+    <dgm:txFillClrLst meth="repeat">
+      <a:schemeClr val="lt1"/>
+    </dgm:txFillClrLst>
+    <dgm:txEffectClrLst/>
+  </dgm:styleLbl>
+  <dgm:styleLbl name="trBgShp">
+    <dgm:fillClrLst meth="repeat">
+      <a:schemeClr val="accent2">
+        <a:tint val="50000"/>
+        <a:alpha val="40000"/>
+      </a:schemeClr>
+    </dgm:fillClrLst>
+    <dgm:linClrLst meth="repeat">
+      <a:schemeClr val="accent2"/>
+    </dgm:linClrLst>
+    <dgm:effectClrLst/>
+    <dgm:txLinClrLst/>
+    <dgm:txFillClrLst meth="repeat">
+      <a:schemeClr val="lt1"/>
+    </dgm:txFillClrLst>
+    <dgm:txEffectClrLst/>
+  </dgm:styleLbl>
+  <dgm:styleLbl name="fgShp">
+    <dgm:fillClrLst meth="repeat">
+      <a:schemeClr val="accent2">
+        <a:tint val="60000"/>
+      </a:schemeClr>
+    </dgm:fillClrLst>
+    <dgm:linClrLst meth="repeat">
+      <a:schemeClr val="lt1"/>
+    </dgm:linClrLst>
+    <dgm:effectClrLst/>
+    <dgm:txLinClrLst/>
+    <dgm:txFillClrLst meth="repeat">
+      <a:schemeClr val="dk1"/>
+    </dgm:txFillClrLst>
+    <dgm:txEffectClrLst/>
+  </dgm:styleLbl>
+  <dgm:styleLbl name="revTx">
+    <dgm:fillClrLst meth="repeat">
+      <a:schemeClr val="lt1">
+        <a:alpha val="0"/>
+      </a:schemeClr>
+    </dgm:fillClrLst>
+    <dgm:linClrLst meth="repeat">
+      <a:schemeClr val="dk1">
+        <a:alpha val="0"/>
+      </a:schemeClr>
+    </dgm:linClrLst>
+    <dgm:effectClrLst/>
+    <dgm:txLinClrLst/>
+    <dgm:txFillClrLst meth="repeat">
+      <a:schemeClr val="tx1"/>
+    </dgm:txFillClrLst>
+    <dgm:txEffectClrLst/>
+  </dgm:styleLbl>
+</dgm:colorsDef>
+</file>
+
+<file path=ppt/diagrams/data1.xml><?xml version="1.0" encoding="utf-8"?>
+<dgm:dataModel xmlns:dgm="http://schemas.openxmlformats.org/drawingml/2006/diagram" xmlns:a="http://schemas.openxmlformats.org/drawingml/2006/main">
+  <dgm:ptLst>
+    <dgm:pt modelId="{8F4DD8D6-DC0A-4175-B8E7-C8265C65FBAF}" type="doc">
+      <dgm:prSet loTypeId="urn:microsoft.com/office/officeart/2018/2/layout/IconVerticalSolidList" loCatId="icon" qsTypeId="urn:microsoft.com/office/officeart/2005/8/quickstyle/simple1" qsCatId="simple" csTypeId="urn:microsoft.com/office/officeart/2005/8/colors/accent2_2" csCatId="accent2" phldr="1"/>
+      <dgm:spPr/>
+      <dgm:t>
+        <a:bodyPr/>
+        <a:lstStyle/>
+        <a:p>
+          <a:endParaRPr lang="en-US"/>
+        </a:p>
+      </dgm:t>
+    </dgm:pt>
+    <dgm:pt modelId="{0E75E7C8-8C64-4124-835B-902E327F0BE0}">
+      <dgm:prSet phldrT="[Text]"/>
+      <dgm:spPr/>
+      <dgm:t>
+        <a:bodyPr/>
+        <a:lstStyle/>
+        <a:p>
+          <a:r>
+            <a:rPr lang="en-US"/>
+            <a:t>Bad Debts Expense</a:t>
+          </a:r>
+        </a:p>
+      </dgm:t>
+    </dgm:pt>
+    <dgm:pt modelId="{23021D11-02B1-480E-BE2D-E20740D01AD2}" type="parTrans" cxnId="{845FBBF9-A04A-4E01-8EBB-66CAAA4A4C15}">
+      <dgm:prSet/>
+      <dgm:spPr/>
+      <dgm:t>
+        <a:bodyPr/>
+        <a:lstStyle/>
+        <a:p>
+          <a:endParaRPr lang="en-US"/>
+        </a:p>
+      </dgm:t>
+    </dgm:pt>
+    <dgm:pt modelId="{4BA4C592-A1F9-45BB-9FC5-7EF59240A822}" type="sibTrans" cxnId="{845FBBF9-A04A-4E01-8EBB-66CAAA4A4C15}">
+      <dgm:prSet/>
+      <dgm:spPr/>
+      <dgm:t>
+        <a:bodyPr/>
+        <a:lstStyle/>
+        <a:p>
+          <a:endParaRPr lang="en-US"/>
+        </a:p>
+      </dgm:t>
+    </dgm:pt>
+    <dgm:pt modelId="{88D72038-35D0-4FC6-8665-B05A8D0269FC}">
+      <dgm:prSet phldrT="[Text]"/>
+      <dgm:spPr/>
+      <dgm:t>
+        <a:bodyPr/>
+        <a:lstStyle/>
+        <a:p>
+          <a:r>
+            <a:rPr lang="en-US" dirty="0"/>
+            <a:t>Operating Expense Account</a:t>
+          </a:r>
+        </a:p>
+        <a:p>
+          <a:r>
+            <a:rPr lang="en-US" dirty="0"/>
+            <a:t>Estimate of Uncollectible Credit Sales</a:t>
+          </a:r>
+        </a:p>
+      </dgm:t>
+    </dgm:pt>
+    <dgm:pt modelId="{2C0B3E54-9C85-4003-A1E7-5F2256CF2AB4}" type="parTrans" cxnId="{7314626F-6CF5-457F-B9B2-0591EE0E360D}">
+      <dgm:prSet/>
+      <dgm:spPr/>
+      <dgm:t>
+        <a:bodyPr/>
+        <a:lstStyle/>
+        <a:p>
+          <a:endParaRPr lang="en-US"/>
+        </a:p>
+      </dgm:t>
+    </dgm:pt>
+    <dgm:pt modelId="{E531B587-9D65-4867-BBE0-CDEBD06051BB}" type="sibTrans" cxnId="{7314626F-6CF5-457F-B9B2-0591EE0E360D}">
+      <dgm:prSet/>
+      <dgm:spPr/>
+      <dgm:t>
+        <a:bodyPr/>
+        <a:lstStyle/>
+        <a:p>
+          <a:endParaRPr lang="en-US"/>
+        </a:p>
+      </dgm:t>
+    </dgm:pt>
+    <dgm:pt modelId="{8A5C1A0E-C7BB-4215-8EFD-64054F81914D}">
+      <dgm:prSet phldrT="[Text]"/>
+      <dgm:spPr/>
+      <dgm:t>
+        <a:bodyPr/>
+        <a:lstStyle/>
+        <a:p>
+          <a:r>
+            <a:rPr lang="en-US"/>
+            <a:t>Allowance for Doubtful Accounts</a:t>
+          </a:r>
+        </a:p>
+      </dgm:t>
+    </dgm:pt>
+    <dgm:pt modelId="{DE26F059-7F1F-4957-A18A-53D8350BE79F}" type="parTrans" cxnId="{6D6CEAA2-5CF5-41F6-9274-518777255BB6}">
+      <dgm:prSet/>
+      <dgm:spPr/>
+      <dgm:t>
+        <a:bodyPr/>
+        <a:lstStyle/>
+        <a:p>
+          <a:endParaRPr lang="en-US"/>
+        </a:p>
+      </dgm:t>
+    </dgm:pt>
+    <dgm:pt modelId="{D16CD391-F7CE-4EBF-B372-D91974F10D4F}" type="sibTrans" cxnId="{6D6CEAA2-5CF5-41F6-9274-518777255BB6}">
+      <dgm:prSet/>
+      <dgm:spPr/>
+      <dgm:t>
+        <a:bodyPr/>
+        <a:lstStyle/>
+        <a:p>
+          <a:endParaRPr lang="en-US"/>
+        </a:p>
+      </dgm:t>
+    </dgm:pt>
+    <dgm:pt modelId="{65AE8612-62C9-4CCF-B65A-1B059E07358D}">
+      <dgm:prSet phldrT="[Text]"/>
+      <dgm:spPr/>
+      <dgm:t>
+        <a:bodyPr/>
+        <a:lstStyle/>
+        <a:p>
+          <a:r>
+            <a:rPr lang="en-US"/>
+            <a:t>Contra-Asset Account</a:t>
+          </a:r>
+        </a:p>
+      </dgm:t>
+    </dgm:pt>
+    <dgm:pt modelId="{E59638E7-79C8-4AE9-8799-52DAA5B876C7}" type="parTrans" cxnId="{86096170-D201-4283-B327-7FF15E8A5ADB}">
+      <dgm:prSet/>
+      <dgm:spPr/>
+      <dgm:t>
+        <a:bodyPr/>
+        <a:lstStyle/>
+        <a:p>
+          <a:endParaRPr lang="en-US"/>
+        </a:p>
+      </dgm:t>
+    </dgm:pt>
+    <dgm:pt modelId="{AA6809A5-B181-4B67-84E9-DE3D772126A3}" type="sibTrans" cxnId="{86096170-D201-4283-B327-7FF15E8A5ADB}">
+      <dgm:prSet/>
+      <dgm:spPr/>
+      <dgm:t>
+        <a:bodyPr/>
+        <a:lstStyle/>
+        <a:p>
+          <a:endParaRPr lang="en-US"/>
+        </a:p>
+      </dgm:t>
+    </dgm:pt>
+    <dgm:pt modelId="{D388DFB4-1E42-4938-8306-6B2D7DAABF4B}">
+      <dgm:prSet phldrT="[Text]"/>
+      <dgm:spPr/>
+      <dgm:t>
+        <a:bodyPr/>
+        <a:lstStyle/>
+        <a:p>
+          <a:r>
+            <a:rPr lang="en-US" dirty="0"/>
+            <a:t>Temporary Account Closed to Income Summary</a:t>
+          </a:r>
+        </a:p>
+        <a:p>
+          <a:r>
+            <a:rPr lang="en-US" dirty="0"/>
+            <a:t>Debit Normal Balance</a:t>
+          </a:r>
+        </a:p>
+      </dgm:t>
+    </dgm:pt>
+    <dgm:pt modelId="{EB3D7F89-7A4E-4E3B-B087-F3018BD8FC26}" type="parTrans" cxnId="{7650B380-52F5-4C7A-9CBA-A2A391F3A31F}">
+      <dgm:prSet/>
+      <dgm:spPr/>
+      <dgm:t>
+        <a:bodyPr/>
+        <a:lstStyle/>
+        <a:p>
+          <a:endParaRPr lang="en-US"/>
+        </a:p>
+      </dgm:t>
+    </dgm:pt>
+    <dgm:pt modelId="{201E06E1-68FE-475A-BF75-C499CC7A65A2}" type="sibTrans" cxnId="{7650B380-52F5-4C7A-9CBA-A2A391F3A31F}">
+      <dgm:prSet/>
+      <dgm:spPr/>
+      <dgm:t>
+        <a:bodyPr/>
+        <a:lstStyle/>
+        <a:p>
+          <a:endParaRPr lang="en-US"/>
+        </a:p>
+      </dgm:t>
+    </dgm:pt>
+    <dgm:pt modelId="{744740F5-B552-4969-B5F0-48A5B6BD838A}">
+      <dgm:prSet phldrT="[Text]"/>
+      <dgm:spPr/>
+      <dgm:t>
+        <a:bodyPr/>
+        <a:lstStyle/>
+        <a:p>
+          <a:r>
+            <a:rPr lang="en-US"/>
+            <a:t>Contra of Accounts Receivable</a:t>
+          </a:r>
+        </a:p>
+      </dgm:t>
+    </dgm:pt>
+    <dgm:pt modelId="{024E23EF-8D8C-4FBD-92E1-F3892F04987D}" type="parTrans" cxnId="{2922388E-8186-4CE7-96C7-EF754633D61D}">
+      <dgm:prSet/>
+      <dgm:spPr/>
+      <dgm:t>
+        <a:bodyPr/>
+        <a:lstStyle/>
+        <a:p>
+          <a:endParaRPr lang="en-US"/>
+        </a:p>
+      </dgm:t>
+    </dgm:pt>
+    <dgm:pt modelId="{728CC941-3BD9-4F5A-846B-0A40722E7B45}" type="sibTrans" cxnId="{2922388E-8186-4CE7-96C7-EF754633D61D}">
+      <dgm:prSet/>
+      <dgm:spPr/>
+      <dgm:t>
+        <a:bodyPr/>
+        <a:lstStyle/>
+        <a:p>
+          <a:endParaRPr lang="en-US"/>
+        </a:p>
+      </dgm:t>
+    </dgm:pt>
+    <dgm:pt modelId="{EBF338F6-61F7-4A35-8A50-34F7973F40DB}">
+      <dgm:prSet phldrT="[Text]"/>
+      <dgm:spPr/>
+      <dgm:t>
+        <a:bodyPr/>
+        <a:lstStyle/>
+        <a:p>
+          <a:r>
+            <a:rPr lang="en-US" dirty="0"/>
+            <a:t>Reported on Balance Sheet</a:t>
+          </a:r>
+        </a:p>
+        <a:p>
+          <a:r>
+            <a:rPr lang="en-US" dirty="0"/>
+            <a:t>Credit Normal Balance</a:t>
+          </a:r>
+        </a:p>
+      </dgm:t>
+    </dgm:pt>
+    <dgm:pt modelId="{0057CB11-B6BB-43FA-83E1-C5F56E57BDBF}" type="parTrans" cxnId="{F0107FC1-C243-48E1-B4D2-86EFE40E7762}">
+      <dgm:prSet/>
+      <dgm:spPr/>
+      <dgm:t>
+        <a:bodyPr/>
+        <a:lstStyle/>
+        <a:p>
+          <a:endParaRPr lang="en-US"/>
+        </a:p>
+      </dgm:t>
+    </dgm:pt>
+    <dgm:pt modelId="{8A5C9937-3E1D-4A21-A8D6-D1144294EBA1}" type="sibTrans" cxnId="{F0107FC1-C243-48E1-B4D2-86EFE40E7762}">
+      <dgm:prSet/>
+      <dgm:spPr/>
+      <dgm:t>
+        <a:bodyPr/>
+        <a:lstStyle/>
+        <a:p>
+          <a:endParaRPr lang="en-US"/>
+        </a:p>
+      </dgm:t>
+    </dgm:pt>
+    <dgm:pt modelId="{E77F50E9-715D-44DA-BF88-05B99A0FAC34}" type="pres">
+      <dgm:prSet presAssocID="{8F4DD8D6-DC0A-4175-B8E7-C8265C65FBAF}" presName="root" presStyleCnt="0">
+        <dgm:presLayoutVars>
+          <dgm:dir/>
+          <dgm:resizeHandles val="exact"/>
+        </dgm:presLayoutVars>
+      </dgm:prSet>
+      <dgm:spPr/>
+    </dgm:pt>
+    <dgm:pt modelId="{71FEF733-9F20-4DA2-890B-E03E42AFFAE1}" type="pres">
+      <dgm:prSet presAssocID="{0E75E7C8-8C64-4124-835B-902E327F0BE0}" presName="compNode" presStyleCnt="0"/>
+      <dgm:spPr/>
+    </dgm:pt>
+    <dgm:pt modelId="{5C9D66DA-AFE4-4D4B-8218-BCF518D66DD3}" type="pres">
+      <dgm:prSet presAssocID="{0E75E7C8-8C64-4124-835B-902E327F0BE0}" presName="bgRect" presStyleLbl="bgShp" presStyleIdx="0" presStyleCnt="2" custScaleY="98654"/>
+      <dgm:spPr/>
+    </dgm:pt>
+    <dgm:pt modelId="{8D6E9D45-E265-4652-9CA0-40C88E6F004E}" type="pres">
+      <dgm:prSet presAssocID="{0E75E7C8-8C64-4124-835B-902E327F0BE0}" presName="iconRect" presStyleLbl="node1" presStyleIdx="0" presStyleCnt="2"/>
+      <dgm:spPr>
+        <a:blipFill>
+          <a:blip xmlns:r="http://schemas.openxmlformats.org/officeDocument/2006/relationships" r:embed="rId1">
+            <a:extLst>
+              <a:ext uri="{28A0092B-C50C-407E-A947-70E740481C1C}">
+                <a14:useLocalDpi xmlns:a14="http://schemas.microsoft.com/office/drawing/2010/main" val="0"/>
+              </a:ext>
+              <a:ext uri="{96DAC541-7B7A-43D3-8B79-37D633B846F1}">
+                <asvg:svgBlip xmlns:asvg="http://schemas.microsoft.com/office/drawing/2016/SVG/main" r:embed="rId2"/>
+              </a:ext>
+            </a:extLst>
+          </a:blip>
+          <a:stretch>
+            <a:fillRect/>
+          </a:stretch>
+        </a:blipFill>
+        <a:ln>
+          <a:noFill/>
+        </a:ln>
+      </dgm:spPr>
+      <dgm:extLst>
+        <a:ext uri="{E40237B7-FDA0-4F09-8148-C483321AD2D9}">
+          <dgm14:cNvPr xmlns:dgm14="http://schemas.microsoft.com/office/drawing/2010/diagram" id="0" name="" descr="Money"/>
+        </a:ext>
+      </dgm:extLst>
+    </dgm:pt>
+    <dgm:pt modelId="{546E6B35-DB1E-473F-B9E0-F6804B57FE4D}" type="pres">
+      <dgm:prSet presAssocID="{0E75E7C8-8C64-4124-835B-902E327F0BE0}" presName="spaceRect" presStyleCnt="0"/>
+      <dgm:spPr/>
+    </dgm:pt>
+    <dgm:pt modelId="{EE8EC13E-F391-48CF-960A-D5626286A2C2}" type="pres">
+      <dgm:prSet presAssocID="{0E75E7C8-8C64-4124-835B-902E327F0BE0}" presName="parTx" presStyleLbl="revTx" presStyleIdx="0" presStyleCnt="4">
+        <dgm:presLayoutVars>
+          <dgm:chMax val="0"/>
+          <dgm:chPref val="0"/>
+        </dgm:presLayoutVars>
+      </dgm:prSet>
+      <dgm:spPr/>
+    </dgm:pt>
+    <dgm:pt modelId="{A0229DE8-1FEE-4074-8150-309E4A1EC5B5}" type="pres">
+      <dgm:prSet presAssocID="{0E75E7C8-8C64-4124-835B-902E327F0BE0}" presName="desTx" presStyleLbl="revTx" presStyleIdx="1" presStyleCnt="4">
+        <dgm:presLayoutVars/>
+      </dgm:prSet>
+      <dgm:spPr/>
+    </dgm:pt>
+    <dgm:pt modelId="{88E1683B-11FB-44F5-9F28-0CC91FCB3138}" type="pres">
+      <dgm:prSet presAssocID="{4BA4C592-A1F9-45BB-9FC5-7EF59240A822}" presName="sibTrans" presStyleCnt="0"/>
+      <dgm:spPr/>
+    </dgm:pt>
+    <dgm:pt modelId="{14C4218B-0BBC-4905-B543-7467E5E65BBE}" type="pres">
+      <dgm:prSet presAssocID="{8A5C1A0E-C7BB-4215-8EFD-64054F81914D}" presName="compNode" presStyleCnt="0"/>
+      <dgm:spPr/>
+    </dgm:pt>
+    <dgm:pt modelId="{17E0492D-B164-4963-843A-A61B21026C5B}" type="pres">
+      <dgm:prSet presAssocID="{8A5C1A0E-C7BB-4215-8EFD-64054F81914D}" presName="bgRect" presStyleLbl="bgShp" presStyleIdx="1" presStyleCnt="2" custScaleY="112636"/>
+      <dgm:spPr/>
+    </dgm:pt>
+    <dgm:pt modelId="{1BFF1386-52A1-45B9-8F08-0EDD9D27D7D3}" type="pres">
+      <dgm:prSet presAssocID="{8A5C1A0E-C7BB-4215-8EFD-64054F81914D}" presName="iconRect" presStyleLbl="node1" presStyleIdx="1" presStyleCnt="2"/>
+      <dgm:spPr>
+        <a:blipFill>
+          <a:blip xmlns:r="http://schemas.openxmlformats.org/officeDocument/2006/relationships" r:embed="rId3">
+            <a:extLst>
+              <a:ext uri="{28A0092B-C50C-407E-A947-70E740481C1C}">
+                <a14:useLocalDpi xmlns:a14="http://schemas.microsoft.com/office/drawing/2010/main" val="0"/>
+              </a:ext>
+              <a:ext uri="{96DAC541-7B7A-43D3-8B79-37D633B846F1}">
+                <asvg:svgBlip xmlns:asvg="http://schemas.microsoft.com/office/drawing/2016/SVG/main" r:embed="rId4"/>
+              </a:ext>
+            </a:extLst>
+          </a:blip>
+          <a:stretch>
+            <a:fillRect/>
+          </a:stretch>
+        </a:blipFill>
+        <a:ln>
+          <a:noFill/>
+        </a:ln>
+      </dgm:spPr>
+      <dgm:extLst>
+        <a:ext uri="{E40237B7-FDA0-4F09-8148-C483321AD2D9}">
+          <dgm14:cNvPr xmlns:dgm14="http://schemas.microsoft.com/office/drawing/2010/diagram" id="0" name="" descr="Calculator"/>
+        </a:ext>
+      </dgm:extLst>
+    </dgm:pt>
+    <dgm:pt modelId="{57A8CAF1-FD51-41DD-A836-A208B5FAA73B}" type="pres">
+      <dgm:prSet presAssocID="{8A5C1A0E-C7BB-4215-8EFD-64054F81914D}" presName="spaceRect" presStyleCnt="0"/>
+      <dgm:spPr/>
+    </dgm:pt>
+    <dgm:pt modelId="{5692570A-C8CC-4CA8-9B87-27254C8FE6B7}" type="pres">
+      <dgm:prSet presAssocID="{8A5C1A0E-C7BB-4215-8EFD-64054F81914D}" presName="parTx" presStyleLbl="revTx" presStyleIdx="2" presStyleCnt="4">
+        <dgm:presLayoutVars>
+          <dgm:chMax val="0"/>
+          <dgm:chPref val="0"/>
+        </dgm:presLayoutVars>
+      </dgm:prSet>
+      <dgm:spPr/>
+    </dgm:pt>
+    <dgm:pt modelId="{D6D3218F-4AAB-49CA-873E-56BA8422E971}" type="pres">
+      <dgm:prSet presAssocID="{8A5C1A0E-C7BB-4215-8EFD-64054F81914D}" presName="desTx" presStyleLbl="revTx" presStyleIdx="3" presStyleCnt="4">
+        <dgm:presLayoutVars/>
+      </dgm:prSet>
+      <dgm:spPr/>
+    </dgm:pt>
+  </dgm:ptLst>
+  <dgm:cxnLst>
+    <dgm:cxn modelId="{4900EA2D-4658-4BDC-8D3B-C35BD9E5FE03}" type="presOf" srcId="{EBF338F6-61F7-4A35-8A50-34F7973F40DB}" destId="{D6D3218F-4AAB-49CA-873E-56BA8422E971}" srcOrd="0" destOrd="2" presId="urn:microsoft.com/office/officeart/2018/2/layout/IconVerticalSolidList"/>
+    <dgm:cxn modelId="{C47F3641-4619-4549-B15C-19D2BD7B1E3A}" type="presOf" srcId="{744740F5-B552-4969-B5F0-48A5B6BD838A}" destId="{D6D3218F-4AAB-49CA-873E-56BA8422E971}" srcOrd="0" destOrd="1" presId="urn:microsoft.com/office/officeart/2018/2/layout/IconVerticalSolidList"/>
+    <dgm:cxn modelId="{398CBE5F-AB6F-4F63-A37F-5D5BDE23DB09}" type="presOf" srcId="{8F4DD8D6-DC0A-4175-B8E7-C8265C65FBAF}" destId="{E77F50E9-715D-44DA-BF88-05B99A0FAC34}" srcOrd="0" destOrd="0" presId="urn:microsoft.com/office/officeart/2018/2/layout/IconVerticalSolidList"/>
+    <dgm:cxn modelId="{E2523368-7FCA-4692-AACA-1B2D7F1DCC1C}" type="presOf" srcId="{0E75E7C8-8C64-4124-835B-902E327F0BE0}" destId="{EE8EC13E-F391-48CF-960A-D5626286A2C2}" srcOrd="0" destOrd="0" presId="urn:microsoft.com/office/officeart/2018/2/layout/IconVerticalSolidList"/>
+    <dgm:cxn modelId="{7314626F-6CF5-457F-B9B2-0591EE0E360D}" srcId="{0E75E7C8-8C64-4124-835B-902E327F0BE0}" destId="{88D72038-35D0-4FC6-8665-B05A8D0269FC}" srcOrd="0" destOrd="0" parTransId="{2C0B3E54-9C85-4003-A1E7-5F2256CF2AB4}" sibTransId="{E531B587-9D65-4867-BBE0-CDEBD06051BB}"/>
+    <dgm:cxn modelId="{86096170-D201-4283-B327-7FF15E8A5ADB}" srcId="{8A5C1A0E-C7BB-4215-8EFD-64054F81914D}" destId="{65AE8612-62C9-4CCF-B65A-1B059E07358D}" srcOrd="0" destOrd="0" parTransId="{E59638E7-79C8-4AE9-8799-52DAA5B876C7}" sibTransId="{AA6809A5-B181-4B67-84E9-DE3D772126A3}"/>
+    <dgm:cxn modelId="{7650B380-52F5-4C7A-9CBA-A2A391F3A31F}" srcId="{0E75E7C8-8C64-4124-835B-902E327F0BE0}" destId="{D388DFB4-1E42-4938-8306-6B2D7DAABF4B}" srcOrd="1" destOrd="0" parTransId="{EB3D7F89-7A4E-4E3B-B087-F3018BD8FC26}" sibTransId="{201E06E1-68FE-475A-BF75-C499CC7A65A2}"/>
+    <dgm:cxn modelId="{2922388E-8186-4CE7-96C7-EF754633D61D}" srcId="{8A5C1A0E-C7BB-4215-8EFD-64054F81914D}" destId="{744740F5-B552-4969-B5F0-48A5B6BD838A}" srcOrd="1" destOrd="0" parTransId="{024E23EF-8D8C-4FBD-92E1-F3892F04987D}" sibTransId="{728CC941-3BD9-4F5A-846B-0A40722E7B45}"/>
+    <dgm:cxn modelId="{0075FB9B-969B-427C-B5ED-8BCA3AB3FB20}" type="presOf" srcId="{88D72038-35D0-4FC6-8665-B05A8D0269FC}" destId="{A0229DE8-1FEE-4074-8150-309E4A1EC5B5}" srcOrd="0" destOrd="0" presId="urn:microsoft.com/office/officeart/2018/2/layout/IconVerticalSolidList"/>
+    <dgm:cxn modelId="{6D6CEAA2-5CF5-41F6-9274-518777255BB6}" srcId="{8F4DD8D6-DC0A-4175-B8E7-C8265C65FBAF}" destId="{8A5C1A0E-C7BB-4215-8EFD-64054F81914D}" srcOrd="1" destOrd="0" parTransId="{DE26F059-7F1F-4957-A18A-53D8350BE79F}" sibTransId="{D16CD391-F7CE-4EBF-B372-D91974F10D4F}"/>
+    <dgm:cxn modelId="{F0107FC1-C243-48E1-B4D2-86EFE40E7762}" srcId="{8A5C1A0E-C7BB-4215-8EFD-64054F81914D}" destId="{EBF338F6-61F7-4A35-8A50-34F7973F40DB}" srcOrd="2" destOrd="0" parTransId="{0057CB11-B6BB-43FA-83E1-C5F56E57BDBF}" sibTransId="{8A5C9937-3E1D-4A21-A8D6-D1144294EBA1}"/>
+    <dgm:cxn modelId="{D48AC6F7-11AC-4D62-85E1-0BE068592DCA}" type="presOf" srcId="{65AE8612-62C9-4CCF-B65A-1B059E07358D}" destId="{D6D3218F-4AAB-49CA-873E-56BA8422E971}" srcOrd="0" destOrd="0" presId="urn:microsoft.com/office/officeart/2018/2/layout/IconVerticalSolidList"/>
+    <dgm:cxn modelId="{3C4BB9F9-38B9-41D0-A746-062847916E49}" type="presOf" srcId="{D388DFB4-1E42-4938-8306-6B2D7DAABF4B}" destId="{A0229DE8-1FEE-4074-8150-309E4A1EC5B5}" srcOrd="0" destOrd="1" presId="urn:microsoft.com/office/officeart/2018/2/layout/IconVerticalSolidList"/>
+    <dgm:cxn modelId="{845FBBF9-A04A-4E01-8EBB-66CAAA4A4C15}" srcId="{8F4DD8D6-DC0A-4175-B8E7-C8265C65FBAF}" destId="{0E75E7C8-8C64-4124-835B-902E327F0BE0}" srcOrd="0" destOrd="0" parTransId="{23021D11-02B1-480E-BE2D-E20740D01AD2}" sibTransId="{4BA4C592-A1F9-45BB-9FC5-7EF59240A822}"/>
+    <dgm:cxn modelId="{130E56FB-0E76-4E26-957B-7B7CCC3584DE}" type="presOf" srcId="{8A5C1A0E-C7BB-4215-8EFD-64054F81914D}" destId="{5692570A-C8CC-4CA8-9B87-27254C8FE6B7}" srcOrd="0" destOrd="0" presId="urn:microsoft.com/office/officeart/2018/2/layout/IconVerticalSolidList"/>
+    <dgm:cxn modelId="{558ABB3C-D90B-47B6-88CE-8035A98C4E97}" type="presParOf" srcId="{E77F50E9-715D-44DA-BF88-05B99A0FAC34}" destId="{71FEF733-9F20-4DA2-890B-E03E42AFFAE1}" srcOrd="0" destOrd="0" presId="urn:microsoft.com/office/officeart/2018/2/layout/IconVerticalSolidList"/>
+    <dgm:cxn modelId="{4699024B-F395-4541-8D39-F88F48D68A24}" type="presParOf" srcId="{71FEF733-9F20-4DA2-890B-E03E42AFFAE1}" destId="{5C9D66DA-AFE4-4D4B-8218-BCF518D66DD3}" srcOrd="0" destOrd="0" presId="urn:microsoft.com/office/officeart/2018/2/layout/IconVerticalSolidList"/>
+    <dgm:cxn modelId="{2FB28F8F-0902-459F-A3D4-C709EFC26F9F}" type="presParOf" srcId="{71FEF733-9F20-4DA2-890B-E03E42AFFAE1}" destId="{8D6E9D45-E265-4652-9CA0-40C88E6F004E}" srcOrd="1" destOrd="0" presId="urn:microsoft.com/office/officeart/2018/2/layout/IconVerticalSolidList"/>
+    <dgm:cxn modelId="{7D40AF8F-366F-4769-8211-AFE0B1F488EE}" type="presParOf" srcId="{71FEF733-9F20-4DA2-890B-E03E42AFFAE1}" destId="{546E6B35-DB1E-473F-B9E0-F6804B57FE4D}" srcOrd="2" destOrd="0" presId="urn:microsoft.com/office/officeart/2018/2/layout/IconVerticalSolidList"/>
+    <dgm:cxn modelId="{9580B1DB-0E0A-4DFB-8955-4D71934A2A97}" type="presParOf" srcId="{71FEF733-9F20-4DA2-890B-E03E42AFFAE1}" destId="{EE8EC13E-F391-48CF-960A-D5626286A2C2}" srcOrd="3" destOrd="0" presId="urn:microsoft.com/office/officeart/2018/2/layout/IconVerticalSolidList"/>
+    <dgm:cxn modelId="{B5AC7476-5C0B-4FC6-8F42-6E2A4C38550E}" type="presParOf" srcId="{71FEF733-9F20-4DA2-890B-E03E42AFFAE1}" destId="{A0229DE8-1FEE-4074-8150-309E4A1EC5B5}" srcOrd="4" destOrd="0" presId="urn:microsoft.com/office/officeart/2018/2/layout/IconVerticalSolidList"/>
+    <dgm:cxn modelId="{0B55FE8B-2F11-4CFC-A730-6C555E48DECF}" type="presParOf" srcId="{E77F50E9-715D-44DA-BF88-05B99A0FAC34}" destId="{88E1683B-11FB-44F5-9F28-0CC91FCB3138}" srcOrd="1" destOrd="0" presId="urn:microsoft.com/office/officeart/2018/2/layout/IconVerticalSolidList"/>
+    <dgm:cxn modelId="{21FC7FFC-00E0-45D9-A0FB-43762A420952}" type="presParOf" srcId="{E77F50E9-715D-44DA-BF88-05B99A0FAC34}" destId="{14C4218B-0BBC-4905-B543-7467E5E65BBE}" srcOrd="2" destOrd="0" presId="urn:microsoft.com/office/officeart/2018/2/layout/IconVerticalSolidList"/>
+    <dgm:cxn modelId="{089C1DE8-6622-40BD-BFCC-7640A696192F}" type="presParOf" srcId="{14C4218B-0BBC-4905-B543-7467E5E65BBE}" destId="{17E0492D-B164-4963-843A-A61B21026C5B}" srcOrd="0" destOrd="0" presId="urn:microsoft.com/office/officeart/2018/2/layout/IconVerticalSolidList"/>
+    <dgm:cxn modelId="{E2ABA93B-556D-4B11-92F9-509448C31DE2}" type="presParOf" srcId="{14C4218B-0BBC-4905-B543-7467E5E65BBE}" destId="{1BFF1386-52A1-45B9-8F08-0EDD9D27D7D3}" srcOrd="1" destOrd="0" presId="urn:microsoft.com/office/officeart/2018/2/layout/IconVerticalSolidList"/>
+    <dgm:cxn modelId="{5DAB5800-B9AD-4D15-ADA1-36E931A3AC60}" type="presParOf" srcId="{14C4218B-0BBC-4905-B543-7467E5E65BBE}" destId="{57A8CAF1-FD51-41DD-A836-A208B5FAA73B}" srcOrd="2" destOrd="0" presId="urn:microsoft.com/office/officeart/2018/2/layout/IconVerticalSolidList"/>
+    <dgm:cxn modelId="{0616B11F-2794-48E4-A102-8C6BA1EE6773}" type="presParOf" srcId="{14C4218B-0BBC-4905-B543-7467E5E65BBE}" destId="{5692570A-C8CC-4CA8-9B87-27254C8FE6B7}" srcOrd="3" destOrd="0" presId="urn:microsoft.com/office/officeart/2018/2/layout/IconVerticalSolidList"/>
+    <dgm:cxn modelId="{1621E99A-0BCD-454C-A0CB-18B869C073A4}" type="presParOf" srcId="{14C4218B-0BBC-4905-B543-7467E5E65BBE}" destId="{D6D3218F-4AAB-49CA-873E-56BA8422E971}" srcOrd="4" destOrd="0" presId="urn:microsoft.com/office/officeart/2018/2/layout/IconVerticalSolidList"/>
+  </dgm:cxnLst>
+  <dgm:bg/>
+  <dgm:whole/>
+  <dgm:extLst>
+    <a:ext uri="http://schemas.microsoft.com/office/drawing/2008/diagram">
+      <dsp:dataModelExt xmlns:dsp="http://schemas.microsoft.com/office/drawing/2008/diagram" relId="rId6" minVer="http://schemas.openxmlformats.org/drawingml/2006/diagram"/>
+    </a:ext>
+  </dgm:extLst>
+</dgm:dataModel>
+</file>
+
+<file path=ppt/diagrams/drawing1.xml><?xml version="1.0" encoding="utf-8"?>
+<dsp:drawing xmlns:dgm="http://schemas.openxmlformats.org/drawingml/2006/diagram" xmlns:dsp="http://schemas.microsoft.com/office/drawing/2008/diagram" xmlns:a="http://schemas.openxmlformats.org/drawingml/2006/main">
+  <dsp:spTree>
+    <dsp:nvGrpSpPr>
+      <dsp:cNvPr id="0" name=""/>
+      <dsp:cNvGrpSpPr/>
+    </dsp:nvGrpSpPr>
+    <dsp:grpSpPr/>
+    <dsp:sp modelId="{5C9D66DA-AFE4-4D4B-8218-BCF518D66DD3}">
+      <dsp:nvSpPr>
+        <dsp:cNvPr id="0" name=""/>
+        <dsp:cNvSpPr/>
+      </dsp:nvSpPr>
+      <dsp:spPr>
+        <a:xfrm>
+          <a:off x="0" y="598970"/>
+          <a:ext cx="9829799" cy="1217824"/>
+        </a:xfrm>
+        <a:prstGeom prst="roundRect">
+          <a:avLst>
+            <a:gd name="adj" fmla="val 10000"/>
+          </a:avLst>
+        </a:prstGeom>
+        <a:solidFill>
+          <a:schemeClr val="accent2">
+            <a:tint val="40000"/>
+            <a:hueOff val="0"/>
+            <a:satOff val="0"/>
+            <a:lumOff val="0"/>
+            <a:alphaOff val="0"/>
+          </a:schemeClr>
+        </a:solidFill>
+        <a:ln>
+          <a:noFill/>
+        </a:ln>
+        <a:effectLst/>
+      </dsp:spPr>
+      <dsp:style>
+        <a:lnRef idx="0">
+          <a:scrgbClr r="0" g="0" b="0"/>
+        </a:lnRef>
+        <a:fillRef idx="1">
+          <a:scrgbClr r="0" g="0" b="0"/>
+        </a:fillRef>
+        <a:effectRef idx="0">
+          <a:scrgbClr r="0" g="0" b="0"/>
+        </a:effectRef>
+        <a:fontRef idx="minor"/>
+      </dsp:style>
+    </dsp:sp>
+    <dsp:sp modelId="{8D6E9D45-E265-4652-9CA0-40C88E6F004E}">
+      <dsp:nvSpPr>
+        <dsp:cNvPr id="0" name=""/>
+        <dsp:cNvSpPr/>
+      </dsp:nvSpPr>
+      <dsp:spPr>
+        <a:xfrm>
+          <a:off x="373418" y="868411"/>
+          <a:ext cx="678941" cy="678941"/>
+        </a:xfrm>
+        <a:prstGeom prst="rect">
+          <a:avLst/>
+        </a:prstGeom>
+        <a:blipFill>
+          <a:blip xmlns:r="http://schemas.openxmlformats.org/officeDocument/2006/relationships" r:embed="rId1">
+            <a:extLst>
+              <a:ext uri="{28A0092B-C50C-407E-A947-70E740481C1C}">
+                <a14:useLocalDpi xmlns:a14="http://schemas.microsoft.com/office/drawing/2010/main" val="0"/>
+              </a:ext>
+              <a:ext uri="{96DAC541-7B7A-43D3-8B79-37D633B846F1}">
+                <asvg:svgBlip xmlns:asvg="http://schemas.microsoft.com/office/drawing/2016/SVG/main" r:embed="rId2"/>
+              </a:ext>
+            </a:extLst>
+          </a:blip>
+          <a:stretch>
+            <a:fillRect/>
+          </a:stretch>
+        </a:blipFill>
+        <a:ln w="12700" cap="flat" cmpd="sng" algn="ctr">
+          <a:noFill/>
+          <a:prstDash val="solid"/>
+        </a:ln>
+        <a:effectLst/>
+      </dsp:spPr>
+      <dsp:style>
+        <a:lnRef idx="2">
+          <a:scrgbClr r="0" g="0" b="0"/>
+        </a:lnRef>
+        <a:fillRef idx="1">
+          <a:scrgbClr r="0" g="0" b="0"/>
+        </a:fillRef>
+        <a:effectRef idx="0">
+          <a:scrgbClr r="0" g="0" b="0"/>
+        </a:effectRef>
+        <a:fontRef idx="minor">
+          <a:schemeClr val="lt1"/>
+        </a:fontRef>
+      </dsp:style>
+    </dsp:sp>
+    <dsp:sp modelId="{EE8EC13E-F391-48CF-960A-D5626286A2C2}">
+      <dsp:nvSpPr>
+        <dsp:cNvPr id="0" name=""/>
+        <dsp:cNvSpPr/>
+      </dsp:nvSpPr>
+      <dsp:spPr>
+        <a:xfrm>
+          <a:off x="1425777" y="590662"/>
+          <a:ext cx="4423409" cy="1234439"/>
+        </a:xfrm>
+        <a:prstGeom prst="rect">
+          <a:avLst/>
+        </a:prstGeom>
+        <a:noFill/>
+        <a:ln>
+          <a:noFill/>
+        </a:ln>
+        <a:effectLst/>
+      </dsp:spPr>
+      <dsp:style>
+        <a:lnRef idx="0">
+          <a:scrgbClr r="0" g="0" b="0"/>
+        </a:lnRef>
+        <a:fillRef idx="0">
+          <a:scrgbClr r="0" g="0" b="0"/>
+        </a:fillRef>
+        <a:effectRef idx="0">
+          <a:scrgbClr r="0" g="0" b="0"/>
+        </a:effectRef>
+        <a:fontRef idx="minor"/>
+      </dsp:style>
+      <dsp:txBody>
+        <a:bodyPr spcFirstLastPara="0" vert="horz" wrap="square" lIns="130645" tIns="130645" rIns="130645" bIns="130645" numCol="1" spcCol="1270" anchor="ctr" anchorCtr="0">
+          <a:noAutofit/>
+        </a:bodyPr>
+        <a:lstStyle/>
+        <a:p>
+          <a:pPr marL="0" lvl="0" indent="0" algn="l" defTabSz="1111250">
+            <a:lnSpc>
+              <a:spcPct val="90000"/>
+            </a:lnSpc>
+            <a:spcBef>
+              <a:spcPct val="0"/>
+            </a:spcBef>
+            <a:spcAft>
+              <a:spcPct val="35000"/>
+            </a:spcAft>
+            <a:buNone/>
+          </a:pPr>
+          <a:r>
+            <a:rPr lang="en-US" sz="2500" kern="1200"/>
+            <a:t>Bad Debts Expense</a:t>
+          </a:r>
+        </a:p>
+      </dsp:txBody>
+      <dsp:txXfrm>
+        <a:off x="1425777" y="590662"/>
+        <a:ext cx="4423409" cy="1234439"/>
+      </dsp:txXfrm>
+    </dsp:sp>
+    <dsp:sp modelId="{A0229DE8-1FEE-4074-8150-309E4A1EC5B5}">
+      <dsp:nvSpPr>
+        <dsp:cNvPr id="0" name=""/>
+        <dsp:cNvSpPr/>
+      </dsp:nvSpPr>
+      <dsp:spPr>
+        <a:xfrm>
+          <a:off x="5849187" y="590662"/>
+          <a:ext cx="3980611" cy="1234439"/>
+        </a:xfrm>
+        <a:prstGeom prst="rect">
+          <a:avLst/>
+        </a:prstGeom>
+        <a:noFill/>
+        <a:ln>
+          <a:noFill/>
+        </a:ln>
+        <a:effectLst/>
+      </dsp:spPr>
+      <dsp:style>
+        <a:lnRef idx="0">
+          <a:scrgbClr r="0" g="0" b="0"/>
+        </a:lnRef>
+        <a:fillRef idx="0">
+          <a:scrgbClr r="0" g="0" b="0"/>
+        </a:fillRef>
+        <a:effectRef idx="0">
+          <a:scrgbClr r="0" g="0" b="0"/>
+        </a:effectRef>
+        <a:fontRef idx="minor"/>
+      </dsp:style>
+      <dsp:txBody>
+        <a:bodyPr spcFirstLastPara="0" vert="horz" wrap="square" lIns="130645" tIns="130645" rIns="130645" bIns="130645" numCol="1" spcCol="1270" anchor="ctr" anchorCtr="0">
+          <a:noAutofit/>
+        </a:bodyPr>
+        <a:lstStyle/>
+        <a:p>
+          <a:pPr marL="0" lvl="0" indent="0" algn="l" defTabSz="622300">
+            <a:lnSpc>
+              <a:spcPct val="90000"/>
+            </a:lnSpc>
+            <a:spcBef>
+              <a:spcPct val="0"/>
+            </a:spcBef>
+            <a:spcAft>
+              <a:spcPct val="35000"/>
+            </a:spcAft>
+            <a:buNone/>
+          </a:pPr>
+          <a:r>
+            <a:rPr lang="en-US" sz="1400" kern="1200" dirty="0"/>
+            <a:t>Operating Expense Account</a:t>
+          </a:r>
+        </a:p>
+        <a:p>
+          <a:pPr marL="0" lvl="0" indent="0" algn="l" defTabSz="622300">
+            <a:lnSpc>
+              <a:spcPct val="90000"/>
+            </a:lnSpc>
+            <a:spcBef>
+              <a:spcPct val="0"/>
+            </a:spcBef>
+            <a:spcAft>
+              <a:spcPct val="35000"/>
+            </a:spcAft>
+            <a:buNone/>
+          </a:pPr>
+          <a:r>
+            <a:rPr lang="en-US" sz="1400" kern="1200" dirty="0"/>
+            <a:t>Estimate of Uncollectible Credit Sales</a:t>
+          </a:r>
+        </a:p>
+        <a:p>
+          <a:pPr marL="0" lvl="0" indent="0" algn="l" defTabSz="622300">
+            <a:lnSpc>
+              <a:spcPct val="90000"/>
+            </a:lnSpc>
+            <a:spcBef>
+              <a:spcPct val="0"/>
+            </a:spcBef>
+            <a:spcAft>
+              <a:spcPct val="35000"/>
+            </a:spcAft>
+            <a:buNone/>
+          </a:pPr>
+          <a:r>
+            <a:rPr lang="en-US" sz="1400" kern="1200" dirty="0"/>
+            <a:t>Temporary Account Closed to Income Summary</a:t>
+          </a:r>
+        </a:p>
+        <a:p>
+          <a:pPr marL="0" lvl="0" indent="0" algn="l" defTabSz="622300">
+            <a:lnSpc>
+              <a:spcPct val="90000"/>
+            </a:lnSpc>
+            <a:spcBef>
+              <a:spcPct val="0"/>
+            </a:spcBef>
+            <a:spcAft>
+              <a:spcPct val="35000"/>
+            </a:spcAft>
+            <a:buNone/>
+          </a:pPr>
+          <a:r>
+            <a:rPr lang="en-US" sz="1400" kern="1200" dirty="0"/>
+            <a:t>Debit Normal Balance</a:t>
+          </a:r>
+        </a:p>
+      </dsp:txBody>
+      <dsp:txXfrm>
+        <a:off x="5849187" y="590662"/>
+        <a:ext cx="3980611" cy="1234439"/>
+      </dsp:txXfrm>
+    </dsp:sp>
+    <dsp:sp modelId="{17E0492D-B164-4963-843A-A61B21026C5B}">
+      <dsp:nvSpPr>
+        <dsp:cNvPr id="0" name=""/>
+        <dsp:cNvSpPr/>
+      </dsp:nvSpPr>
+      <dsp:spPr>
+        <a:xfrm>
+          <a:off x="0" y="2133712"/>
+          <a:ext cx="9829799" cy="1390423"/>
+        </a:xfrm>
+        <a:prstGeom prst="roundRect">
+          <a:avLst>
+            <a:gd name="adj" fmla="val 10000"/>
+          </a:avLst>
+        </a:prstGeom>
+        <a:solidFill>
+          <a:schemeClr val="accent2">
+            <a:tint val="40000"/>
+            <a:hueOff val="0"/>
+            <a:satOff val="0"/>
+            <a:lumOff val="0"/>
+            <a:alphaOff val="0"/>
+          </a:schemeClr>
+        </a:solidFill>
+        <a:ln>
+          <a:noFill/>
+        </a:ln>
+        <a:effectLst/>
+      </dsp:spPr>
+      <dsp:style>
+        <a:lnRef idx="0">
+          <a:scrgbClr r="0" g="0" b="0"/>
+        </a:lnRef>
+        <a:fillRef idx="1">
+          <a:scrgbClr r="0" g="0" b="0"/>
+        </a:fillRef>
+        <a:effectRef idx="0">
+          <a:scrgbClr r="0" g="0" b="0"/>
+        </a:effectRef>
+        <a:fontRef idx="minor"/>
+      </dsp:style>
+    </dsp:sp>
+    <dsp:sp modelId="{1BFF1386-52A1-45B9-8F08-0EDD9D27D7D3}">
+      <dsp:nvSpPr>
+        <dsp:cNvPr id="0" name=""/>
+        <dsp:cNvSpPr/>
+      </dsp:nvSpPr>
+      <dsp:spPr>
+        <a:xfrm>
+          <a:off x="373418" y="2489453"/>
+          <a:ext cx="678941" cy="678941"/>
+        </a:xfrm>
+        <a:prstGeom prst="rect">
+          <a:avLst/>
+        </a:prstGeom>
+        <a:blipFill>
+          <a:blip xmlns:r="http://schemas.openxmlformats.org/officeDocument/2006/relationships" r:embed="rId3">
+            <a:extLst>
+              <a:ext uri="{28A0092B-C50C-407E-A947-70E740481C1C}">
+                <a14:useLocalDpi xmlns:a14="http://schemas.microsoft.com/office/drawing/2010/main" val="0"/>
+              </a:ext>
+              <a:ext uri="{96DAC541-7B7A-43D3-8B79-37D633B846F1}">
+                <asvg:svgBlip xmlns:asvg="http://schemas.microsoft.com/office/drawing/2016/SVG/main" r:embed="rId4"/>
+              </a:ext>
+            </a:extLst>
+          </a:blip>
+          <a:stretch>
+            <a:fillRect/>
+          </a:stretch>
+        </a:blipFill>
+        <a:ln w="12700" cap="flat" cmpd="sng" algn="ctr">
+          <a:noFill/>
+          <a:prstDash val="solid"/>
+        </a:ln>
+        <a:effectLst/>
+      </dsp:spPr>
+      <dsp:style>
+        <a:lnRef idx="2">
+          <a:scrgbClr r="0" g="0" b="0"/>
+        </a:lnRef>
+        <a:fillRef idx="1">
+          <a:scrgbClr r="0" g="0" b="0"/>
+        </a:fillRef>
+        <a:effectRef idx="0">
+          <a:scrgbClr r="0" g="0" b="0"/>
+        </a:effectRef>
+        <a:fontRef idx="minor">
+          <a:schemeClr val="lt1"/>
+        </a:fontRef>
+      </dsp:style>
+    </dsp:sp>
+    <dsp:sp modelId="{5692570A-C8CC-4CA8-9B87-27254C8FE6B7}">
+      <dsp:nvSpPr>
+        <dsp:cNvPr id="0" name=""/>
+        <dsp:cNvSpPr/>
+      </dsp:nvSpPr>
+      <dsp:spPr>
+        <a:xfrm>
+          <a:off x="1425777" y="2211704"/>
+          <a:ext cx="4423409" cy="1234439"/>
+        </a:xfrm>
+        <a:prstGeom prst="rect">
+          <a:avLst/>
+        </a:prstGeom>
+        <a:noFill/>
+        <a:ln>
+          <a:noFill/>
+        </a:ln>
+        <a:effectLst/>
+      </dsp:spPr>
+      <dsp:style>
+        <a:lnRef idx="0">
+          <a:scrgbClr r="0" g="0" b="0"/>
+        </a:lnRef>
+        <a:fillRef idx="0">
+          <a:scrgbClr r="0" g="0" b="0"/>
+        </a:fillRef>
+        <a:effectRef idx="0">
+          <a:scrgbClr r="0" g="0" b="0"/>
+        </a:effectRef>
+        <a:fontRef idx="minor"/>
+      </dsp:style>
+      <dsp:txBody>
+        <a:bodyPr spcFirstLastPara="0" vert="horz" wrap="square" lIns="130645" tIns="130645" rIns="130645" bIns="130645" numCol="1" spcCol="1270" anchor="ctr" anchorCtr="0">
+          <a:noAutofit/>
+        </a:bodyPr>
+        <a:lstStyle/>
+        <a:p>
+          <a:pPr marL="0" lvl="0" indent="0" algn="l" defTabSz="1111250">
+            <a:lnSpc>
+              <a:spcPct val="90000"/>
+            </a:lnSpc>
+            <a:spcBef>
+              <a:spcPct val="0"/>
+            </a:spcBef>
+            <a:spcAft>
+              <a:spcPct val="35000"/>
+            </a:spcAft>
+            <a:buNone/>
+          </a:pPr>
+          <a:r>
+            <a:rPr lang="en-US" sz="2500" kern="1200"/>
+            <a:t>Allowance for Doubtful Accounts</a:t>
+          </a:r>
+        </a:p>
+      </dsp:txBody>
+      <dsp:txXfrm>
+        <a:off x="1425777" y="2211704"/>
+        <a:ext cx="4423409" cy="1234439"/>
+      </dsp:txXfrm>
+    </dsp:sp>
+    <dsp:sp modelId="{D6D3218F-4AAB-49CA-873E-56BA8422E971}">
+      <dsp:nvSpPr>
+        <dsp:cNvPr id="0" name=""/>
+        <dsp:cNvSpPr/>
+      </dsp:nvSpPr>
+      <dsp:spPr>
+        <a:xfrm>
+          <a:off x="5849187" y="2211704"/>
+          <a:ext cx="3980611" cy="1234439"/>
+        </a:xfrm>
+        <a:prstGeom prst="rect">
+          <a:avLst/>
+        </a:prstGeom>
+        <a:noFill/>
+        <a:ln>
+          <a:noFill/>
+        </a:ln>
+        <a:effectLst/>
+      </dsp:spPr>
+      <dsp:style>
+        <a:lnRef idx="0">
+          <a:scrgbClr r="0" g="0" b="0"/>
+        </a:lnRef>
+        <a:fillRef idx="0">
+          <a:scrgbClr r="0" g="0" b="0"/>
+        </a:fillRef>
+        <a:effectRef idx="0">
+          <a:scrgbClr r="0" g="0" b="0"/>
+        </a:effectRef>
+        <a:fontRef idx="minor"/>
+      </dsp:style>
+      <dsp:txBody>
+        <a:bodyPr spcFirstLastPara="0" vert="horz" wrap="square" lIns="130645" tIns="130645" rIns="130645" bIns="130645" numCol="1" spcCol="1270" anchor="ctr" anchorCtr="0">
+          <a:noAutofit/>
+        </a:bodyPr>
+        <a:lstStyle/>
+        <a:p>
+          <a:pPr marL="0" lvl="0" indent="0" algn="l" defTabSz="622300">
+            <a:lnSpc>
+              <a:spcPct val="90000"/>
+            </a:lnSpc>
+            <a:spcBef>
+              <a:spcPct val="0"/>
+            </a:spcBef>
+            <a:spcAft>
+              <a:spcPct val="35000"/>
+            </a:spcAft>
+            <a:buNone/>
+          </a:pPr>
+          <a:r>
+            <a:rPr lang="en-US" sz="1400" kern="1200"/>
+            <a:t>Contra-Asset Account</a:t>
+          </a:r>
+        </a:p>
+        <a:p>
+          <a:pPr marL="0" lvl="0" indent="0" algn="l" defTabSz="622300">
+            <a:lnSpc>
+              <a:spcPct val="90000"/>
+            </a:lnSpc>
+            <a:spcBef>
+              <a:spcPct val="0"/>
+            </a:spcBef>
+            <a:spcAft>
+              <a:spcPct val="35000"/>
+            </a:spcAft>
+            <a:buNone/>
+          </a:pPr>
+          <a:r>
+            <a:rPr lang="en-US" sz="1400" kern="1200"/>
+            <a:t>Contra of Accounts Receivable</a:t>
+          </a:r>
+        </a:p>
+        <a:p>
+          <a:pPr marL="0" lvl="0" indent="0" algn="l" defTabSz="622300">
+            <a:lnSpc>
+              <a:spcPct val="90000"/>
+            </a:lnSpc>
+            <a:spcBef>
+              <a:spcPct val="0"/>
+            </a:spcBef>
+            <a:spcAft>
+              <a:spcPct val="35000"/>
+            </a:spcAft>
+            <a:buNone/>
+          </a:pPr>
+          <a:r>
+            <a:rPr lang="en-US" sz="1400" kern="1200" dirty="0"/>
+            <a:t>Reported on Balance Sheet</a:t>
+          </a:r>
+        </a:p>
+        <a:p>
+          <a:pPr marL="0" lvl="0" indent="0" algn="l" defTabSz="622300">
+            <a:lnSpc>
+              <a:spcPct val="90000"/>
+            </a:lnSpc>
+            <a:spcBef>
+              <a:spcPct val="0"/>
+            </a:spcBef>
+            <a:spcAft>
+              <a:spcPct val="35000"/>
+            </a:spcAft>
+            <a:buNone/>
+          </a:pPr>
+          <a:r>
+            <a:rPr lang="en-US" sz="1400" kern="1200" dirty="0"/>
+            <a:t>Credit Normal Balance</a:t>
+          </a:r>
+        </a:p>
+      </dsp:txBody>
+      <dsp:txXfrm>
+        <a:off x="5849187" y="2211704"/>
+        <a:ext cx="3980611" cy="1234439"/>
+      </dsp:txXfrm>
+    </dsp:sp>
+  </dsp:spTree>
+</dsp:drawing>
+</file>
+
+<file path=ppt/diagrams/layout1.xml><?xml version="1.0" encoding="utf-8"?>
+<dgm:layoutDef xmlns:dgm="http://schemas.openxmlformats.org/drawingml/2006/diagram" xmlns:a="http://schemas.openxmlformats.org/drawingml/2006/main" uniqueId="urn:microsoft.com/office/officeart/2018/2/layout/IconVerticalSolidList">
+  <dgm:title val="Icon Vertical Solid List"/>
+  <dgm:desc val="Use to show a series of visuals from top to bottom with Level 1 or Level 1 and Level 2 text grouped in a shape. Works best with icons or small pictures with lengthier descriptions."/>
+  <dgm:catLst>
+    <dgm:cat type="icon" pri="500"/>
+  </dgm:catLst>
+  <dgm:sampData useDef="1">
+    <dgm:dataModel>
+      <dgm:ptLst/>
+      <dgm:bg/>
+      <dgm:whole/>
+    </dgm:dataModel>
+  </dgm:sampData>
+  <dgm:styleData useDef="1">
+    <dgm:dataModel>
+      <dgm:ptLst/>
+      <dgm:bg/>
+      <dgm:whole/>
+    </dgm:dataModel>
+  </dgm:styleData>
+  <dgm:clrData useDef="1">
+    <dgm:dataModel>
+      <dgm:ptLst/>
+      <dgm:bg/>
+      <dgm:whole/>
+    </dgm:dataModel>
+  </dgm:clrData>
+  <dgm:layoutNode name="root">
+    <dgm:varLst>
+      <dgm:dir/>
+      <dgm:resizeHandles val="exact"/>
+    </dgm:varLst>
+    <dgm:choose name="Name0">
+      <dgm:if name="Name1" axis="self" func="var" arg="dir" op="equ" val="norm">
+        <dgm:alg type="lin">
+          <dgm:param type="linDir" val="fromT"/>
+          <dgm:param type="nodeHorzAlign" val="l"/>
+        </dgm:alg>
+      </dgm:if>
+      <dgm:else name="Name2">
+        <dgm:alg type="lin">
+          <dgm:param type="linDir" val="fromT"/>
+          <dgm:param type="nodeHorzAlign" val="r"/>
+        </dgm:alg>
+      </dgm:else>
+    </dgm:choose>
+    <dgm:shape xmlns:r="http://schemas.openxmlformats.org/officeDocument/2006/relationships" r:blip="">
+      <dgm:adjLst/>
+    </dgm:shape>
+    <dgm:presOf/>
+    <dgm:choose name="Name3">
+      <dgm:if name="Name4" axis="ch" ptType="node" func="cnt" op="lte" val="3">
+        <dgm:constrLst>
+          <dgm:constr type="h" for="ch" forName="compNode" refType="h" fact="0.3"/>
+          <dgm:constr type="w" for="ch" forName="compNode" refType="w"/>
+          <dgm:constr type="h" for="ch" forName="sibTrans" refType="h" refFor="ch" refForName="compNode" fact="0.25"/>
+          <dgm:constr type="primFontSz" for="des" forName="parTx" val="25"/>
+          <dgm:constr type="primFontSz" for="des" forName="desTx" refType="primFontSz" refFor="des" refForName="parTx" op="lte" fact="0.75"/>
+          <dgm:constr type="h" for="des" forName="compNode" op="equ"/>
+          <dgm:constr type="h" for="des" forName="bgRect" op="equ"/>
+          <dgm:constr type="h" for="des" forName="iconRect" op="equ"/>
+          <dgm:constr type="w" for="des" forName="iconRect" op="equ"/>
+          <dgm:constr type="h" for="des" forName="spaceRect" op="equ"/>
+          <dgm:constr type="h" for="des" forName="parTx" op="equ"/>
+          <dgm:constr type="h" for="des" forName="desTx" op="equ"/>
+        </dgm:constrLst>
+      </dgm:if>
+      <dgm:if name="Name5" axis="ch" ptType="node" func="cnt" op="lte" val="4">
+        <dgm:constrLst>
+          <dgm:constr type="h" for="ch" forName="compNode" refType="h" fact="0.3"/>
+          <dgm:constr type="w" for="ch" forName="compNode" refType="w"/>
+          <dgm:constr type="h" for="ch" forName="sibTrans" refType="h" refFor="ch" refForName="compNode" fact="0.25"/>
+          <dgm:constr type="primFontSz" for="des" forName="parTx" val="22"/>
+          <dgm:constr type="primFontSz" for="des" forName="desTx" refType="primFontSz" refFor="des" refForName="parTx" op="lte" fact="0.75"/>
+          <dgm:constr type="h" for="des" forName="compNode" op="equ"/>
+          <dgm:constr type="h" for="des" forName="bgRect" op="equ"/>
+          <dgm:constr type="h" for="des" forName="iconRect" op="equ"/>
+          <dgm:constr type="w" for="des" forName="iconRect" op="equ"/>
+          <dgm:constr type="h" for="des" forName="spaceRect" op="equ"/>
+          <dgm:constr type="h" for="des" forName="parTx" op="equ"/>
+          <dgm:constr type="h" for="des" forName="desTx" op="equ"/>
+        </dgm:constrLst>
+      </dgm:if>
+      <dgm:if name="Name6" axis="ch" ptType="node" func="cnt" op="lte" val="6">
+        <dgm:constrLst>
+          <dgm:constr type="h" for="ch" forName="compNode" refType="h" fact="0.3"/>
+          <dgm:constr type="w" for="ch" forName="compNode" refType="w"/>
+          <dgm:constr type="h" for="ch" forName="sibTrans" refType="h" refFor="ch" refForName="compNode" fact="0.25"/>
+          <dgm:constr type="primFontSz" for="des" forName="parTx" val="19"/>
+          <dgm:constr type="primFontSz" for="des" forName="desTx" refType="primFontSz" refFor="des" refForName="parTx" op="lte" fact="0.75"/>
+          <dgm:constr type="h" for="des" forName="compNode" op="equ"/>
+          <dgm:constr type="h" for="des" forName="bgRect" op="equ"/>
+          <dgm:constr type="h" for="des" forName="iconRect" op="equ"/>
+          <dgm:constr type="w" for="des" forName="iconRect" op="equ"/>
+          <dgm:constr type="h" for="des" forName="spaceRect" op="equ"/>
+          <dgm:constr type="h" for="des" forName="parTx" op="equ"/>
+          <dgm:constr type="h" for="des" forName="desTx" op="equ"/>
+        </dgm:constrLst>
+      </dgm:if>
+      <dgm:else name="Name7">
+        <dgm:constrLst>
+          <dgm:constr type="h" for="ch" forName="compNode" refType="h" fact="0.3"/>
+          <dgm:constr type="w" for="ch" forName="compNode" refType="w"/>
+          <dgm:constr type="h" for="ch" forName="sibTrans" refType="h" refFor="ch" refForName="compNode" fact="0.25"/>
+          <dgm:constr type="primFontSz" for="des" forName="parTx" val="16"/>
+          <dgm:constr type="primFontSz" for="des" forName="desTx" refType="primFontSz" refFor="des" refForName="parTx" op="lte" fact="0.75"/>
+          <dgm:constr type="h" for="des" forName="compNode" op="equ"/>
+          <dgm:constr type="h" for="des" forName="bgRect" op="equ"/>
+          <dgm:constr type="h" for="des" forName="iconRect" op="equ"/>
+          <dgm:constr type="w" for="des" forName="iconRect" op="equ"/>
+          <dgm:constr type="h" for="des" forName="spaceRect" op="equ"/>
+          <dgm:constr type="h" for="des" forName="parTx" op="equ"/>
+          <dgm:constr type="h" for="des" forName="desTx" op="equ"/>
+        </dgm:constrLst>
+      </dgm:else>
+    </dgm:choose>
+    <dgm:ruleLst>
+      <dgm:rule type="h" for="ch" forName="compNode" val="0" fact="NaN" max="NaN"/>
+    </dgm:ruleLst>
+    <dgm:forEach name="Name8" axis="ch" ptType="node">
+      <dgm:layoutNode name="compNode">
+        <dgm:alg type="composite"/>
+        <dgm:shape xmlns:r="http://schemas.openxmlformats.org/officeDocument/2006/relationships" r:blip="">
+          <dgm:adjLst/>
+        </dgm:shape>
+        <dgm:presOf axis="self"/>
+        <dgm:choose name="Name9">
+          <dgm:if name="Name10" axis="ch" ptType="node" func="cnt" op="gte" val="1">
+            <dgm:constrLst>
+              <dgm:constr type="w" for="ch" forName="bgRect" refType="w"/>
+              <dgm:constr type="h" for="ch" forName="bgRect" refType="h"/>
+              <dgm:constr type="l" for="ch" forName="bgRect"/>
+              <dgm:constr type="t" for="ch" forName="bgRect"/>
+              <dgm:constr type="h" for="ch" forName="iconRect" refType="h" fact="0.55"/>
+              <dgm:constr type="w" for="ch" forName="iconRect" refType="h" refFor="ch" refForName="iconRect"/>
+              <dgm:constr type="l" for="ch" forName="iconRect" refType="h" refFor="ch" refForName="iconRect" fact="0.55"/>
+              <dgm:constr type="ctrY" for="ch" forName="iconRect" refType="ctrY" refFor="ch" refForName="bgRect"/>
+              <dgm:constr type="w" for="ch" forName="spaceRect" refType="l" refFor="ch" refForName="iconRect"/>
+              <dgm:constr type="h" for="ch" forName="spaceRect" refType="h"/>
+              <dgm:constr type="l" for="ch" forName="spaceRect" refType="r" refFor="ch" refForName="iconRect"/>
+              <dgm:constr type="t" for="ch" forName="spaceRect"/>
+              <dgm:constr type="w" for="ch" forName="parTx" refType="w" fact="0.45"/>
+              <dgm:constr type="h" for="ch" forName="parTx" refType="h"/>
+              <dgm:constr type="l" for="ch" forName="parTx" refType="r" refFor="ch" refForName="spaceRect"/>
+              <dgm:constr type="t" for="ch" forName="parTx"/>
+              <dgm:constr type="h" for="ch" forName="desTx" refType="h"/>
+              <dgm:constr type="l" for="ch" forName="desTx" refType="r" refFor="ch" refForName="parTx"/>
+              <dgm:constr type="t" for="ch" forName="desTx"/>
+            </dgm:constrLst>
+          </dgm:if>
+          <dgm:else name="Name11">
+            <dgm:constrLst>
+              <dgm:constr type="w" for="ch" forName="bgRect" refType="w"/>
+              <dgm:constr type="h" for="ch" forName="bgRect" refType="h"/>
+              <dgm:constr type="l" for="ch" forName="bgRect"/>
+              <dgm:constr type="t" for="ch" forName="bgRect"/>
+              <dgm:constr type="h" for="ch" forName="iconRect" refType="h" fact="0.55"/>
+              <dgm:constr type="w" for="ch" forName="iconRect" refType="h" refFor="ch" refForName="iconRect"/>
+              <dgm:constr type="l" for="ch" forName="iconRect" refType="h" refFor="ch" refForName="iconRect" fact="0.55"/>
+              <dgm:constr type="ctrY" for="ch" forName="iconRect" refType="ctrY" refFor="ch" refForName="bgRect"/>
+              <dgm:constr type="w" for="ch" forName="spaceRect" refType="l" refFor="ch" refForName="iconRect"/>
+              <dgm:constr type="h" for="ch" forName="spaceRect" refType="h"/>
+              <dgm:constr type="l" for="ch" forName="spaceRect" refType="r" refFor="ch" refForName="iconRect"/>
+              <dgm:constr type="t" for="ch" forName="spaceRect"/>
+              <dgm:constr type="h" for="ch" forName="parTx" refType="h"/>
+              <dgm:constr type="l" for="ch" forName="parTx" refType="r" refFor="ch" refForName="spaceRect"/>
+              <dgm:constr type="t" for="ch" forName="parTx"/>
+            </dgm:constrLst>
+          </dgm:else>
+        </dgm:choose>
+        <dgm:ruleLst>
+          <dgm:rule type="h" val="INF" fact="NaN" max="NaN"/>
+        </dgm:ruleLst>
+        <dgm:layoutNode name="bgRect" styleLbl="bgShp">
+          <dgm:alg type="sp"/>
+          <dgm:shape xmlns:r="http://schemas.openxmlformats.org/officeDocument/2006/relationships" type="roundRect" r:blip="">
+            <dgm:adjLst>
+              <dgm:adj idx="1" val="0.1"/>
+            </dgm:adjLst>
+          </dgm:shape>
+          <dgm:presOf/>
+          <dgm:constrLst/>
+          <dgm:ruleLst/>
+        </dgm:layoutNode>
+        <dgm:layoutNode name="iconRect" styleLbl="node1">
+          <dgm:alg type="sp"/>
+          <dgm:shape xmlns:r="http://schemas.openxmlformats.org/officeDocument/2006/relationships" type="rect" r:blip="" blipPhldr="1">
+            <dgm:adjLst/>
+          </dgm:shape>
+          <dgm:presOf/>
+          <dgm:constrLst/>
+          <dgm:ruleLst/>
+        </dgm:layoutNode>
+        <dgm:layoutNode name="spaceRect">
+          <dgm:alg type="sp"/>
+          <dgm:shape xmlns:r="http://schemas.openxmlformats.org/officeDocument/2006/relationships" r:blip="">
+            <dgm:adjLst/>
+          </dgm:shape>
+          <dgm:presOf/>
+          <dgm:constrLst/>
+          <dgm:ruleLst/>
+        </dgm:layoutNode>
+        <dgm:layoutNode name="parTx" styleLbl="revTx">
+          <dgm:varLst>
+            <dgm:chMax val="0"/>
+            <dgm:chPref val="0"/>
+          </dgm:varLst>
+          <dgm:alg type="tx">
+            <dgm:param type="txAnchorVert" val="mid"/>
+            <dgm:param type="parTxLTRAlign" val="l"/>
+            <dgm:param type="shpTxLTRAlignCh" val="l"/>
+            <dgm:param type="parTxRTLAlign" val="r"/>
+            <dgm:param type="shpTxRTLAlignCh" val="r"/>
+          </dgm:alg>
+          <dgm:shape xmlns:r="http://schemas.openxmlformats.org/officeDocument/2006/relationships" type="rect" r:blip="">
+            <dgm:adjLst/>
+          </dgm:shape>
+          <dgm:presOf axis="self" ptType="node"/>
+          <dgm:constrLst>
+            <dgm:constr type="lMarg" refType="h" fact="0.3"/>
+            <dgm:constr type="rMarg" refType="h" fact="0.3"/>
+            <dgm:constr type="tMarg" refType="h" fact="0.3"/>
+            <dgm:constr type="bMarg" refType="h" fact="0.3"/>
+          </dgm:constrLst>
+          <dgm:ruleLst>
+            <dgm:rule type="primFontSz" val="14" fact="NaN" max="NaN"/>
+            <dgm:rule type="h" val="INF" fact="NaN" max="NaN"/>
+          </dgm:ruleLst>
+        </dgm:layoutNode>
+        <dgm:choose name="Name12">
+          <dgm:if name="Name13" axis="ch" ptType="node" func="cnt" op="gte" val="1">
+            <dgm:layoutNode name="desTx" styleLbl="revTx">
+              <dgm:varLst/>
+              <dgm:alg type="tx">
+                <dgm:param type="txAnchorVertCh" val="mid"/>
+                <dgm:param type="parTxLTRAlign" val="l"/>
+                <dgm:param type="shpTxLTRAlignCh" val="l"/>
+                <dgm:param type="parTxRTLAlign" val="r"/>
+                <dgm:param type="shpTxRTLAlignCh" val="r"/>
+                <dgm:param type="stBulletLvl" val="0"/>
+              </dgm:alg>
+              <dgm:shape xmlns:r="http://schemas.openxmlformats.org/officeDocument/2006/relationships" type="rect" r:blip="">
+                <dgm:adjLst/>
+              </dgm:shape>
+              <dgm:presOf axis="des" ptType="node"/>
+              <dgm:constrLst>
+                <dgm:constr type="primFontSz" val="18"/>
+                <dgm:constr type="secFontSz" refType="primFontSz"/>
+                <dgm:constr type="lMarg" refType="h" fact="0.3"/>
+                <dgm:constr type="rMarg" refType="h" fact="0.3"/>
+                <dgm:constr type="tMarg" refType="h" fact="0.3"/>
+                <dgm:constr type="bMarg" refType="h" fact="0.3"/>
+              </dgm:constrLst>
+              <dgm:ruleLst>
+                <dgm:rule type="primFontSz" val="11" fact="NaN" max="NaN"/>
+              </dgm:ruleLst>
+            </dgm:layoutNode>
+          </dgm:if>
+          <dgm:else name="Name14"/>
+        </dgm:choose>
+      </dgm:layoutNode>
+      <dgm:forEach name="Name15" axis="followSib" ptType="sibTrans" cnt="1">
+        <dgm:layoutNode name="sibTrans">
+          <dgm:alg type="sp"/>
+          <dgm:shape xmlns:r="http://schemas.openxmlformats.org/officeDocument/2006/relationships" r:blip="">
+            <dgm:adjLst/>
+          </dgm:shape>
+          <dgm:presOf axis="self"/>
+          <dgm:constrLst/>
+          <dgm:ruleLst/>
+        </dgm:layoutNode>
+      </dgm:forEach>
+    </dgm:forEach>
+  </dgm:layoutNode>
+  <dgm:extLst>
+    <a:ext uri="{68A01E43-0DF5-4B5B-8FA6-DAF915123BFB}">
+      <dgm1612:lstStyle xmlns:dgm1612="http://schemas.microsoft.com/office/drawing/2016/12/diagram">
+        <a:lvl1pPr>
+          <a:lnSpc>
+            <a:spcPct val="100000"/>
+          </a:lnSpc>
+        </a:lvl1pPr>
+        <a:lvl2pPr>
+          <a:lnSpc>
+            <a:spcPct val="100000"/>
+          </a:lnSpc>
+        </a:lvl2pPr>
+      </dgm1612:lstStyle>
+    </a:ext>
+  </dgm:extLst>
+</dgm:layoutDef>
+</file>
+
+<file path=ppt/diagrams/quickStyle1.xml><?xml version="1.0" encoding="utf-8"?>
+<dgm:styleDef xmlns:dgm="http://schemas.openxmlformats.org/drawingml/2006/diagram" xmlns:a="http://schemas.openxmlformats.org/drawingml/2006/main" uniqueId="urn:microsoft.com/office/officeart/2005/8/quickstyle/simple1">
+  <dgm:title val=""/>
+  <dgm:desc val=""/>
+  <dgm:catLst>
+    <dgm:cat type="simple" pri="10100"/>
+  </dgm:catLst>
+  <dgm:scene3d>
+    <a:camera prst="orthographicFront"/>
+    <a:lightRig rig="threePt" dir="t"/>
+  </dgm:scene3d>
+  <dgm:styleLbl name="node0">
+    <dgm:scene3d>
+      <a:camera prst="orthographicFront"/>
+      <a:lightRig rig="threePt" dir="t"/>
+    </dgm:scene3d>
+    <dgm:sp3d/>
+    <dgm:txPr/>
+    <dgm:style>
+      <a:lnRef idx="2">
+        <a:scrgbClr r="0" g="0" b="0"/>
+      </a:lnRef>
+      <a:fillRef idx="1">
+        <a:scrgbClr r="0" g="0" b="0"/>
+      </a:fillRef>
+      <a:effectRef idx="0">
+        <a:scrgbClr r="0" g="0" b="0"/>
+      </a:effectRef>
+      <a:fontRef idx="minor">
+        <a:schemeClr val="lt1"/>
+      </a:fontRef>
+    </dgm:style>
+  </dgm:styleLbl>
+  <dgm:styleLbl name="lnNode1">
+    <dgm:scene3d>
+      <a:camera prst="orthographicFront"/>
+      <a:lightRig rig="threePt" dir="t"/>
+    </dgm:scene3d>
+    <dgm:sp3d/>
+    <dgm:txPr/>
+    <dgm:style>
+      <a:lnRef idx="2">
+        <a:scrgbClr r="0" g="0" b="0"/>
+      </a:lnRef>
+      <a:fillRef idx="1">
+        <a:scrgbClr r="0" g="0" b="0"/>
+      </a:fillRef>
+      <a:effectRef idx="0">
+        <a:scrgbClr r="0" g="0" b="0"/>
+      </a:effectRef>
+      <a:fontRef idx="minor">
+        <a:schemeClr val="lt1"/>
+      </a:fontRef>
+    </dgm:style>
+  </dgm:styleLbl>
+  <dgm:styleLbl name="vennNode1">
+    <dgm:scene3d>
+      <a:camera prst="orthographicFront"/>
+      <a:lightRig rig="threePt" dir="t"/>
+    </dgm:scene3d>
+    <dgm:sp3d/>
+    <dgm:txPr/>
+    <dgm:style>
+      <a:lnRef idx="2">
+        <a:scrgbClr r="0" g="0" b="0"/>
+      </a:lnRef>
+      <a:fillRef idx="1">
+        <a:scrgbClr r="0" g="0" b="0"/>
+      </a:fillRef>
+      <a:effectRef idx="0">
+        <a:scrgbClr r="0" g="0" b="0"/>
+      </a:effectRef>
+      <a:fontRef idx="minor">
+        <a:schemeClr val="tx1"/>
+      </a:fontRef>
+    </dgm:style>
+  </dgm:styleLbl>
+  <dgm:styleLbl name="alignNode1">
+    <dgm:scene3d>
+      <a:camera prst="orthographicFront"/>
+      <a:lightRig rig="threePt" dir="t"/>
+    </dgm:scene3d>
+    <dgm:sp3d/>
+    <dgm:txPr/>
+    <dgm:style>
+      <a:lnRef idx="2">
+        <a:scrgbClr r="0" g="0" b="0"/>
+      </a:lnRef>
+      <a:fillRef idx="1">
+        <a:scrgbClr r="0" g="0" b="0"/>
+      </a:fillRef>
+      <a:effectRef idx="0">
+        <a:scrgbClr r="0" g="0" b="0"/>
+      </a:effectRef>
+      <a:fontRef idx="minor">
+        <a:schemeClr val="lt1"/>
+      </a:fontRef>
+    </dgm:style>
+  </dgm:styleLbl>
+  <dgm:styleLbl name="node1">
+    <dgm:scene3d>
+      <a:camera prst="orthographicFront"/>
+      <a:lightRig rig="threePt" dir="t"/>
+    </dgm:scene3d>
+    <dgm:sp3d/>
+    <dgm:txPr/>
+    <dgm:style>
+      <a:lnRef idx="2">
+        <a:scrgbClr r="0" g="0" b="0"/>
+      </a:lnRef>
+      <a:fillRef idx="1">
+        <a:scrgbClr r="0" g="0" b="0"/>
+      </a:fillRef>
+      <a:effectRef idx="0">
+        <a:scrgbClr r="0" g="0" b="0"/>
+      </a:effectRef>
+      <a:fontRef idx="minor">
+        <a:schemeClr val="lt1"/>
+      </a:fontRef>
+    </dgm:style>
+  </dgm:styleLbl>
+  <dgm:styleLbl name="node2">
+    <dgm:scene3d>
+      <a:camera prst="orthographicFront"/>
+      <a:lightRig rig="threePt" dir="t"/>
+    </dgm:scene3d>
+    <dgm:sp3d/>
+    <dgm:txPr/>
+    <dgm:style>
+      <a:lnRef idx="2">
+        <a:scrgbClr r="0" g="0" b="0"/>
+      </a:lnRef>
+      <a:fillRef idx="1">
+        <a:scrgbClr r="0" g="0" b="0"/>
+      </a:fillRef>
+      <a:effectRef idx="0">
+        <a:scrgbClr r="0" g="0" b="0"/>
+      </a:effectRef>
+      <a:fontRef idx="minor">
+        <a:schemeClr val="lt1"/>
+      </a:fontRef>
+    </dgm:style>
+  </dgm:styleLbl>
+  <dgm:styleLbl name="node3">
+    <dgm:scene3d>
+      <a:camera prst="orthographicFront"/>
+      <a:lightRig rig="threePt" dir="t"/>
+    </dgm:scene3d>
+    <dgm:sp3d/>
+    <dgm:txPr/>
+    <dgm:style>
+      <a:lnRef idx="2">
+        <a:scrgbClr r="0" g="0" b="0"/>
+      </a:lnRef>
+      <a:fillRef idx="1">
+        <a:scrgbClr r="0" g="0" b="0"/>
+      </a:fillRef>
+      <a:effectRef idx="0">
+        <a:scrgbClr r="0" g="0" b="0"/>
+      </a:effectRef>
+      <a:fontRef idx="minor">
+        <a:schemeClr val="lt1"/>
+      </a:fontRef>
+    </dgm:style>
+  </dgm:styleLbl>
+  <dgm:styleLbl name="node4">
+    <dgm:scene3d>
+      <a:camera prst="orthographicFront"/>
+      <a:lightRig rig="threePt" dir="t"/>
+    </dgm:scene3d>
+    <dgm:sp3d/>
+    <dgm:txPr/>
+    <dgm:style>
+      <a:lnRef idx="2">
+        <a:scrgbClr r="0" g="0" b="0"/>
+      </a:lnRef>
+      <a:fillRef idx="1">
+        <a:scrgbClr r="0" g="0" b="0"/>
+      </a:fillRef>
+      <a:effectRef idx="0">
+        <a:scrgbClr r="0" g="0" b="0"/>
+      </a:effectRef>
+      <a:fontRef idx="minor">
+        <a:schemeClr val="lt1"/>
+      </a:fontRef>
+    </dgm:style>
+  </dgm:styleLbl>
+  <dgm:styleLbl name="fgImgPlace1">
+    <dgm:scene3d>
+      <a:camera prst="orthographicFront"/>
+      <a:lightRig rig="threePt" dir="t"/>
+    </dgm:scene3d>
+    <dgm:sp3d/>
+    <dgm:txPr/>
+    <dgm:style>
+      <a:lnRef idx="2">
+        <a:scrgbClr r="0" g="0" b="0"/>
+      </a:lnRef>
+      <a:fillRef idx="1">
+        <a:scrgbClr r="0" g="0" b="0"/>
+      </a:fillRef>
+      <a:effectRef idx="0">
+        <a:scrgbClr r="0" g="0" b="0"/>
+      </a:effectRef>
+      <a:fontRef idx="minor"/>
+    </dgm:style>
+  </dgm:styleLbl>
+  <dgm:styleLbl name="alignImgPlace1">
+    <dgm:scene3d>
+      <a:camera prst="orthographicFront"/>
+      <a:lightRig rig="threePt" dir="t"/>
+    </dgm:scene3d>
+    <dgm:sp3d/>
+    <dgm:txPr/>
+    <dgm:style>
+      <a:lnRef idx="2">
+        <a:scrgbClr r="0" g="0" b="0"/>
+      </a:lnRef>
+      <a:fillRef idx="1">
+        <a:scrgbClr r="0" g="0" b="0"/>
+      </a:fillRef>
+      <a:effectRef idx="0">
+        <a:scrgbClr r="0" g="0" b="0"/>
+      </a:effectRef>
+      <a:fontRef idx="minor"/>
+    </dgm:style>
+  </dgm:styleLbl>
+  <dgm:styleLbl name="bgImgPlace1">
+    <dgm:scene3d>
+      <a:camera prst="orthographicFront"/>
+      <a:lightRig rig="threePt" dir="t"/>
+    </dgm:scene3d>
+    <dgm:sp3d/>
+    <dgm:txPr/>
+    <dgm:style>
+      <a:lnRef idx="2">
+        <a:scrgbClr r="0" g="0" b="0"/>
+      </a:lnRef>
+      <a:fillRef idx="1">
+        <a:scrgbClr r="0" g="0" b="0"/>
+      </a:fillRef>
+      <a:effectRef idx="0">
+        <a:scrgbClr r="0" g="0" b="0"/>
+      </a:effectRef>
+      <a:fontRef idx="minor"/>
+    </dgm:style>
+  </dgm:styleLbl>
+  <dgm:styleLbl name="sibTrans2D1">
+    <dgm:scene3d>
+      <a:camera prst="orthographicFront"/>
+      <a:lightRig rig="threePt" dir="t"/>
+    </dgm:scene3d>
+    <dgm:sp3d/>
+    <dgm:txPr/>
+    <dgm:style>
+      <a:lnRef idx="0">
+        <a:scrgbClr r="0" g="0" b="0"/>
+      </a:lnRef>
+      <a:fillRef idx="1">
+        <a:scrgbClr r="0" g="0" b="0"/>
+      </a:fillRef>
+      <a:effectRef idx="0">
+        <a:scrgbClr r="0" g="0" b="0"/>
+      </a:effectRef>
+      <a:fontRef idx="minor">
+        <a:schemeClr val="lt1"/>
+      </a:fontRef>
+    </dgm:style>
+  </dgm:styleLbl>
+  <dgm:styleLbl name="fgSibTrans2D1">
+    <dgm:scene3d>
+      <a:camera prst="orthographicFront"/>
+      <a:lightRig rig="threePt" dir="t"/>
+    </dgm:scene3d>
+    <dgm:sp3d/>
+    <dgm:txPr/>
+    <dgm:style>
+      <a:lnRef idx="0">
+        <a:scrgbClr r="0" g="0" b="0"/>
+      </a:lnRef>
+      <a:fillRef idx="1">
+        <a:scrgbClr r="0" g="0" b="0"/>
+      </a:fillRef>
+      <a:effectRef idx="0">
+        <a:scrgbClr r="0" g="0" b="0"/>
+      </a:effectRef>
+      <a:fontRef idx="minor">
+        <a:schemeClr val="lt1"/>
+      </a:fontRef>
+    </dgm:style>
+  </dgm:styleLbl>
+  <dgm:styleLbl name="bgSibTrans2D1">
+    <dgm:scene3d>
+      <a:camera prst="orthographicFront"/>
+      <a:lightRig rig="threePt" dir="t"/>
+    </dgm:scene3d>
+    <dgm:sp3d/>
+    <dgm:txPr/>
+    <dgm:style>
+      <a:lnRef idx="0">
+        <a:scrgbClr r="0" g="0" b="0"/>
+      </a:lnRef>
+      <a:fillRef idx="1">
+        <a:scrgbClr r="0" g="0" b="0"/>
+      </a:fillRef>
+      <a:effectRef idx="0">
+        <a:scrgbClr r="0" g="0" b="0"/>
+      </a:effectRef>
+      <a:fontRef idx="minor">
+        <a:schemeClr val="lt1"/>
+      </a:fontRef>
+    </dgm:style>
+  </dgm:styleLbl>
+  <dgm:styleLbl name="sibTrans1D1">
+    <dgm:scene3d>
+      <a:camera prst="orthographicFront"/>
+      <a:lightRig rig="threePt" dir="t"/>
+    </dgm:scene3d>
+    <dgm:sp3d/>
+    <dgm:txPr/>
+    <dgm:style>
+      <a:lnRef idx="1">
+        <a:scrgbClr r="0" g="0" b="0"/>
+      </a:lnRef>
+      <a:fillRef idx="0">
+        <a:scrgbClr r="0" g="0" b="0"/>
+      </a:fillRef>
+      <a:effectRef idx="0">
+        <a:scrgbClr r="0" g="0" b="0"/>
+      </a:effectRef>
+      <a:fontRef idx="minor"/>
+    </dgm:style>
+  </dgm:styleLbl>
+  <dgm:styleLbl name="callout">
+    <dgm:scene3d>
+      <a:camera prst="orthographicFront"/>
+      <a:lightRig rig="threePt" dir="t"/>
+    </dgm:scene3d>
+    <dgm:sp3d/>
+    <dgm:txPr/>
+    <dgm:style>
+      <a:lnRef idx="2">
+        <a:scrgbClr r="0" g="0" b="0"/>
+      </a:lnRef>
+      <a:fillRef idx="1">
+        <a:scrgbClr r="0" g="0" b="0"/>
+      </a:fillRef>
+      <a:effectRef idx="0">
+        <a:scrgbClr r="0" g="0" b="0"/>
+      </a:effectRef>
+      <a:fontRef idx="minor"/>
+    </dgm:style>
+  </dgm:styleLbl>
+  <dgm:styleLbl name="asst0">
+    <dgm:scene3d>
+      <a:camera prst="orthographicFront"/>
+      <a:lightRig rig="threePt" dir="t"/>
+    </dgm:scene3d>
+    <dgm:sp3d/>
+    <dgm:txPr/>
+    <dgm:style>
+      <a:lnRef idx="2">
+        <a:scrgbClr r="0" g="0" b="0"/>
+      </a:lnRef>
+      <a:fillRef idx="1">
+        <a:scrgbClr r="0" g="0" b="0"/>
+      </a:fillRef>
+      <a:effectRef idx="0">
+        <a:scrgbClr r="0" g="0" b="0"/>
+      </a:effectRef>
+      <a:fontRef idx="minor">
+        <a:schemeClr val="lt1"/>
+      </a:fontRef>
+    </dgm:style>
+  </dgm:styleLbl>
+  <dgm:styleLbl name="asst1">
+    <dgm:scene3d>
+      <a:camera prst="orthographicFront"/>
+      <a:lightRig rig="threePt" dir="t"/>
+    </dgm:scene3d>
+    <dgm:sp3d/>
+    <dgm:txPr/>
+    <dgm:style>
+      <a:lnRef idx="2">
+        <a:scrgbClr r="0" g="0" b="0"/>
+      </a:lnRef>
+      <a:fillRef idx="1">
+        <a:scrgbClr r="0" g="0" b="0"/>
+      </a:fillRef>
+      <a:effectRef idx="0">
+        <a:scrgbClr r="0" g="0" b="0"/>
+      </a:effectRef>
+      <a:fontRef idx="minor">
+        <a:schemeClr val="lt1"/>
+      </a:fontRef>
+    </dgm:style>
+  </dgm:styleLbl>
+  <dgm:styleLbl name="asst2">
+    <dgm:scene3d>
+      <a:camera prst="orthographicFront"/>
+      <a:lightRig rig="threePt" dir="t"/>
+    </dgm:scene3d>
+    <dgm:sp3d/>
+    <dgm:txPr/>
+    <dgm:style>
+      <a:lnRef idx="2">
+        <a:scrgbClr r="0" g="0" b="0"/>
+      </a:lnRef>
+      <a:fillRef idx="1">
+        <a:scrgbClr r="0" g="0" b="0"/>
+      </a:fillRef>
+      <a:effectRef idx="0">
+        <a:scrgbClr r="0" g="0" b="0"/>
+      </a:effectRef>
+      <a:fontRef idx="minor">
+        <a:schemeClr val="lt1"/>
+      </a:fontRef>
+    </dgm:style>
+  </dgm:styleLbl>
+  <dgm:styleLbl name="asst3">
+    <dgm:scene3d>
+      <a:camera prst="orthographicFront"/>
+      <a:lightRig rig="threePt" dir="t"/>
+    </dgm:scene3d>
+    <dgm:sp3d/>
+    <dgm:txPr/>
+    <dgm:style>
+      <a:lnRef idx="2">
+        <a:scrgbClr r="0" g="0" b="0"/>
+      </a:lnRef>
+      <a:fillRef idx="1">
+        <a:scrgbClr r="0" g="0" b="0"/>
+      </a:fillRef>
+      <a:effectRef idx="0">
+        <a:scrgbClr r="0" g="0" b="0"/>
+      </a:effectRef>
+      <a:fontRef idx="minor">
+        <a:schemeClr val="lt1"/>
+      </a:fontRef>
+    </dgm:style>
+  </dgm:styleLbl>
+  <dgm:styleLbl name="asst4">
+    <dgm:scene3d>
+      <a:camera prst="orthographicFront"/>
+      <a:lightRig rig="threePt" dir="t"/>
+    </dgm:scene3d>
+    <dgm:sp3d/>
+    <dgm:txPr/>
+    <dgm:style>
+      <a:lnRef idx="2">
+        <a:scrgbClr r="0" g="0" b="0"/>
+      </a:lnRef>
+      <a:fillRef idx="1">
+        <a:scrgbClr r="0" g="0" b="0"/>
+      </a:fillRef>
+      <a:effectRef idx="0">
+        <a:scrgbClr r="0" g="0" b="0"/>
+      </a:effectRef>
+      <a:fontRef idx="minor">
+        <a:schemeClr val="lt1"/>
+      </a:fontRef>
+    </dgm:style>
+  </dgm:styleLbl>
+  <dgm:styleLbl name="parChTrans2D1">
+    <dgm:scene3d>
+      <a:camera prst="orthographicFront"/>
+      <a:lightRig rig="threePt" dir="t"/>
+    </dgm:scene3d>
+    <dgm:sp3d/>
+    <dgm:txPr/>
+    <dgm:style>
+      <a:lnRef idx="2">
+        <a:scrgbClr r="0" g="0" b="0"/>
+      </a:lnRef>
+      <a:fillRef idx="1">
+        <a:scrgbClr r="0" g="0" b="0"/>
+      </a:fillRef>
+      <a:effectRef idx="0">
+        <a:scrgbClr r="0" g="0" b="0"/>
+      </a:effectRef>
+      <a:fontRef idx="minor">
+        <a:schemeClr val="lt1"/>
+      </a:fontRef>
+    </dgm:style>
+  </dgm:styleLbl>
+  <dgm:styleLbl name="parChTrans2D2">
+    <dgm:scene3d>
+      <a:camera prst="orthographicFront"/>
+      <a:lightRig rig="threePt" dir="t"/>
+    </dgm:scene3d>
+    <dgm:sp3d/>
+    <dgm:txPr/>
+    <dgm:style>
+      <a:lnRef idx="2">
+        <a:scrgbClr r="0" g="0" b="0"/>
+      </a:lnRef>
+      <a:fillRef idx="1">
+        <a:scrgbClr r="0" g="0" b="0"/>
+      </a:fillRef>
+      <a:effectRef idx="0">
+        <a:scrgbClr r="0" g="0" b="0"/>
+      </a:effectRef>
+      <a:fontRef idx="minor">
+        <a:schemeClr val="lt1"/>
+      </a:fontRef>
+    </dgm:style>
+  </dgm:styleLbl>
+  <dgm:styleLbl name="parChTrans2D3">
+    <dgm:scene3d>
+      <a:camera prst="orthographicFront"/>
+      <a:lightRig rig="threePt" dir="t"/>
+    </dgm:scene3d>
+    <dgm:sp3d/>
+    <dgm:txPr/>
+    <dgm:style>
+      <a:lnRef idx="2">
+        <a:scrgbClr r="0" g="0" b="0"/>
+      </a:lnRef>
+      <a:fillRef idx="1">
+        <a:scrgbClr r="0" g="0" b="0"/>
+      </a:fillRef>
+      <a:effectRef idx="0">
+        <a:scrgbClr r="0" g="0" b="0"/>
+      </a:effectRef>
+      <a:fontRef idx="minor">
+        <a:schemeClr val="lt1"/>
+      </a:fontRef>
+    </dgm:style>
+  </dgm:styleLbl>
+  <dgm:styleLbl name="parChTrans2D4">
+    <dgm:scene3d>
+      <a:camera prst="orthographicFront"/>
+      <a:lightRig rig="threePt" dir="t"/>
+    </dgm:scene3d>
+    <dgm:sp3d/>
+    <dgm:txPr/>
+    <dgm:style>
+      <a:lnRef idx="2">
+        <a:scrgbClr r="0" g="0" b="0"/>
+      </a:lnRef>
+      <a:fillRef idx="1">
+        <a:scrgbClr r="0" g="0" b="0"/>
+      </a:fillRef>
+      <a:effectRef idx="0">
+        <a:scrgbClr r="0" g="0" b="0"/>
+      </a:effectRef>
+      <a:fontRef idx="minor">
+        <a:schemeClr val="lt1"/>
+      </a:fontRef>
+    </dgm:style>
+  </dgm:styleLbl>
+  <dgm:styleLbl name="parChTrans1D1">
+    <dgm:scene3d>
+      <a:camera prst="orthographicFront"/>
+      <a:lightRig rig="threePt" dir="t"/>
+    </dgm:scene3d>
+    <dgm:sp3d/>
+    <dgm:txPr/>
+    <dgm:style>
+      <a:lnRef idx="2">
+        <a:scrgbClr r="0" g="0" b="0"/>
+      </a:lnRef>
+      <a:fillRef idx="0">
+        <a:scrgbClr r="0" g="0" b="0"/>
+      </a:fillRef>
+      <a:effectRef idx="0">
+        <a:scrgbClr r="0" g="0" b="0"/>
+      </a:effectRef>
+      <a:fontRef idx="minor"/>
+    </dgm:style>
+  </dgm:styleLbl>
+  <dgm:styleLbl name="parChTrans1D2">
+    <dgm:scene3d>
+      <a:camera prst="orthographicFront"/>
+      <a:lightRig rig="threePt" dir="t"/>
+    </dgm:scene3d>
+    <dgm:sp3d/>
+    <dgm:txPr/>
+    <dgm:style>
+      <a:lnRef idx="2">
+        <a:scrgbClr r="0" g="0" b="0"/>
+      </a:lnRef>
+      <a:fillRef idx="0">
+        <a:scrgbClr r="0" g="0" b="0"/>
+      </a:fillRef>
+      <a:effectRef idx="0">
+        <a:scrgbClr r="0" g="0" b="0"/>
+      </a:effectRef>
+      <a:fontRef idx="minor"/>
+    </dgm:style>
+  </dgm:styleLbl>
+  <dgm:styleLbl name="parChTrans1D3">
+    <dgm:scene3d>
+      <a:camera prst="orthographicFront"/>
+      <a:lightRig rig="threePt" dir="t"/>
+    </dgm:scene3d>
+    <dgm:sp3d/>
+    <dgm:txPr/>
+    <dgm:style>
+      <a:lnRef idx="2">
+        <a:scrgbClr r="0" g="0" b="0"/>
+      </a:lnRef>
+      <a:fillRef idx="0">
+        <a:scrgbClr r="0" g="0" b="0"/>
+      </a:fillRef>
+      <a:effectRef idx="0">
+        <a:scrgbClr r="0" g="0" b="0"/>
+      </a:effectRef>
+      <a:fontRef idx="minor"/>
+    </dgm:style>
+  </dgm:styleLbl>
+  <dgm:styleLbl name="parChTrans1D4">
+    <dgm:scene3d>
+      <a:camera prst="orthographicFront"/>
+      <a:lightRig rig="threePt" dir="t"/>
+    </dgm:scene3d>
+    <dgm:sp3d/>
+    <dgm:txPr/>
+    <dgm:style>
+      <a:lnRef idx="2">
+        <a:scrgbClr r="0" g="0" b="0"/>
+      </a:lnRef>
+      <a:fillRef idx="0">
+        <a:scrgbClr r="0" g="0" b="0"/>
+      </a:fillRef>
+      <a:effectRef idx="0">
+        <a:scrgbClr r="0" g="0" b="0"/>
+      </a:effectRef>
+      <a:fontRef idx="minor"/>
+    </dgm:style>
+  </dgm:styleLbl>
+  <dgm:styleLbl name="fgAcc1">
+    <dgm:scene3d>
+      <a:camera prst="orthographicFront"/>
+      <a:lightRig rig="threePt" dir="t"/>
+    </dgm:scene3d>
+    <dgm:sp3d/>
+    <dgm:txPr/>
+    <dgm:style>
+      <a:lnRef idx="2">
+        <a:scrgbClr r="0" g="0" b="0"/>
+      </a:lnRef>
+      <a:fillRef idx="1">
+        <a:scrgbClr r="0" g="0" b="0"/>
+      </a:fillRef>
+      <a:effectRef idx="0">
+        <a:scrgbClr r="0" g="0" b="0"/>
+      </a:effectRef>
+      <a:fontRef idx="minor"/>
+    </dgm:style>
+  </dgm:styleLbl>
+  <dgm:styleLbl name="conFgAcc1">
+    <dgm:scene3d>
+      <a:camera prst="orthographicFront"/>
+      <a:lightRig rig="threePt" dir="t"/>
+    </dgm:scene3d>
+    <dgm:sp3d/>
+    <dgm:txPr/>
+    <dgm:style>
+      <a:lnRef idx="2">
+        <a:scrgbClr r="0" g="0" b="0"/>
+      </a:lnRef>
+      <a:fillRef idx="1">
+        <a:scrgbClr r="0" g="0" b="0"/>
+      </a:fillRef>
+      <a:effectRef idx="0">
+        <a:scrgbClr r="0" g="0" b="0"/>
+      </a:effectRef>
+      <a:fontRef idx="minor"/>
+    </dgm:style>
+  </dgm:styleLbl>
+  <dgm:styleLbl name="alignAcc1">
+    <dgm:scene3d>
+      <a:camera prst="orthographicFront"/>
+      <a:lightRig rig="threePt" dir="t"/>
+    </dgm:scene3d>
+    <dgm:sp3d/>
+    <dgm:txPr/>
+    <dgm:style>
+      <a:lnRef idx="2">
+        <a:scrgbClr r="0" g="0" b="0"/>
+      </a:lnRef>
+      <a:fillRef idx="1">
+        <a:scrgbClr r="0" g="0" b="0"/>
+      </a:fillRef>
+      <a:effectRef idx="0">
+        <a:scrgbClr r="0" g="0" b="0"/>
+      </a:effectRef>
+      <a:fontRef idx="minor"/>
+    </dgm:style>
+  </dgm:styleLbl>
+  <dgm:styleLbl name="trAlignAcc1">
+    <dgm:scene3d>
+      <a:camera prst="orthographicFront"/>
+      <a:lightRig rig="threePt" dir="t"/>
+    </dgm:scene3d>
+    <dgm:sp3d/>
+    <dgm:txPr/>
+    <dgm:style>
+      <a:lnRef idx="1">
+        <a:scrgbClr r="0" g="0" b="0"/>
+      </a:lnRef>
+      <a:fillRef idx="1">
+        <a:scrgbClr r="0" g="0" b="0"/>
+      </a:fillRef>
+      <a:effectRef idx="0">
+        <a:scrgbClr r="0" g="0" b="0"/>
+      </a:effectRef>
+      <a:fontRef idx="minor"/>
+    </dgm:style>
+  </dgm:styleLbl>
+  <dgm:styleLbl name="bgAcc1">
+    <dgm:scene3d>
+      <a:camera prst="orthographicFront"/>
+      <a:lightRig rig="threePt" dir="t"/>
+    </dgm:scene3d>
+    <dgm:sp3d/>
+    <dgm:txPr/>
+    <dgm:style>
+      <a:lnRef idx="2">
+        <a:scrgbClr r="0" g="0" b="0"/>
+      </a:lnRef>
+      <a:fillRef idx="1">
+        <a:scrgbClr r="0" g="0" b="0"/>
+      </a:fillRef>
+      <a:effectRef idx="0">
+        <a:scrgbClr r="0" g="0" b="0"/>
+      </a:effectRef>
+      <a:fontRef idx="minor"/>
+    </dgm:style>
+  </dgm:styleLbl>
+  <dgm:styleLbl name="solidFgAcc1">
+    <dgm:scene3d>
+      <a:camera prst="orthographicFront"/>
+      <a:lightRig rig="threePt" dir="t"/>
+    </dgm:scene3d>
+    <dgm:sp3d/>
+    <dgm:txPr/>
+    <dgm:style>
+      <a:lnRef idx="2">
+        <a:scrgbClr r="0" g="0" b="0"/>
+      </a:lnRef>
+      <a:fillRef idx="1">
+        <a:scrgbClr r="0" g="0" b="0"/>
+      </a:fillRef>
+      <a:effectRef idx="0">
+        <a:scrgbClr r="0" g="0" b="0"/>
+      </a:effectRef>
+      <a:fontRef idx="minor"/>
+    </dgm:style>
+  </dgm:styleLbl>
+  <dgm:styleLbl name="solidAlignAcc1">
+    <dgm:scene3d>
+      <a:camera prst="orthographicFront"/>
+      <a:lightRig rig="threePt" dir="t"/>
+    </dgm:scene3d>
+    <dgm:sp3d/>
+    <dgm:txPr/>
+    <dgm:style>
+      <a:lnRef idx="2">
+        <a:scrgbClr r="0" g="0" b="0"/>
+      </a:lnRef>
+      <a:fillRef idx="1">
+        <a:scrgbClr r="0" g="0" b="0"/>
+      </a:fillRef>
+      <a:effectRef idx="0">
+        <a:scrgbClr r="0" g="0" b="0"/>
+      </a:effectRef>
+      <a:fontRef idx="minor"/>
+    </dgm:style>
+  </dgm:styleLbl>
+  <dgm:styleLbl name="solidBgAcc1">
+    <dgm:scene3d>
+      <a:camera prst="orthographicFront"/>
+      <a:lightRig rig="threePt" dir="t"/>
+    </dgm:scene3d>
+    <dgm:sp3d/>
+    <dgm:txPr/>
+    <dgm:style>
+      <a:lnRef idx="2">
+        <a:scrgbClr r="0" g="0" b="0"/>
+      </a:lnRef>
+      <a:fillRef idx="1">
+        <a:scrgbClr r="0" g="0" b="0"/>
+      </a:fillRef>
+      <a:effectRef idx="0">
+        <a:scrgbClr r="0" g="0" b="0"/>
+      </a:effectRef>
+      <a:fontRef idx="minor"/>
+    </dgm:style>
+  </dgm:styleLbl>
+  <dgm:styleLbl name="fgAccFollowNode1">
+    <dgm:scene3d>
+      <a:camera prst="orthographicFront"/>
+      <a:lightRig rig="threePt" dir="t"/>
+    </dgm:scene3d>
+    <dgm:sp3d/>
+    <dgm:txPr/>
+    <dgm:style>
+      <a:lnRef idx="2">
+        <a:scrgbClr r="0" g="0" b="0"/>
+      </a:lnRef>
+      <a:fillRef idx="1">
+        <a:scrgbClr r="0" g="0" b="0"/>
+      </a:fillRef>
+      <a:effectRef idx="0">
+        <a:scrgbClr r="0" g="0" b="0"/>
+      </a:effectRef>
+      <a:fontRef idx="minor"/>
+    </dgm:style>
+  </dgm:styleLbl>
+  <dgm:styleLbl name="alignAccFollowNode1">
+    <dgm:scene3d>
+      <a:camera prst="orthographicFront"/>
+      <a:lightRig rig="threePt" dir="t"/>
+    </dgm:scene3d>
+    <dgm:sp3d/>
+    <dgm:txPr/>
+    <dgm:style>
+      <a:lnRef idx="2">
+        <a:scrgbClr r="0" g="0" b="0"/>
+      </a:lnRef>
+      <a:fillRef idx="1">
+        <a:scrgbClr r="0" g="0" b="0"/>
+      </a:fillRef>
+      <a:effectRef idx="0">
+        <a:scrgbClr r="0" g="0" b="0"/>
+      </a:effectRef>
+      <a:fontRef idx="minor"/>
+    </dgm:style>
+  </dgm:styleLbl>
+  <dgm:styleLbl name="bgAccFollowNode1">
+    <dgm:scene3d>
+      <a:camera prst="orthographicFront"/>
+      <a:lightRig rig="threePt" dir="t"/>
+    </dgm:scene3d>
+    <dgm:sp3d/>
+    <dgm:txPr/>
+    <dgm:style>
+      <a:lnRef idx="2">
+        <a:scrgbClr r="0" g="0" b="0"/>
+      </a:lnRef>
+      <a:fillRef idx="1">
+        <a:scrgbClr r="0" g="0" b="0"/>
+      </a:fillRef>
+      <a:effectRef idx="0">
+        <a:scrgbClr r="0" g="0" b="0"/>
+      </a:effectRef>
+      <a:fontRef idx="minor"/>
+    </dgm:style>
+  </dgm:styleLbl>
+  <dgm:styleLbl name="fgAcc0">
+    <dgm:scene3d>
+      <a:camera prst="orthographicFront"/>
+      <a:lightRig rig="threePt" dir="t"/>
+    </dgm:scene3d>
+    <dgm:sp3d/>
+    <dgm:txPr/>
+    <dgm:style>
+      <a:lnRef idx="2">
+        <a:scrgbClr r="0" g="0" b="0"/>
+      </a:lnRef>
+      <a:fillRef idx="1">
+        <a:scrgbClr r="0" g="0" b="0"/>
+      </a:fillRef>
+      <a:effectRef idx="0">
+        <a:scrgbClr r="0" g="0" b="0"/>
+      </a:effectRef>
+      <a:fontRef idx="minor"/>
+    </dgm:style>
+  </dgm:styleLbl>
+  <dgm:styleLbl name="fgAcc2">
+    <dgm:scene3d>
+      <a:camera prst="orthographicFront"/>
+      <a:lightRig rig="threePt" dir="t"/>
+    </dgm:scene3d>
+    <dgm:sp3d/>
+    <dgm:txPr/>
+    <dgm:style>
+      <a:lnRef idx="2">
+        <a:scrgbClr r="0" g="0" b="0"/>
+      </a:lnRef>
+      <a:fillRef idx="1">
+        <a:scrgbClr r="0" g="0" b="0"/>
+      </a:fillRef>
+      <a:effectRef idx="0">
+        <a:scrgbClr r="0" g="0" b="0"/>
+      </a:effectRef>
+      <a:fontRef idx="minor"/>
+    </dgm:style>
+  </dgm:styleLbl>
+  <dgm:styleLbl name="fgAcc3">
+    <dgm:scene3d>
+      <a:camera prst="orthographicFront"/>
+      <a:lightRig rig="threePt" dir="t"/>
+    </dgm:scene3d>
+    <dgm:sp3d/>
+    <dgm:txPr/>
+    <dgm:style>
+      <a:lnRef idx="2">
+        <a:scrgbClr r="0" g="0" b="0"/>
+      </a:lnRef>
+      <a:fillRef idx="1">
+        <a:scrgbClr r="0" g="0" b="0"/>
+      </a:fillRef>
+      <a:effectRef idx="0">
+        <a:scrgbClr r="0" g="0" b="0"/>
+      </a:effectRef>
+      <a:fontRef idx="minor"/>
+    </dgm:style>
+  </dgm:styleLbl>
+  <dgm:styleLbl name="fgAcc4">
+    <dgm:scene3d>
+      <a:camera prst="orthographicFront"/>
+      <a:lightRig rig="threePt" dir="t"/>
+    </dgm:scene3d>
+    <dgm:sp3d/>
+    <dgm:txPr/>
+    <dgm:style>
+      <a:lnRef idx="2">
+        <a:scrgbClr r="0" g="0" b="0"/>
+      </a:lnRef>
+      <a:fillRef idx="1">
+        <a:scrgbClr r="0" g="0" b="0"/>
+      </a:fillRef>
+      <a:effectRef idx="0">
+        <a:scrgbClr r="0" g="0" b="0"/>
+      </a:effectRef>
+      <a:fontRef idx="minor"/>
+    </dgm:style>
+  </dgm:styleLbl>
+  <dgm:styleLbl name="bgShp">
+    <dgm:scene3d>
+      <a:camera prst="orthographicFront"/>
+      <a:lightRig rig="threePt" dir="t"/>
+    </dgm:scene3d>
+    <dgm:sp3d/>
+    <dgm:txPr/>
+    <dgm:style>
+      <a:lnRef idx="0">
+        <a:scrgbClr r="0" g="0" b="0"/>
+      </a:lnRef>
+      <a:fillRef idx="1">
+        <a:scrgbClr r="0" g="0" b="0"/>
+      </a:fillRef>
+      <a:effectRef idx="0">
+        <a:scrgbClr r="0" g="0" b="0"/>
+      </a:effectRef>
+      <a:fontRef idx="minor"/>
+    </dgm:style>
+  </dgm:styleLbl>
+  <dgm:styleLbl name="dkBgShp">
+    <dgm:scene3d>
+      <a:camera prst="orthographicFront"/>
+      <a:lightRig rig="threePt" dir="t"/>
+    </dgm:scene3d>
+    <dgm:sp3d/>
+    <dgm:txPr/>
+    <dgm:style>
+      <a:lnRef idx="0">
+        <a:scrgbClr r="0" g="0" b="0"/>
+      </a:lnRef>
+      <a:fillRef idx="1">
+        <a:scrgbClr r="0" g="0" b="0"/>
+      </a:fillRef>
+      <a:effectRef idx="0">
+        <a:scrgbClr r="0" g="0" b="0"/>
+      </a:effectRef>
+      <a:fontRef idx="minor"/>
+    </dgm:style>
+  </dgm:styleLbl>
+  <dgm:styleLbl name="trBgShp">
+    <dgm:scene3d>
+      <a:camera prst="orthographicFront"/>
+      <a:lightRig rig="threePt" dir="t"/>
+    </dgm:scene3d>
+    <dgm:sp3d/>
+    <dgm:txPr/>
+    <dgm:style>
+      <a:lnRef idx="0">
+        <a:scrgbClr r="0" g="0" b="0"/>
+      </a:lnRef>
+      <a:fillRef idx="1">
+        <a:scrgbClr r="0" g="0" b="0"/>
+      </a:fillRef>
+      <a:effectRef idx="0">
+        <a:scrgbClr r="0" g="0" b="0"/>
+      </a:effectRef>
+      <a:fontRef idx="minor"/>
+    </dgm:style>
+  </dgm:styleLbl>
+  <dgm:styleLbl name="fgShp">
+    <dgm:scene3d>
+      <a:camera prst="orthographicFront"/>
+      <a:lightRig rig="threePt" dir="t"/>
+    </dgm:scene3d>
+    <dgm:sp3d/>
+    <dgm:txPr/>
+    <dgm:style>
+      <a:lnRef idx="2">
+        <a:scrgbClr r="0" g="0" b="0"/>
+      </a:lnRef>
+      <a:fillRef idx="1">
+        <a:scrgbClr r="0" g="0" b="0"/>
+      </a:fillRef>
+      <a:effectRef idx="0">
+        <a:scrgbClr r="0" g="0" b="0"/>
+      </a:effectRef>
+      <a:fontRef idx="minor"/>
+    </dgm:style>
+  </dgm:styleLbl>
+  <dgm:styleLbl name="revTx">
+    <dgm:scene3d>
+      <a:camera prst="orthographicFront"/>
+      <a:lightRig rig="threePt" dir="t"/>
+    </dgm:scene3d>
+    <dgm:sp3d/>
+    <dgm:txPr/>
+    <dgm:style>
+      <a:lnRef idx="0">
+        <a:scrgbClr r="0" g="0" b="0"/>
+      </a:lnRef>
+      <a:fillRef idx="0">
+        <a:scrgbClr r="0" g="0" b="0"/>
+      </a:fillRef>
+      <a:effectRef idx="0">
+        <a:scrgbClr r="0" g="0" b="0"/>
+      </a:effectRef>
+      <a:fontRef idx="minor"/>
+    </dgm:style>
+  </dgm:styleLbl>
+</dgm:styleDef>
+</file>
+
 <file path=ppt/handoutMasters/handoutMaster1.xml><?xml version="1.0" encoding="utf-8"?>
 <p:handoutMaster xmlns:a="http://schemas.openxmlformats.org/drawingml/2006/main" xmlns:r="http://schemas.openxmlformats.org/officeDocument/2006/relationships" xmlns:p="http://schemas.openxmlformats.org/presentationml/2006/main">
   <p:cSld>
@@ -291,7 +3360,7 @@
           <a:p>
             <a:fld id="{8669AFDC-7658-4951-B0FF-52DFF2A93C0A}" type="datetimeFigureOut">
               <a:rPr lang="en-US" smtClean="0"/>
-              <a:t>4/4/22</a:t>
+              <a:t>4/24/22</a:t>
             </a:fld>
             <a:endParaRPr lang="en-US"/>
           </a:p>
@@ -456,7 +3525,7 @@
           <a:p>
             <a:fld id="{3ABD2D7A-D230-4F91-BD59-0A39C2703BA8}" type="datetimeFigureOut">
               <a:rPr lang="en-US" smtClean="0"/>
-              <a:t>4/4/22</a:t>
+              <a:t>4/24/22</a:t>
             </a:fld>
             <a:endParaRPr lang="en-US"/>
           </a:p>
@@ -721,6 +3790,489 @@
     </a:lvl9pPr>
   </p:notesStyle>
 </p:notesMaster>
+</file>
+
+<file path=ppt/notesSlides/notesSlide1.xml><?xml version="1.0" encoding="utf-8"?>
+<p:notes xmlns:a="http://schemas.openxmlformats.org/drawingml/2006/main" xmlns:r="http://schemas.openxmlformats.org/officeDocument/2006/relationships" xmlns:p="http://schemas.openxmlformats.org/presentationml/2006/main">
+  <p:cSld>
+    <p:spTree>
+      <p:nvGrpSpPr>
+        <p:cNvPr id="1" name=""/>
+        <p:cNvGrpSpPr/>
+        <p:nvPr/>
+      </p:nvGrpSpPr>
+      <p:grpSpPr>
+        <a:xfrm>
+          <a:off x="0" y="0"/>
+          <a:ext cx="0" cy="0"/>
+          <a:chOff x="0" y="0"/>
+          <a:chExt cx="0" cy="0"/>
+        </a:xfrm>
+      </p:grpSpPr>
+      <p:sp>
+        <p:nvSpPr>
+          <p:cNvPr id="2" name="Slide Image Placeholder 1"/>
+          <p:cNvSpPr>
+            <a:spLocks noGrp="1" noRot="1" noChangeAspect="1"/>
+          </p:cNvSpPr>
+          <p:nvPr>
+            <p:ph type="sldImg"/>
+          </p:nvPr>
+        </p:nvSpPr>
+        <p:spPr/>
+      </p:sp>
+      <p:sp>
+        <p:nvSpPr>
+          <p:cNvPr id="3" name="Notes Placeholder 2"/>
+          <p:cNvSpPr>
+            <a:spLocks noGrp="1"/>
+          </p:cNvSpPr>
+          <p:nvPr>
+            <p:ph type="body" idx="1"/>
+          </p:nvPr>
+        </p:nvSpPr>
+        <p:spPr/>
+        <p:txBody>
+          <a:bodyPr/>
+          <a:lstStyle/>
+          <a:p>
+            <a:r>
+              <a:rPr lang="en-US" dirty="0"/>
+              <a:t>We may want this slide later, when we get into more detail about both writing off and recovering accounts. Or maybe it’s ok to have it twice.</a:t>
+            </a:r>
+          </a:p>
+        </p:txBody>
+      </p:sp>
+      <p:sp>
+        <p:nvSpPr>
+          <p:cNvPr id="4" name="Slide Number Placeholder 3"/>
+          <p:cNvSpPr>
+            <a:spLocks noGrp="1"/>
+          </p:cNvSpPr>
+          <p:nvPr>
+            <p:ph type="sldNum" sz="quarter" idx="5"/>
+          </p:nvPr>
+        </p:nvSpPr>
+        <p:spPr/>
+        <p:txBody>
+          <a:bodyPr/>
+          <a:lstStyle/>
+          <a:p>
+            <a:fld id="{F93199CD-3E1B-4AE6-990F-76F925F5EA9F}" type="slidenum">
+              <a:rPr lang="en-US" smtClean="0"/>
+              <a:t>6</a:t>
+            </a:fld>
+            <a:endParaRPr lang="en-US"/>
+          </a:p>
+        </p:txBody>
+      </p:sp>
+    </p:spTree>
+    <p:extLst>
+      <p:ext uri="{BB962C8B-B14F-4D97-AF65-F5344CB8AC3E}">
+        <p14:creationId xmlns:p14="http://schemas.microsoft.com/office/powerpoint/2010/main" val="400916262"/>
+      </p:ext>
+    </p:extLst>
+  </p:cSld>
+  <p:clrMapOvr>
+    <a:masterClrMapping/>
+  </p:clrMapOvr>
+</p:notes>
+</file>
+
+<file path=ppt/notesSlides/notesSlide2.xml><?xml version="1.0" encoding="utf-8"?>
+<p:notes xmlns:a="http://schemas.openxmlformats.org/drawingml/2006/main" xmlns:r="http://schemas.openxmlformats.org/officeDocument/2006/relationships" xmlns:p="http://schemas.openxmlformats.org/presentationml/2006/main">
+  <p:cSld>
+    <p:spTree>
+      <p:nvGrpSpPr>
+        <p:cNvPr id="1" name=""/>
+        <p:cNvGrpSpPr/>
+        <p:nvPr/>
+      </p:nvGrpSpPr>
+      <p:grpSpPr>
+        <a:xfrm>
+          <a:off x="0" y="0"/>
+          <a:ext cx="0" cy="0"/>
+          <a:chOff x="0" y="0"/>
+          <a:chExt cx="0" cy="0"/>
+        </a:xfrm>
+      </p:grpSpPr>
+      <p:sp>
+        <p:nvSpPr>
+          <p:cNvPr id="2" name="Slide Image Placeholder 1"/>
+          <p:cNvSpPr>
+            <a:spLocks noGrp="1" noRot="1" noChangeAspect="1"/>
+          </p:cNvSpPr>
+          <p:nvPr>
+            <p:ph type="sldImg"/>
+          </p:nvPr>
+        </p:nvSpPr>
+        <p:spPr/>
+      </p:sp>
+      <p:sp>
+        <p:nvSpPr>
+          <p:cNvPr id="3" name="Notes Placeholder 2"/>
+          <p:cNvSpPr>
+            <a:spLocks noGrp="1"/>
+          </p:cNvSpPr>
+          <p:nvPr>
+            <p:ph type="body" idx="1"/>
+          </p:nvPr>
+        </p:nvSpPr>
+        <p:spPr/>
+        <p:txBody>
+          <a:bodyPr/>
+          <a:lstStyle/>
+          <a:p>
+            <a:r>
+              <a:rPr lang="en-US" dirty="0"/>
+              <a:t>This is good, but it probably belongs near the top:</a:t>
+            </a:r>
+          </a:p>
+          <a:p>
+            <a:endParaRPr lang="en-US" dirty="0"/>
+          </a:p>
+          <a:p>
+            <a:r>
+              <a:rPr lang="en-US" dirty="0"/>
+              <a:t>When booking bad-debt expenses, the second half of the journal entry is a contra-equity account called allowance for doubtful accounts. The balance of this account reduces the net value of the accounts receivable.</a:t>
+            </a:r>
+          </a:p>
+          <a:p>
+            <a:endParaRPr lang="en-US" dirty="0"/>
+          </a:p>
+        </p:txBody>
+      </p:sp>
+      <p:sp>
+        <p:nvSpPr>
+          <p:cNvPr id="4" name="Slide Number Placeholder 3"/>
+          <p:cNvSpPr>
+            <a:spLocks noGrp="1"/>
+          </p:cNvSpPr>
+          <p:nvPr>
+            <p:ph type="sldNum" sz="quarter" idx="5"/>
+          </p:nvPr>
+        </p:nvSpPr>
+        <p:spPr/>
+        <p:txBody>
+          <a:bodyPr/>
+          <a:lstStyle/>
+          <a:p>
+            <a:fld id="{F93199CD-3E1B-4AE6-990F-76F925F5EA9F}" type="slidenum">
+              <a:rPr lang="en-US" smtClean="0"/>
+              <a:t>9</a:t>
+            </a:fld>
+            <a:endParaRPr lang="en-US"/>
+          </a:p>
+        </p:txBody>
+      </p:sp>
+    </p:spTree>
+    <p:extLst>
+      <p:ext uri="{BB962C8B-B14F-4D97-AF65-F5344CB8AC3E}">
+        <p14:creationId xmlns:p14="http://schemas.microsoft.com/office/powerpoint/2010/main" val="1452670867"/>
+      </p:ext>
+    </p:extLst>
+  </p:cSld>
+  <p:clrMapOvr>
+    <a:masterClrMapping/>
+  </p:clrMapOvr>
+</p:notes>
+</file>
+
+<file path=ppt/notesSlides/notesSlide3.xml><?xml version="1.0" encoding="utf-8"?>
+<p:notes xmlns:a="http://schemas.openxmlformats.org/drawingml/2006/main" xmlns:r="http://schemas.openxmlformats.org/officeDocument/2006/relationships" xmlns:p="http://schemas.openxmlformats.org/presentationml/2006/main">
+  <p:cSld>
+    <p:spTree>
+      <p:nvGrpSpPr>
+        <p:cNvPr id="1" name=""/>
+        <p:cNvGrpSpPr/>
+        <p:nvPr/>
+      </p:nvGrpSpPr>
+      <p:grpSpPr>
+        <a:xfrm>
+          <a:off x="0" y="0"/>
+          <a:ext cx="0" cy="0"/>
+          <a:chOff x="0" y="0"/>
+          <a:chExt cx="0" cy="0"/>
+        </a:xfrm>
+      </p:grpSpPr>
+      <p:sp>
+        <p:nvSpPr>
+          <p:cNvPr id="2" name="Slide Image Placeholder 1"/>
+          <p:cNvSpPr>
+            <a:spLocks noGrp="1" noRot="1" noChangeAspect="1"/>
+          </p:cNvSpPr>
+          <p:nvPr>
+            <p:ph type="sldImg"/>
+          </p:nvPr>
+        </p:nvSpPr>
+        <p:spPr/>
+      </p:sp>
+      <p:sp>
+        <p:nvSpPr>
+          <p:cNvPr id="3" name="Notes Placeholder 2"/>
+          <p:cNvSpPr>
+            <a:spLocks noGrp="1"/>
+          </p:cNvSpPr>
+          <p:nvPr>
+            <p:ph type="body" idx="1"/>
+          </p:nvPr>
+        </p:nvSpPr>
+        <p:spPr/>
+        <p:txBody>
+          <a:bodyPr/>
+          <a:lstStyle/>
+          <a:p>
+            <a:r>
+              <a:rPr lang="en-US" dirty="0"/>
+              <a:t>This is good, but it probably belongs near the top:</a:t>
+            </a:r>
+          </a:p>
+          <a:p>
+            <a:endParaRPr lang="en-US" dirty="0"/>
+          </a:p>
+          <a:p>
+            <a:r>
+              <a:rPr lang="en-US" dirty="0"/>
+              <a:t>When booking bad-debt expenses, the second half of the journal entry is a contra-equity account called allowance for doubtful accounts. The balance of this account reduces the net value of the accounts receivable.</a:t>
+            </a:r>
+          </a:p>
+          <a:p>
+            <a:endParaRPr lang="en-US" dirty="0"/>
+          </a:p>
+        </p:txBody>
+      </p:sp>
+      <p:sp>
+        <p:nvSpPr>
+          <p:cNvPr id="4" name="Slide Number Placeholder 3"/>
+          <p:cNvSpPr>
+            <a:spLocks noGrp="1"/>
+          </p:cNvSpPr>
+          <p:nvPr>
+            <p:ph type="sldNum" sz="quarter" idx="5"/>
+          </p:nvPr>
+        </p:nvSpPr>
+        <p:spPr/>
+        <p:txBody>
+          <a:bodyPr/>
+          <a:lstStyle/>
+          <a:p>
+            <a:fld id="{F93199CD-3E1B-4AE6-990F-76F925F5EA9F}" type="slidenum">
+              <a:rPr lang="en-US" smtClean="0"/>
+              <a:t>10</a:t>
+            </a:fld>
+            <a:endParaRPr lang="en-US"/>
+          </a:p>
+        </p:txBody>
+      </p:sp>
+    </p:spTree>
+    <p:extLst>
+      <p:ext uri="{BB962C8B-B14F-4D97-AF65-F5344CB8AC3E}">
+        <p14:creationId xmlns:p14="http://schemas.microsoft.com/office/powerpoint/2010/main" val="2410221300"/>
+      </p:ext>
+    </p:extLst>
+  </p:cSld>
+  <p:clrMapOvr>
+    <a:masterClrMapping/>
+  </p:clrMapOvr>
+</p:notes>
+</file>
+
+<file path=ppt/notesSlides/notesSlide4.xml><?xml version="1.0" encoding="utf-8"?>
+<p:notes xmlns:a="http://schemas.openxmlformats.org/drawingml/2006/main" xmlns:r="http://schemas.openxmlformats.org/officeDocument/2006/relationships" xmlns:p="http://schemas.openxmlformats.org/presentationml/2006/main">
+  <p:cSld>
+    <p:spTree>
+      <p:nvGrpSpPr>
+        <p:cNvPr id="1" name=""/>
+        <p:cNvGrpSpPr/>
+        <p:nvPr/>
+      </p:nvGrpSpPr>
+      <p:grpSpPr>
+        <a:xfrm>
+          <a:off x="0" y="0"/>
+          <a:ext cx="0" cy="0"/>
+          <a:chOff x="0" y="0"/>
+          <a:chExt cx="0" cy="0"/>
+        </a:xfrm>
+      </p:grpSpPr>
+      <p:sp>
+        <p:nvSpPr>
+          <p:cNvPr id="2" name="Slide Image Placeholder 1"/>
+          <p:cNvSpPr>
+            <a:spLocks noGrp="1" noRot="1" noChangeAspect="1"/>
+          </p:cNvSpPr>
+          <p:nvPr>
+            <p:ph type="sldImg"/>
+          </p:nvPr>
+        </p:nvSpPr>
+        <p:spPr/>
+      </p:sp>
+      <p:sp>
+        <p:nvSpPr>
+          <p:cNvPr id="3" name="Notes Placeholder 2"/>
+          <p:cNvSpPr>
+            <a:spLocks noGrp="1"/>
+          </p:cNvSpPr>
+          <p:nvPr>
+            <p:ph type="body" idx="1"/>
+          </p:nvPr>
+        </p:nvSpPr>
+        <p:spPr/>
+        <p:txBody>
+          <a:bodyPr/>
+          <a:lstStyle/>
+          <a:p>
+            <a:r>
+              <a:rPr lang="en-US" dirty="0"/>
+              <a:t>This is good, but it probably belongs near the top:</a:t>
+            </a:r>
+          </a:p>
+          <a:p>
+            <a:endParaRPr lang="en-US" dirty="0"/>
+          </a:p>
+          <a:p>
+            <a:r>
+              <a:rPr lang="en-US" dirty="0"/>
+              <a:t>When booking bad-debt expenses, the second half of the journal entry is a contra-equity account called allowance for doubtful accounts. The balance of this account reduces the net value of the accounts receivable.</a:t>
+            </a:r>
+          </a:p>
+          <a:p>
+            <a:endParaRPr lang="en-US" dirty="0"/>
+          </a:p>
+        </p:txBody>
+      </p:sp>
+      <p:sp>
+        <p:nvSpPr>
+          <p:cNvPr id="4" name="Slide Number Placeholder 3"/>
+          <p:cNvSpPr>
+            <a:spLocks noGrp="1"/>
+          </p:cNvSpPr>
+          <p:nvPr>
+            <p:ph type="sldNum" sz="quarter" idx="5"/>
+          </p:nvPr>
+        </p:nvSpPr>
+        <p:spPr/>
+        <p:txBody>
+          <a:bodyPr/>
+          <a:lstStyle/>
+          <a:p>
+            <a:fld id="{F93199CD-3E1B-4AE6-990F-76F925F5EA9F}" type="slidenum">
+              <a:rPr lang="en-US" smtClean="0"/>
+              <a:t>11</a:t>
+            </a:fld>
+            <a:endParaRPr lang="en-US"/>
+          </a:p>
+        </p:txBody>
+      </p:sp>
+    </p:spTree>
+    <p:extLst>
+      <p:ext uri="{BB962C8B-B14F-4D97-AF65-F5344CB8AC3E}">
+        <p14:creationId xmlns:p14="http://schemas.microsoft.com/office/powerpoint/2010/main" val="397756485"/>
+      </p:ext>
+    </p:extLst>
+  </p:cSld>
+  <p:clrMapOvr>
+    <a:masterClrMapping/>
+  </p:clrMapOvr>
+</p:notes>
+</file>
+
+<file path=ppt/notesSlides/notesSlide5.xml><?xml version="1.0" encoding="utf-8"?>
+<p:notes xmlns:a="http://schemas.openxmlformats.org/drawingml/2006/main" xmlns:r="http://schemas.openxmlformats.org/officeDocument/2006/relationships" xmlns:p="http://schemas.openxmlformats.org/presentationml/2006/main">
+  <p:cSld>
+    <p:spTree>
+      <p:nvGrpSpPr>
+        <p:cNvPr id="1" name=""/>
+        <p:cNvGrpSpPr/>
+        <p:nvPr/>
+      </p:nvGrpSpPr>
+      <p:grpSpPr>
+        <a:xfrm>
+          <a:off x="0" y="0"/>
+          <a:ext cx="0" cy="0"/>
+          <a:chOff x="0" y="0"/>
+          <a:chExt cx="0" cy="0"/>
+        </a:xfrm>
+      </p:grpSpPr>
+      <p:sp>
+        <p:nvSpPr>
+          <p:cNvPr id="2" name="Slide Image Placeholder 1"/>
+          <p:cNvSpPr>
+            <a:spLocks noGrp="1" noRot="1" noChangeAspect="1"/>
+          </p:cNvSpPr>
+          <p:nvPr>
+            <p:ph type="sldImg"/>
+          </p:nvPr>
+        </p:nvSpPr>
+        <p:spPr/>
+      </p:sp>
+      <p:sp>
+        <p:nvSpPr>
+          <p:cNvPr id="3" name="Notes Placeholder 2"/>
+          <p:cNvSpPr>
+            <a:spLocks noGrp="1"/>
+          </p:cNvSpPr>
+          <p:nvPr>
+            <p:ph type="body" idx="1"/>
+          </p:nvPr>
+        </p:nvSpPr>
+        <p:spPr/>
+        <p:txBody>
+          <a:bodyPr/>
+          <a:lstStyle/>
+          <a:p>
+            <a:r>
+              <a:rPr lang="en-US" dirty="0"/>
+              <a:t>This is good, but it probably belongs near the top:</a:t>
+            </a:r>
+          </a:p>
+          <a:p>
+            <a:endParaRPr lang="en-US" dirty="0"/>
+          </a:p>
+          <a:p>
+            <a:r>
+              <a:rPr lang="en-US" dirty="0"/>
+              <a:t>When booking bad-debt expenses, the second half of the journal entry is a contra-equity account called allowance for doubtful accounts. The balance of this account reduces the net value of the accounts receivable.</a:t>
+            </a:r>
+          </a:p>
+          <a:p>
+            <a:endParaRPr lang="en-US" dirty="0"/>
+          </a:p>
+        </p:txBody>
+      </p:sp>
+      <p:sp>
+        <p:nvSpPr>
+          <p:cNvPr id="4" name="Slide Number Placeholder 3"/>
+          <p:cNvSpPr>
+            <a:spLocks noGrp="1"/>
+          </p:cNvSpPr>
+          <p:nvPr>
+            <p:ph type="sldNum" sz="quarter" idx="5"/>
+          </p:nvPr>
+        </p:nvSpPr>
+        <p:spPr/>
+        <p:txBody>
+          <a:bodyPr/>
+          <a:lstStyle/>
+          <a:p>
+            <a:fld id="{F93199CD-3E1B-4AE6-990F-76F925F5EA9F}" type="slidenum">
+              <a:rPr lang="en-US" smtClean="0"/>
+              <a:t>12</a:t>
+            </a:fld>
+            <a:endParaRPr lang="en-US"/>
+          </a:p>
+        </p:txBody>
+      </p:sp>
+    </p:spTree>
+    <p:extLst>
+      <p:ext uri="{BB962C8B-B14F-4D97-AF65-F5344CB8AC3E}">
+        <p14:creationId xmlns:p14="http://schemas.microsoft.com/office/powerpoint/2010/main" val="3078397271"/>
+      </p:ext>
+    </p:extLst>
+  </p:cSld>
+  <p:clrMapOvr>
+    <a:masterClrMapping/>
+  </p:clrMapOvr>
+</p:notes>
 </file>
 
 <file path=ppt/slideLayouts/slideLayout1.xml><?xml version="1.0" encoding="utf-8"?>
@@ -1206,7 +4758,7 @@
           <a:p>
             <a:fld id="{03F41C87-7AD9-4845-A077-840E4A0F3F06}" type="datetimeFigureOut">
               <a:rPr lang="en-US"/>
-              <a:t>4/4/22</a:t>
+              <a:t>4/24/22</a:t>
             </a:fld>
             <a:endParaRPr/>
           </a:p>
@@ -1402,7 +4954,7 @@
           <a:p>
             <a:fld id="{03F41C87-7AD9-4845-A077-840E4A0F3F06}" type="datetimeFigureOut">
               <a:rPr lang="en-US"/>
-              <a:t>4/4/22</a:t>
+              <a:t>4/24/22</a:t>
             </a:fld>
             <a:endParaRPr/>
           </a:p>
@@ -1626,7 +5178,7 @@
           <a:p>
             <a:fld id="{03F41C87-7AD9-4845-A077-840E4A0F3F06}" type="datetimeFigureOut">
               <a:rPr lang="en-US"/>
-              <a:t>4/4/22</a:t>
+              <a:t>4/24/22</a:t>
             </a:fld>
             <a:endParaRPr/>
           </a:p>
@@ -2033,7 +5585,7 @@
           <a:p>
             <a:fld id="{03F41C87-7AD9-4845-A077-840E4A0F3F06}" type="datetimeFigureOut">
               <a:rPr lang="en-US"/>
-              <a:t>4/4/22</a:t>
+              <a:t>4/24/22</a:t>
             </a:fld>
             <a:endParaRPr/>
           </a:p>
@@ -2384,7 +5936,7 @@
           <a:p>
             <a:fld id="{03F41C87-7AD9-4845-A077-840E4A0F3F06}" type="datetimeFigureOut">
               <a:rPr lang="en-US"/>
-              <a:t>4/4/22</a:t>
+              <a:t>4/24/22</a:t>
             </a:fld>
             <a:endParaRPr/>
           </a:p>
@@ -2883,7 +6435,7 @@
           <a:p>
             <a:fld id="{03F41C87-7AD9-4845-A077-840E4A0F3F06}" type="datetimeFigureOut">
               <a:rPr lang="en-US"/>
-              <a:t>4/4/22</a:t>
+              <a:t>4/24/22</a:t>
             </a:fld>
             <a:endParaRPr/>
           </a:p>
@@ -3055,7 +6607,7 @@
           <a:p>
             <a:fld id="{03F41C87-7AD9-4845-A077-840E4A0F3F06}" type="datetimeFigureOut">
               <a:rPr lang="en-US"/>
-              <a:t>4/4/22</a:t>
+              <a:t>4/24/22</a:t>
             </a:fld>
             <a:endParaRPr/>
           </a:p>
@@ -3194,7 +6746,7 @@
           <a:p>
             <a:fld id="{03F41C87-7AD9-4845-A077-840E4A0F3F06}" type="datetimeFigureOut">
               <a:rPr lang="en-US"/>
-              <a:t>4/4/22</a:t>
+              <a:t>4/24/22</a:t>
             </a:fld>
             <a:endParaRPr/>
           </a:p>
@@ -3498,7 +7050,7 @@
           <a:p>
             <a:fld id="{03F41C87-7AD9-4845-A077-840E4A0F3F06}" type="datetimeFigureOut">
               <a:rPr lang="en-US"/>
-              <a:t>4/4/22</a:t>
+              <a:t>4/24/22</a:t>
             </a:fld>
             <a:endParaRPr/>
           </a:p>
@@ -4032,7 +7584,7 @@
             <a:fld id="{03F41C87-7AD9-4845-A077-840E4A0F3F06}" type="datetimeFigureOut">
               <a:rPr lang="en-US" smtClean="0"/>
               <a:pPr/>
-              <a:t>4/4/22</a:t>
+              <a:t>4/24/22</a:t>
             </a:fld>
             <a:endParaRPr lang="en-US"/>
           </a:p>
@@ -4667,9 +8219,719 @@
           <a:bodyPr numCol="1"/>
           <a:lstStyle/>
           <a:p>
+            <a:r>
+              <a:rPr lang="en-US" dirty="0"/>
+              <a:t>Aging of Accounts Receivable</a:t>
+            </a:r>
+            <a:endParaRPr dirty="0"/>
+          </a:p>
+        </p:txBody>
+      </p:sp>
+      <p:sp>
+        <p:nvSpPr>
+          <p:cNvPr id="3" name="Content Placeholder 2"/>
+          <p:cNvSpPr>
+            <a:spLocks noGrp="1"/>
+          </p:cNvSpPr>
+          <p:nvPr>
+            <p:ph idx="1"/>
+          </p:nvPr>
+        </p:nvSpPr>
+        <p:spPr>
+          <a:xfrm>
+            <a:off x="1522413" y="1981200"/>
+            <a:ext cx="9829799" cy="1752599"/>
+          </a:xfrm>
+        </p:spPr>
+        <p:txBody>
+          <a:bodyPr numCol="1">
+            <a:normAutofit/>
+          </a:bodyPr>
+          <a:lstStyle/>
+          <a:p>
+            <a:pPr>
+              <a:buNone/>
+            </a:pPr>
+            <a:r>
+              <a:rPr lang="en-US" dirty="0"/>
+              <a:t>An aging report shows all the accounts and the amounts past due and for how long. Over time we can make an estimate for each category of how much will be uncollectible.</a:t>
+            </a:r>
+          </a:p>
+        </p:txBody>
+      </p:sp>
+      <p:graphicFrame>
+        <p:nvGraphicFramePr>
+          <p:cNvPr id="10" name="Object 9">
+            <a:extLst>
+              <a:ext uri="{FF2B5EF4-FFF2-40B4-BE49-F238E27FC236}">
+                <a16:creationId xmlns:a16="http://schemas.microsoft.com/office/drawing/2014/main" id="{45208C23-0231-4631-B3B3-43192C636217}"/>
+              </a:ext>
+            </a:extLst>
+          </p:cNvPr>
+          <p:cNvGraphicFramePr>
+            <a:graphicFrameLocks noChangeAspect="1"/>
+          </p:cNvGraphicFramePr>
+          <p:nvPr/>
+        </p:nvGraphicFramePr>
+        <p:xfrm>
+          <a:off x="3032124" y="3962400"/>
+          <a:ext cx="6124575" cy="1952625"/>
+        </p:xfrm>
+        <a:graphic>
+          <a:graphicData uri="http://schemas.openxmlformats.org/presentationml/2006/ole">
+            <mc:AlternateContent xmlns:mc="http://schemas.openxmlformats.org/markup-compatibility/2006">
+              <mc:Choice xmlns:v="urn:schemas-microsoft-com:vml" Requires="v">
+                <p:oleObj spid="_x0000_s2051" name="Worksheet" r:id="rId4" imgW="6124680" imgH="1952732" progId="Excel.Sheet.12">
+                  <p:embed/>
+                </p:oleObj>
+              </mc:Choice>
+              <mc:Fallback>
+                <p:oleObj name="Worksheet" r:id="rId4" imgW="6124680" imgH="1952732" progId="Excel.Sheet.12">
+                  <p:embed/>
+                  <p:pic>
+                    <p:nvPicPr>
+                      <p:cNvPr id="10" name="Object 9">
+                        <a:extLst>
+                          <a:ext uri="{FF2B5EF4-FFF2-40B4-BE49-F238E27FC236}">
+                            <a16:creationId xmlns:a16="http://schemas.microsoft.com/office/drawing/2014/main" id="{45208C23-0231-4631-B3B3-43192C636217}"/>
+                          </a:ext>
+                        </a:extLst>
+                      </p:cNvPr>
+                      <p:cNvPicPr/>
+                      <p:nvPr/>
+                    </p:nvPicPr>
+                    <p:blipFill>
+                      <a:blip r:embed="rId5"/>
+                      <a:stretch>
+                        <a:fillRect/>
+                      </a:stretch>
+                    </p:blipFill>
+                    <p:spPr>
+                      <a:xfrm>
+                        <a:off x="3032124" y="3962400"/>
+                        <a:ext cx="6124575" cy="1952625"/>
+                      </a:xfrm>
+                      <a:prstGeom prst="rect">
+                        <a:avLst/>
+                      </a:prstGeom>
+                    </p:spPr>
+                  </p:pic>
+                </p:oleObj>
+              </mc:Fallback>
+            </mc:AlternateContent>
+          </a:graphicData>
+        </a:graphic>
+      </p:graphicFrame>
+    </p:spTree>
+    <p:extLst>
+      <p:ext uri="{BB962C8B-B14F-4D97-AF65-F5344CB8AC3E}">
+        <p14:creationId xmlns:p14="http://schemas.microsoft.com/office/powerpoint/2010/main" val="1664328913"/>
+      </p:ext>
+    </p:extLst>
+  </p:cSld>
+  <p:clrMapOvr>
+    <a:masterClrMapping/>
+  </p:clrMapOvr>
+</p:sld>
+</file>
+
+<file path=ppt/slides/slide11.xml><?xml version="1.0" encoding="utf-8"?>
+<p:sld xmlns:a="http://schemas.openxmlformats.org/drawingml/2006/main" xmlns:r="http://schemas.openxmlformats.org/officeDocument/2006/relationships" xmlns:p="http://schemas.openxmlformats.org/presentationml/2006/main">
+  <p:cSld>
+    <p:spTree>
+      <p:nvGrpSpPr>
+        <p:cNvPr id="1" name=""/>
+        <p:cNvGrpSpPr/>
+        <p:nvPr/>
+      </p:nvGrpSpPr>
+      <p:grpSpPr>
+        <a:xfrm>
+          <a:off x="0" y="0"/>
+          <a:ext cx="0" cy="0"/>
+          <a:chOff x="0" y="0"/>
+          <a:chExt cx="0" cy="0"/>
+        </a:xfrm>
+      </p:grpSpPr>
+      <p:sp>
+        <p:nvSpPr>
+          <p:cNvPr id="2" name="Title 1"/>
+          <p:cNvSpPr>
+            <a:spLocks noGrp="1"/>
+          </p:cNvSpPr>
+          <p:nvPr>
+            <p:ph type="title"/>
+          </p:nvPr>
+        </p:nvSpPr>
+        <p:spPr/>
+        <p:txBody>
+          <a:bodyPr numCol="1"/>
+          <a:lstStyle/>
+          <a:p>
+            <a:r>
+              <a:rPr lang="en-US" dirty="0"/>
+              <a:t>Calculating the Allowance for Doubtful Accounts</a:t>
+            </a:r>
+            <a:endParaRPr dirty="0"/>
+          </a:p>
+        </p:txBody>
+      </p:sp>
+      <p:sp>
+        <p:nvSpPr>
+          <p:cNvPr id="3" name="Content Placeholder 2"/>
+          <p:cNvSpPr>
+            <a:spLocks noGrp="1"/>
+          </p:cNvSpPr>
+          <p:nvPr>
+            <p:ph idx="1"/>
+          </p:nvPr>
+        </p:nvSpPr>
+        <p:spPr>
+          <a:xfrm>
+            <a:off x="1522413" y="1981200"/>
+            <a:ext cx="9829799" cy="1219201"/>
+          </a:xfrm>
+        </p:spPr>
+        <p:txBody>
+          <a:bodyPr numCol="1">
+            <a:normAutofit fontScale="92500"/>
+          </a:bodyPr>
+          <a:lstStyle/>
+          <a:p>
+            <a:pPr>
+              <a:buNone/>
+            </a:pPr>
+            <a:r>
+              <a:rPr lang="en-US" dirty="0"/>
+              <a:t>Suppose over time we have estimated the following percentage of uncollectible accounts for the different aging periods: 3, 4, 10, 20, 50. And also suppose that the current balance in the Allowance for Doubtful Accounts is $100.</a:t>
+            </a:r>
+          </a:p>
+        </p:txBody>
+      </p:sp>
+      <p:sp>
+        <p:nvSpPr>
+          <p:cNvPr id="8" name="Speech Bubble: Oval 7">
+            <a:extLst>
+              <a:ext uri="{FF2B5EF4-FFF2-40B4-BE49-F238E27FC236}">
+                <a16:creationId xmlns:a16="http://schemas.microsoft.com/office/drawing/2014/main" id="{E5DE3ADA-842C-488B-A5F4-B09033D5C7C1}"/>
+              </a:ext>
+            </a:extLst>
+          </p:cNvPr>
+          <p:cNvSpPr/>
+          <p:nvPr/>
+        </p:nvSpPr>
+        <p:spPr>
+          <a:xfrm>
+            <a:off x="8837612" y="3276600"/>
+            <a:ext cx="2819400" cy="1759788"/>
+          </a:xfrm>
+          <a:prstGeom prst="wedgeEllipseCallout">
+            <a:avLst>
+              <a:gd name="adj1" fmla="val -62735"/>
+              <a:gd name="adj2" fmla="val 113190"/>
+            </a:avLst>
+          </a:prstGeom>
+        </p:spPr>
+        <p:style>
+          <a:lnRef idx="2">
+            <a:schemeClr val="accent4">
+              <a:shade val="50000"/>
+            </a:schemeClr>
+          </a:lnRef>
+          <a:fillRef idx="1">
+            <a:schemeClr val="accent4"/>
+          </a:fillRef>
+          <a:effectRef idx="0">
+            <a:schemeClr val="accent4"/>
+          </a:effectRef>
+          <a:fontRef idx="minor">
+            <a:schemeClr val="lt1"/>
+          </a:fontRef>
+        </p:style>
+        <p:txBody>
+          <a:bodyPr rtlCol="0" anchor="ctr"/>
+          <a:lstStyle/>
+          <a:p>
             <a:pPr algn="ctr"/>
             <a:r>
-              <a:t>Summary</a:t>
+              <a:rPr lang="en-US" dirty="0"/>
+              <a:t>We want the amount to be the calculated amount, so we adjust for current balance.</a:t>
+            </a:r>
+          </a:p>
+        </p:txBody>
+      </p:sp>
+      <p:graphicFrame>
+        <p:nvGraphicFramePr>
+          <p:cNvPr id="7" name="Object 6">
+            <a:extLst>
+              <a:ext uri="{FF2B5EF4-FFF2-40B4-BE49-F238E27FC236}">
+                <a16:creationId xmlns:a16="http://schemas.microsoft.com/office/drawing/2014/main" id="{802607B7-A4DD-49FC-998E-9084FE365075}"/>
+              </a:ext>
+            </a:extLst>
+          </p:cNvPr>
+          <p:cNvGraphicFramePr>
+            <a:graphicFrameLocks noChangeAspect="1"/>
+          </p:cNvGraphicFramePr>
+          <p:nvPr/>
+        </p:nvGraphicFramePr>
+        <p:xfrm>
+          <a:off x="3736974" y="3943350"/>
+          <a:ext cx="4714875" cy="2533650"/>
+        </p:xfrm>
+        <a:graphic>
+          <a:graphicData uri="http://schemas.openxmlformats.org/presentationml/2006/ole">
+            <mc:AlternateContent xmlns:mc="http://schemas.openxmlformats.org/markup-compatibility/2006">
+              <mc:Choice xmlns:v="urn:schemas-microsoft-com:vml" Requires="v">
+                <p:oleObj spid="_x0000_s3075" name="Worksheet" r:id="rId4" imgW="4714920" imgH="2533623" progId="Excel.Sheet.12">
+                  <p:embed/>
+                </p:oleObj>
+              </mc:Choice>
+              <mc:Fallback>
+                <p:oleObj name="Worksheet" r:id="rId4" imgW="4714920" imgH="2533623" progId="Excel.Sheet.12">
+                  <p:embed/>
+                  <p:pic>
+                    <p:nvPicPr>
+                      <p:cNvPr id="7" name="Object 6">
+                        <a:extLst>
+                          <a:ext uri="{FF2B5EF4-FFF2-40B4-BE49-F238E27FC236}">
+                            <a16:creationId xmlns:a16="http://schemas.microsoft.com/office/drawing/2014/main" id="{802607B7-A4DD-49FC-998E-9084FE365075}"/>
+                          </a:ext>
+                        </a:extLst>
+                      </p:cNvPr>
+                      <p:cNvPicPr/>
+                      <p:nvPr/>
+                    </p:nvPicPr>
+                    <p:blipFill>
+                      <a:blip r:embed="rId5"/>
+                      <a:stretch>
+                        <a:fillRect/>
+                      </a:stretch>
+                    </p:blipFill>
+                    <p:spPr>
+                      <a:xfrm>
+                        <a:off x="3736974" y="3943350"/>
+                        <a:ext cx="4714875" cy="2533650"/>
+                      </a:xfrm>
+                      <a:prstGeom prst="rect">
+                        <a:avLst/>
+                      </a:prstGeom>
+                    </p:spPr>
+                  </p:pic>
+                </p:oleObj>
+              </mc:Fallback>
+            </mc:AlternateContent>
+          </a:graphicData>
+        </a:graphic>
+      </p:graphicFrame>
+    </p:spTree>
+    <p:extLst>
+      <p:ext uri="{BB962C8B-B14F-4D97-AF65-F5344CB8AC3E}">
+        <p14:creationId xmlns:p14="http://schemas.microsoft.com/office/powerpoint/2010/main" val="622441540"/>
+      </p:ext>
+    </p:extLst>
+  </p:cSld>
+  <p:clrMapOvr>
+    <a:masterClrMapping/>
+  </p:clrMapOvr>
+</p:sld>
+</file>
+
+<file path=ppt/slides/slide12.xml><?xml version="1.0" encoding="utf-8"?>
+<p:sld xmlns:a="http://schemas.openxmlformats.org/drawingml/2006/main" xmlns:r="http://schemas.openxmlformats.org/officeDocument/2006/relationships" xmlns:p="http://schemas.openxmlformats.org/presentationml/2006/main">
+  <p:cSld>
+    <p:spTree>
+      <p:nvGrpSpPr>
+        <p:cNvPr id="1" name=""/>
+        <p:cNvGrpSpPr/>
+        <p:nvPr/>
+      </p:nvGrpSpPr>
+      <p:grpSpPr>
+        <a:xfrm>
+          <a:off x="0" y="0"/>
+          <a:ext cx="0" cy="0"/>
+          <a:chOff x="0" y="0"/>
+          <a:chExt cx="0" cy="0"/>
+        </a:xfrm>
+      </p:grpSpPr>
+      <p:sp>
+        <p:nvSpPr>
+          <p:cNvPr id="2" name="Title 1"/>
+          <p:cNvSpPr>
+            <a:spLocks noGrp="1"/>
+          </p:cNvSpPr>
+          <p:nvPr>
+            <p:ph type="title"/>
+          </p:nvPr>
+        </p:nvSpPr>
+        <p:spPr/>
+        <p:txBody>
+          <a:bodyPr numCol="1"/>
+          <a:lstStyle/>
+          <a:p>
+            <a:r>
+              <a:rPr lang="en-US" dirty="0"/>
+              <a:t>Journalizing Adjusting Entry</a:t>
+            </a:r>
+            <a:endParaRPr dirty="0"/>
+          </a:p>
+        </p:txBody>
+      </p:sp>
+      <p:sp>
+        <p:nvSpPr>
+          <p:cNvPr id="3" name="Content Placeholder 2"/>
+          <p:cNvSpPr>
+            <a:spLocks noGrp="1"/>
+          </p:cNvSpPr>
+          <p:nvPr>
+            <p:ph idx="1"/>
+          </p:nvPr>
+        </p:nvSpPr>
+        <p:spPr>
+          <a:xfrm>
+            <a:off x="1522413" y="1981200"/>
+            <a:ext cx="9829799" cy="1219201"/>
+          </a:xfrm>
+        </p:spPr>
+        <p:txBody>
+          <a:bodyPr numCol="1">
+            <a:normAutofit/>
+          </a:bodyPr>
+          <a:lstStyle/>
+          <a:p>
+            <a:pPr>
+              <a:buNone/>
+            </a:pPr>
+            <a:r>
+              <a:rPr lang="en-US" dirty="0"/>
+              <a:t>We enter the adjusting entry in the usual way.</a:t>
+            </a:r>
+          </a:p>
+        </p:txBody>
+      </p:sp>
+      <p:graphicFrame>
+        <p:nvGraphicFramePr>
+          <p:cNvPr id="6" name="Table 5">
+            <a:extLst>
+              <a:ext uri="{FF2B5EF4-FFF2-40B4-BE49-F238E27FC236}">
+                <a16:creationId xmlns:a16="http://schemas.microsoft.com/office/drawing/2014/main" id="{952384E4-DABA-4F2D-BBCA-DCC1EFADBD1F}"/>
+              </a:ext>
+            </a:extLst>
+          </p:cNvPr>
+          <p:cNvGraphicFramePr>
+            <a:graphicFrameLocks noGrp="1"/>
+          </p:cNvGraphicFramePr>
+          <p:nvPr/>
+        </p:nvGraphicFramePr>
+        <p:xfrm>
+          <a:off x="2081741" y="3810000"/>
+          <a:ext cx="8025342" cy="1107440"/>
+        </p:xfrm>
+        <a:graphic>
+          <a:graphicData uri="http://schemas.openxmlformats.org/drawingml/2006/table">
+            <a:tbl>
+              <a:tblPr firstRow="1" bandRow="1">
+                <a:tableStyleId>{22838BEF-8BB2-4498-84A7-C5851F593DF1}</a:tableStyleId>
+              </a:tblPr>
+              <a:tblGrid>
+                <a:gridCol w="1354314">
+                  <a:extLst>
+                    <a:ext uri="{9D8B030D-6E8A-4147-A177-3AD203B41FA5}">
+                      <a16:colId xmlns:a16="http://schemas.microsoft.com/office/drawing/2014/main" val="868591414"/>
+                    </a:ext>
+                  </a:extLst>
+                </a:gridCol>
+                <a:gridCol w="3927828">
+                  <a:extLst>
+                    <a:ext uri="{9D8B030D-6E8A-4147-A177-3AD203B41FA5}">
+                      <a16:colId xmlns:a16="http://schemas.microsoft.com/office/drawing/2014/main" val="3981818642"/>
+                    </a:ext>
+                  </a:extLst>
+                </a:gridCol>
+                <a:gridCol w="1371600">
+                  <a:extLst>
+                    <a:ext uri="{9D8B030D-6E8A-4147-A177-3AD203B41FA5}">
+                      <a16:colId xmlns:a16="http://schemas.microsoft.com/office/drawing/2014/main" val="1922779195"/>
+                    </a:ext>
+                  </a:extLst>
+                </a:gridCol>
+                <a:gridCol w="1371600">
+                  <a:extLst>
+                    <a:ext uri="{9D8B030D-6E8A-4147-A177-3AD203B41FA5}">
+                      <a16:colId xmlns:a16="http://schemas.microsoft.com/office/drawing/2014/main" val="2510622341"/>
+                    </a:ext>
+                  </a:extLst>
+                </a:gridCol>
+              </a:tblGrid>
+              <a:tr h="217096">
+                <a:tc>
+                  <a:txBody>
+                    <a:bodyPr/>
+                    <a:lstStyle/>
+                    <a:p>
+                      <a:r>
+                        <a:rPr lang="en-US" b="0" dirty="0"/>
+                        <a:t>201x</a:t>
+                      </a:r>
+                    </a:p>
+                  </a:txBody>
+                  <a:tcPr/>
+                </a:tc>
+                <a:tc>
+                  <a:txBody>
+                    <a:bodyPr/>
+                    <a:lstStyle/>
+                    <a:p>
+                      <a:endParaRPr lang="en-US" dirty="0"/>
+                    </a:p>
+                  </a:txBody>
+                  <a:tcPr/>
+                </a:tc>
+                <a:tc>
+                  <a:txBody>
+                    <a:bodyPr/>
+                    <a:lstStyle/>
+                    <a:p>
+                      <a:pPr algn="ctr"/>
+                      <a:r>
+                        <a:rPr lang="en-US" dirty="0"/>
+                        <a:t>Dr</a:t>
+                      </a:r>
+                    </a:p>
+                  </a:txBody>
+                  <a:tcPr/>
+                </a:tc>
+                <a:tc>
+                  <a:txBody>
+                    <a:bodyPr/>
+                    <a:lstStyle/>
+                    <a:p>
+                      <a:pPr algn="ctr"/>
+                      <a:r>
+                        <a:rPr lang="en-US" dirty="0"/>
+                        <a:t>Cr</a:t>
+                      </a:r>
+                    </a:p>
+                  </a:txBody>
+                  <a:tcPr/>
+                </a:tc>
+                <a:extLst>
+                  <a:ext uri="{0D108BD9-81ED-4DB2-BD59-A6C34878D82A}">
+                    <a16:rowId xmlns:a16="http://schemas.microsoft.com/office/drawing/2014/main" val="2181639554"/>
+                  </a:ext>
+                </a:extLst>
+              </a:tr>
+              <a:tr h="370840">
+                <a:tc>
+                  <a:txBody>
+                    <a:bodyPr/>
+                    <a:lstStyle/>
+                    <a:p>
+                      <a:r>
+                        <a:rPr lang="en-US" dirty="0"/>
+                        <a:t>Dec 31</a:t>
+                      </a:r>
+                    </a:p>
+                  </a:txBody>
+                  <a:tcPr/>
+                </a:tc>
+                <a:tc>
+                  <a:txBody>
+                    <a:bodyPr/>
+                    <a:lstStyle/>
+                    <a:p>
+                      <a:r>
+                        <a:rPr lang="en-US" dirty="0"/>
+                        <a:t>Bad Debts Expense</a:t>
+                      </a:r>
+                    </a:p>
+                  </a:txBody>
+                  <a:tcPr/>
+                </a:tc>
+                <a:tc>
+                  <a:txBody>
+                    <a:bodyPr/>
+                    <a:lstStyle/>
+                    <a:p>
+                      <a:r>
+                        <a:rPr lang="en-US" dirty="0"/>
+                        <a:t>136.50</a:t>
+                      </a:r>
+                    </a:p>
+                  </a:txBody>
+                  <a:tcPr/>
+                </a:tc>
+                <a:tc>
+                  <a:txBody>
+                    <a:bodyPr/>
+                    <a:lstStyle/>
+                    <a:p>
+                      <a:endParaRPr lang="en-US" dirty="0"/>
+                    </a:p>
+                  </a:txBody>
+                  <a:tcPr/>
+                </a:tc>
+                <a:extLst>
+                  <a:ext uri="{0D108BD9-81ED-4DB2-BD59-A6C34878D82A}">
+                    <a16:rowId xmlns:a16="http://schemas.microsoft.com/office/drawing/2014/main" val="24395714"/>
+                  </a:ext>
+                </a:extLst>
+              </a:tr>
+              <a:tr h="370840">
+                <a:tc>
+                  <a:txBody>
+                    <a:bodyPr/>
+                    <a:lstStyle/>
+                    <a:p>
+                      <a:endParaRPr lang="en-US"/>
+                    </a:p>
+                  </a:txBody>
+                  <a:tcPr/>
+                </a:tc>
+                <a:tc>
+                  <a:txBody>
+                    <a:bodyPr/>
+                    <a:lstStyle/>
+                    <a:p>
+                      <a:r>
+                        <a:rPr lang="en-US" dirty="0"/>
+                        <a:t>    Allowance for Doubtful Accounts</a:t>
+                      </a:r>
+                    </a:p>
+                  </a:txBody>
+                  <a:tcPr/>
+                </a:tc>
+                <a:tc>
+                  <a:txBody>
+                    <a:bodyPr/>
+                    <a:lstStyle/>
+                    <a:p>
+                      <a:endParaRPr lang="en-US" dirty="0"/>
+                    </a:p>
+                  </a:txBody>
+                  <a:tcPr/>
+                </a:tc>
+                <a:tc>
+                  <a:txBody>
+                    <a:bodyPr/>
+                    <a:lstStyle/>
+                    <a:p>
+                      <a:r>
+                        <a:rPr lang="en-US" dirty="0"/>
+                        <a:t>136.50</a:t>
+                      </a:r>
+                    </a:p>
+                  </a:txBody>
+                  <a:tcPr/>
+                </a:tc>
+                <a:extLst>
+                  <a:ext uri="{0D108BD9-81ED-4DB2-BD59-A6C34878D82A}">
+                    <a16:rowId xmlns:a16="http://schemas.microsoft.com/office/drawing/2014/main" val="1898026451"/>
+                  </a:ext>
+                </a:extLst>
+              </a:tr>
+            </a:tbl>
+          </a:graphicData>
+        </a:graphic>
+      </p:graphicFrame>
+      <p:sp>
+        <p:nvSpPr>
+          <p:cNvPr id="9" name="Speech Bubble: Oval 8">
+            <a:extLst>
+              <a:ext uri="{FF2B5EF4-FFF2-40B4-BE49-F238E27FC236}">
+                <a16:creationId xmlns:a16="http://schemas.microsoft.com/office/drawing/2014/main" id="{221B90BC-C74D-4EC5-AB33-8FE30A5A69F6}"/>
+              </a:ext>
+            </a:extLst>
+          </p:cNvPr>
+          <p:cNvSpPr/>
+          <p:nvPr/>
+        </p:nvSpPr>
+        <p:spPr>
+          <a:xfrm>
+            <a:off x="7568141" y="5231542"/>
+            <a:ext cx="2438400" cy="940657"/>
+          </a:xfrm>
+          <a:prstGeom prst="wedgeEllipseCallout">
+            <a:avLst>
+              <a:gd name="adj1" fmla="val 18364"/>
+              <a:gd name="adj2" fmla="val -83354"/>
+            </a:avLst>
+          </a:prstGeom>
+        </p:spPr>
+        <p:style>
+          <a:lnRef idx="2">
+            <a:schemeClr val="accent4">
+              <a:shade val="50000"/>
+            </a:schemeClr>
+          </a:lnRef>
+          <a:fillRef idx="1">
+            <a:schemeClr val="accent4"/>
+          </a:fillRef>
+          <a:effectRef idx="0">
+            <a:schemeClr val="accent4"/>
+          </a:effectRef>
+          <a:fontRef idx="minor">
+            <a:schemeClr val="lt1"/>
+          </a:fontRef>
+        </p:style>
+        <p:txBody>
+          <a:bodyPr rtlCol="0" anchor="ctr"/>
+          <a:lstStyle/>
+          <a:p>
+            <a:pPr algn="ctr"/>
+            <a:r>
+              <a:rPr lang="en-US" dirty="0"/>
+              <a:t>The total for this account is  now $236.50.</a:t>
+            </a:r>
+          </a:p>
+        </p:txBody>
+      </p:sp>
+    </p:spTree>
+    <p:extLst>
+      <p:ext uri="{BB962C8B-B14F-4D97-AF65-F5344CB8AC3E}">
+        <p14:creationId xmlns:p14="http://schemas.microsoft.com/office/powerpoint/2010/main" val="55457"/>
+      </p:ext>
+    </p:extLst>
+  </p:cSld>
+  <p:clrMapOvr>
+    <a:masterClrMapping/>
+  </p:clrMapOvr>
+</p:sld>
+</file>
+
+<file path=ppt/slides/slide13.xml><?xml version="1.0" encoding="utf-8"?>
+<p:sld xmlns:a="http://schemas.openxmlformats.org/drawingml/2006/main" xmlns:r="http://schemas.openxmlformats.org/officeDocument/2006/relationships" xmlns:p="http://schemas.openxmlformats.org/presentationml/2006/main">
+  <p:cSld>
+    <p:spTree>
+      <p:nvGrpSpPr>
+        <p:cNvPr id="1" name=""/>
+        <p:cNvGrpSpPr/>
+        <p:nvPr/>
+      </p:nvGrpSpPr>
+      <p:grpSpPr>
+        <a:xfrm>
+          <a:off x="0" y="0"/>
+          <a:ext cx="0" cy="0"/>
+          <a:chOff x="0" y="0"/>
+          <a:chExt cx="0" cy="0"/>
+        </a:xfrm>
+      </p:grpSpPr>
+      <p:sp>
+        <p:nvSpPr>
+          <p:cNvPr id="2" name="Title 1"/>
+          <p:cNvSpPr>
+            <a:spLocks noGrp="1"/>
+          </p:cNvSpPr>
+          <p:nvPr>
+            <p:ph type="title"/>
+          </p:nvPr>
+        </p:nvSpPr>
+        <p:spPr/>
+        <p:txBody>
+          <a:bodyPr numCol="1"/>
+          <a:lstStyle/>
+          <a:p>
+            <a:pPr algn="ctr"/>
+            <a:r>
+              <a:t>Writing Off an Account-Allowance for doubtful Accounts</a:t>
             </a:r>
           </a:p>
         </p:txBody>
@@ -4693,23 +8955,7 @@
               <a:buNone/>
             </a:pPr>
             <a:r>
-              <a:t>   Bad debt expense is the way businessess account for a receivable account that will not be paid. Bad debt arises ahen a customer either can not pay because of financial difficulities or chooses not to pay due to disagreements over the product of service they were sold.</a:t>
-            </a:r>
-          </a:p>
-          <a:p>
-            <a:pPr>
-              <a:buNone/>
-            </a:pPr>
-            <a:r>
-              <a:t>   Bad debt expense is used to reflect receivables that a company will be unable to collect.</a:t>
-            </a:r>
-          </a:p>
-          <a:p>
-            <a:pPr>
-              <a:buNone/>
-            </a:pPr>
-            <a:r>
-              <a:t>    The amount of bad debt expense can be estimated using the accounts receivable aging method or the percentage sales method.</a:t>
+              <a:t>   When it is determined that an account cannot be collected, the receivable balance should be written off. When the unit maintains an allowance for doubtful accounts, the write-off reduces the outstanding accounts receivable, and is charged against the allowance.</a:t>
             </a:r>
           </a:p>
         </p:txBody>
@@ -4722,7 +8968,1050 @@
 </p:sld>
 </file>
 
-<file path=ppt/slides/slide11.xml><?xml version="1.0" encoding="utf-8"?>
+<file path=ppt/slides/slide14.xml><?xml version="1.0" encoding="utf-8"?>
+<p:sld xmlns:a="http://schemas.openxmlformats.org/drawingml/2006/main" xmlns:r="http://schemas.openxmlformats.org/officeDocument/2006/relationships" xmlns:p="http://schemas.openxmlformats.org/presentationml/2006/main">
+  <p:cSld>
+    <p:spTree>
+      <p:nvGrpSpPr>
+        <p:cNvPr id="1" name=""/>
+        <p:cNvGrpSpPr/>
+        <p:nvPr/>
+      </p:nvGrpSpPr>
+      <p:grpSpPr>
+        <a:xfrm>
+          <a:off x="0" y="0"/>
+          <a:ext cx="0" cy="0"/>
+          <a:chOff x="0" y="0"/>
+          <a:chExt cx="0" cy="0"/>
+        </a:xfrm>
+      </p:grpSpPr>
+      <p:sp>
+        <p:nvSpPr>
+          <p:cNvPr id="2" name="Title 1"/>
+          <p:cNvSpPr>
+            <a:spLocks noGrp="1"/>
+          </p:cNvSpPr>
+          <p:nvPr>
+            <p:ph type="title"/>
+          </p:nvPr>
+        </p:nvSpPr>
+        <p:spPr/>
+        <p:txBody>
+          <a:bodyPr numCol="1"/>
+          <a:lstStyle/>
+          <a:p>
+            <a:pPr algn="ctr"/>
+            <a:r>
+              <a:rPr dirty="0"/>
+              <a:t>Direct Write</a:t>
+            </a:r>
+            <a:r>
+              <a:rPr lang="en-US" dirty="0"/>
+              <a:t>-</a:t>
+            </a:r>
+            <a:r>
+              <a:rPr dirty="0"/>
+              <a:t>Off Method</a:t>
+            </a:r>
+          </a:p>
+        </p:txBody>
+      </p:sp>
+      <p:sp>
+        <p:nvSpPr>
+          <p:cNvPr id="3" name="Content Placeholder 2"/>
+          <p:cNvSpPr>
+            <a:spLocks noGrp="1"/>
+          </p:cNvSpPr>
+          <p:nvPr>
+            <p:ph idx="1"/>
+          </p:nvPr>
+        </p:nvSpPr>
+        <p:spPr>
+          <a:xfrm>
+            <a:off x="1522413" y="1981201"/>
+            <a:ext cx="9829799" cy="1295400"/>
+          </a:xfrm>
+        </p:spPr>
+        <p:txBody>
+          <a:bodyPr numCol="1">
+            <a:normAutofit/>
+          </a:bodyPr>
+          <a:lstStyle/>
+          <a:p>
+            <a:pPr>
+              <a:buNone/>
+            </a:pPr>
+            <a:r>
+              <a:rPr dirty="0"/>
+              <a:t>The </a:t>
+            </a:r>
+            <a:r>
+              <a:rPr lang="en-US" dirty="0"/>
+              <a:t>direct write-off method does not use the Allowance for Doubtful Accounts, but instead writes off an uncollectible account directly as a Bad Debts Expense.</a:t>
+            </a:r>
+          </a:p>
+        </p:txBody>
+      </p:sp>
+      <p:graphicFrame>
+        <p:nvGraphicFramePr>
+          <p:cNvPr id="4" name="Table 3">
+            <a:extLst>
+              <a:ext uri="{FF2B5EF4-FFF2-40B4-BE49-F238E27FC236}">
+                <a16:creationId xmlns:a16="http://schemas.microsoft.com/office/drawing/2014/main" id="{596C1259-69D0-4572-B1A9-95C121F506F6}"/>
+              </a:ext>
+            </a:extLst>
+          </p:cNvPr>
+          <p:cNvGraphicFramePr>
+            <a:graphicFrameLocks noGrp="1"/>
+          </p:cNvGraphicFramePr>
+          <p:nvPr/>
+        </p:nvGraphicFramePr>
+        <p:xfrm>
+          <a:off x="2081741" y="3810000"/>
+          <a:ext cx="8025342" cy="1107440"/>
+        </p:xfrm>
+        <a:graphic>
+          <a:graphicData uri="http://schemas.openxmlformats.org/drawingml/2006/table">
+            <a:tbl>
+              <a:tblPr firstRow="1" bandRow="1">
+                <a:tableStyleId>{22838BEF-8BB2-4498-84A7-C5851F593DF1}</a:tableStyleId>
+              </a:tblPr>
+              <a:tblGrid>
+                <a:gridCol w="1354314">
+                  <a:extLst>
+                    <a:ext uri="{9D8B030D-6E8A-4147-A177-3AD203B41FA5}">
+                      <a16:colId xmlns:a16="http://schemas.microsoft.com/office/drawing/2014/main" val="868591414"/>
+                    </a:ext>
+                  </a:extLst>
+                </a:gridCol>
+                <a:gridCol w="3927828">
+                  <a:extLst>
+                    <a:ext uri="{9D8B030D-6E8A-4147-A177-3AD203B41FA5}">
+                      <a16:colId xmlns:a16="http://schemas.microsoft.com/office/drawing/2014/main" val="3981818642"/>
+                    </a:ext>
+                  </a:extLst>
+                </a:gridCol>
+                <a:gridCol w="1371600">
+                  <a:extLst>
+                    <a:ext uri="{9D8B030D-6E8A-4147-A177-3AD203B41FA5}">
+                      <a16:colId xmlns:a16="http://schemas.microsoft.com/office/drawing/2014/main" val="1922779195"/>
+                    </a:ext>
+                  </a:extLst>
+                </a:gridCol>
+                <a:gridCol w="1371600">
+                  <a:extLst>
+                    <a:ext uri="{9D8B030D-6E8A-4147-A177-3AD203B41FA5}">
+                      <a16:colId xmlns:a16="http://schemas.microsoft.com/office/drawing/2014/main" val="2510622341"/>
+                    </a:ext>
+                  </a:extLst>
+                </a:gridCol>
+              </a:tblGrid>
+              <a:tr h="217096">
+                <a:tc>
+                  <a:txBody>
+                    <a:bodyPr/>
+                    <a:lstStyle/>
+                    <a:p>
+                      <a:r>
+                        <a:rPr lang="en-US" b="0" dirty="0"/>
+                        <a:t>2019</a:t>
+                      </a:r>
+                    </a:p>
+                  </a:txBody>
+                  <a:tcPr/>
+                </a:tc>
+                <a:tc>
+                  <a:txBody>
+                    <a:bodyPr/>
+                    <a:lstStyle/>
+                    <a:p>
+                      <a:endParaRPr lang="en-US" dirty="0"/>
+                    </a:p>
+                  </a:txBody>
+                  <a:tcPr/>
+                </a:tc>
+                <a:tc>
+                  <a:txBody>
+                    <a:bodyPr/>
+                    <a:lstStyle/>
+                    <a:p>
+                      <a:pPr algn="ctr"/>
+                      <a:r>
+                        <a:rPr lang="en-US" dirty="0"/>
+                        <a:t>Dr</a:t>
+                      </a:r>
+                    </a:p>
+                  </a:txBody>
+                  <a:tcPr/>
+                </a:tc>
+                <a:tc>
+                  <a:txBody>
+                    <a:bodyPr/>
+                    <a:lstStyle/>
+                    <a:p>
+                      <a:pPr algn="ctr"/>
+                      <a:r>
+                        <a:rPr lang="en-US" dirty="0"/>
+                        <a:t>Cr</a:t>
+                      </a:r>
+                    </a:p>
+                  </a:txBody>
+                  <a:tcPr/>
+                </a:tc>
+                <a:extLst>
+                  <a:ext uri="{0D108BD9-81ED-4DB2-BD59-A6C34878D82A}">
+                    <a16:rowId xmlns:a16="http://schemas.microsoft.com/office/drawing/2014/main" val="2181639554"/>
+                  </a:ext>
+                </a:extLst>
+              </a:tr>
+              <a:tr h="370840">
+                <a:tc>
+                  <a:txBody>
+                    <a:bodyPr/>
+                    <a:lstStyle/>
+                    <a:p>
+                      <a:r>
+                        <a:rPr lang="en-US" dirty="0"/>
+                        <a:t>Oct 16</a:t>
+                      </a:r>
+                    </a:p>
+                  </a:txBody>
+                  <a:tcPr/>
+                </a:tc>
+                <a:tc>
+                  <a:txBody>
+                    <a:bodyPr/>
+                    <a:lstStyle/>
+                    <a:p>
+                      <a:r>
+                        <a:rPr lang="en-US" dirty="0"/>
+                        <a:t>Bad Debts Expense</a:t>
+                      </a:r>
+                    </a:p>
+                  </a:txBody>
+                  <a:tcPr/>
+                </a:tc>
+                <a:tc>
+                  <a:txBody>
+                    <a:bodyPr/>
+                    <a:lstStyle/>
+                    <a:p>
+                      <a:r>
+                        <a:rPr lang="en-US" dirty="0"/>
+                        <a:t>400.00</a:t>
+                      </a:r>
+                    </a:p>
+                  </a:txBody>
+                  <a:tcPr/>
+                </a:tc>
+                <a:tc>
+                  <a:txBody>
+                    <a:bodyPr/>
+                    <a:lstStyle/>
+                    <a:p>
+                      <a:endParaRPr lang="en-US" dirty="0"/>
+                    </a:p>
+                  </a:txBody>
+                  <a:tcPr/>
+                </a:tc>
+                <a:extLst>
+                  <a:ext uri="{0D108BD9-81ED-4DB2-BD59-A6C34878D82A}">
+                    <a16:rowId xmlns:a16="http://schemas.microsoft.com/office/drawing/2014/main" val="24395714"/>
+                  </a:ext>
+                </a:extLst>
+              </a:tr>
+              <a:tr h="370840">
+                <a:tc>
+                  <a:txBody>
+                    <a:bodyPr/>
+                    <a:lstStyle/>
+                    <a:p>
+                      <a:endParaRPr lang="en-US"/>
+                    </a:p>
+                  </a:txBody>
+                  <a:tcPr/>
+                </a:tc>
+                <a:tc>
+                  <a:txBody>
+                    <a:bodyPr/>
+                    <a:lstStyle/>
+                    <a:p>
+                      <a:r>
+                        <a:rPr lang="en-US" dirty="0"/>
+                        <a:t>    Accounts Receivable, CB+WP Co</a:t>
+                      </a:r>
+                    </a:p>
+                  </a:txBody>
+                  <a:tcPr/>
+                </a:tc>
+                <a:tc>
+                  <a:txBody>
+                    <a:bodyPr/>
+                    <a:lstStyle/>
+                    <a:p>
+                      <a:endParaRPr lang="en-US" dirty="0"/>
+                    </a:p>
+                  </a:txBody>
+                  <a:tcPr/>
+                </a:tc>
+                <a:tc>
+                  <a:txBody>
+                    <a:bodyPr/>
+                    <a:lstStyle/>
+                    <a:p>
+                      <a:r>
+                        <a:rPr lang="en-US" dirty="0"/>
+                        <a:t>400.00</a:t>
+                      </a:r>
+                    </a:p>
+                  </a:txBody>
+                  <a:tcPr/>
+                </a:tc>
+                <a:extLst>
+                  <a:ext uri="{0D108BD9-81ED-4DB2-BD59-A6C34878D82A}">
+                    <a16:rowId xmlns:a16="http://schemas.microsoft.com/office/drawing/2014/main" val="1898026451"/>
+                  </a:ext>
+                </a:extLst>
+              </a:tr>
+            </a:tbl>
+          </a:graphicData>
+        </a:graphic>
+      </p:graphicFrame>
+      <p:sp>
+        <p:nvSpPr>
+          <p:cNvPr id="5" name="Speech Bubble: Oval 4">
+            <a:extLst>
+              <a:ext uri="{FF2B5EF4-FFF2-40B4-BE49-F238E27FC236}">
+                <a16:creationId xmlns:a16="http://schemas.microsoft.com/office/drawing/2014/main" id="{990DA1FB-925F-44D7-82E8-05BC4514668E}"/>
+              </a:ext>
+            </a:extLst>
+          </p:cNvPr>
+          <p:cNvSpPr/>
+          <p:nvPr/>
+        </p:nvSpPr>
+        <p:spPr>
+          <a:xfrm>
+            <a:off x="2208212" y="5450839"/>
+            <a:ext cx="2971800" cy="940657"/>
+          </a:xfrm>
+          <a:prstGeom prst="wedgeEllipseCallout">
+            <a:avLst>
+              <a:gd name="adj1" fmla="val -22445"/>
+              <a:gd name="adj2" fmla="val -205341"/>
+            </a:avLst>
+          </a:prstGeom>
+        </p:spPr>
+        <p:style>
+          <a:lnRef idx="2">
+            <a:schemeClr val="accent4">
+              <a:shade val="50000"/>
+            </a:schemeClr>
+          </a:lnRef>
+          <a:fillRef idx="1">
+            <a:schemeClr val="accent4"/>
+          </a:fillRef>
+          <a:effectRef idx="0">
+            <a:schemeClr val="accent4"/>
+          </a:effectRef>
+          <a:fontRef idx="minor">
+            <a:schemeClr val="lt1"/>
+          </a:fontRef>
+        </p:style>
+        <p:txBody>
+          <a:bodyPr rtlCol="0" anchor="ctr"/>
+          <a:lstStyle/>
+          <a:p>
+            <a:pPr algn="ctr"/>
+            <a:r>
+              <a:rPr lang="en-US" dirty="0"/>
+              <a:t>The date matters in the Direct Write-Off method.</a:t>
+            </a:r>
+          </a:p>
+        </p:txBody>
+      </p:sp>
+    </p:spTree>
+    <p:extLst>
+      <p:ext uri="{BB962C8B-B14F-4D97-AF65-F5344CB8AC3E}">
+        <p14:creationId xmlns:p14="http://schemas.microsoft.com/office/powerpoint/2010/main" val="2057595365"/>
+      </p:ext>
+    </p:extLst>
+  </p:cSld>
+  <p:clrMapOvr>
+    <a:masterClrMapping/>
+  </p:clrMapOvr>
+</p:sld>
+</file>
+
+<file path=ppt/slides/slide15.xml><?xml version="1.0" encoding="utf-8"?>
+<p:sld xmlns:a="http://schemas.openxmlformats.org/drawingml/2006/main" xmlns:r="http://schemas.openxmlformats.org/officeDocument/2006/relationships" xmlns:p="http://schemas.openxmlformats.org/presentationml/2006/main">
+  <p:cSld>
+    <p:spTree>
+      <p:nvGrpSpPr>
+        <p:cNvPr id="1" name=""/>
+        <p:cNvGrpSpPr/>
+        <p:nvPr/>
+      </p:nvGrpSpPr>
+      <p:grpSpPr>
+        <a:xfrm>
+          <a:off x="0" y="0"/>
+          <a:ext cx="0" cy="0"/>
+          <a:chOff x="0" y="0"/>
+          <a:chExt cx="0" cy="0"/>
+        </a:xfrm>
+      </p:grpSpPr>
+      <p:sp>
+        <p:nvSpPr>
+          <p:cNvPr id="2" name="Title 1"/>
+          <p:cNvSpPr>
+            <a:spLocks noGrp="1"/>
+          </p:cNvSpPr>
+          <p:nvPr>
+            <p:ph type="title"/>
+          </p:nvPr>
+        </p:nvSpPr>
+        <p:spPr/>
+        <p:txBody>
+          <a:bodyPr numCol="1"/>
+          <a:lstStyle/>
+          <a:p>
+            <a:pPr algn="ctr"/>
+            <a:r>
+              <a:rPr lang="en-US" dirty="0"/>
+              <a:t>Problem with the </a:t>
+            </a:r>
+            <a:r>
+              <a:rPr dirty="0"/>
+              <a:t>Direct Write</a:t>
+            </a:r>
+            <a:r>
+              <a:rPr lang="en-US" dirty="0"/>
+              <a:t>-</a:t>
+            </a:r>
+            <a:r>
+              <a:rPr dirty="0"/>
+              <a:t>Off Method</a:t>
+            </a:r>
+          </a:p>
+        </p:txBody>
+      </p:sp>
+      <p:sp>
+        <p:nvSpPr>
+          <p:cNvPr id="3" name="Content Placeholder 2"/>
+          <p:cNvSpPr>
+            <a:spLocks noGrp="1"/>
+          </p:cNvSpPr>
+          <p:nvPr>
+            <p:ph idx="1"/>
+          </p:nvPr>
+        </p:nvSpPr>
+        <p:spPr>
+          <a:xfrm>
+            <a:off x="1522413" y="1981200"/>
+            <a:ext cx="9829799" cy="3962399"/>
+          </a:xfrm>
+        </p:spPr>
+        <p:txBody>
+          <a:bodyPr numCol="1">
+            <a:normAutofit/>
+          </a:bodyPr>
+          <a:lstStyle/>
+          <a:p>
+            <a:pPr>
+              <a:buNone/>
+            </a:pPr>
+            <a:r>
+              <a:rPr lang="en-US" dirty="0"/>
+              <a:t>Consider the previous journal entry: we wrote off the bad debt in 2019, but it can take months (even years) in collections before we can determine the account is uncollectible. So, it is very likely that the $400 revenue related to this entry was recognized in the previous year. </a:t>
+            </a:r>
+          </a:p>
+          <a:p>
+            <a:pPr>
+              <a:buNone/>
+            </a:pPr>
+            <a:r>
+              <a:rPr lang="en-US" dirty="0"/>
+              <a:t>This violates the matching principle of the generally accepted accounting principles. The income statement will not accurately reflect the expenses with the corresponding revenues.</a:t>
+            </a:r>
+          </a:p>
+          <a:p>
+            <a:pPr>
+              <a:buNone/>
+            </a:pPr>
+            <a:r>
+              <a:rPr lang="en-US" dirty="0"/>
+              <a:t>For this reason, this method should only be used when bad debt happens rarely or for immaterial amounts.</a:t>
+            </a:r>
+            <a:endParaRPr dirty="0"/>
+          </a:p>
+        </p:txBody>
+      </p:sp>
+    </p:spTree>
+    <p:extLst>
+      <p:ext uri="{BB962C8B-B14F-4D97-AF65-F5344CB8AC3E}">
+        <p14:creationId xmlns:p14="http://schemas.microsoft.com/office/powerpoint/2010/main" val="2425183491"/>
+      </p:ext>
+    </p:extLst>
+  </p:cSld>
+  <p:clrMapOvr>
+    <a:masterClrMapping/>
+  </p:clrMapOvr>
+</p:sld>
+</file>
+
+<file path=ppt/slides/slide16.xml><?xml version="1.0" encoding="utf-8"?>
+<p:sld xmlns:a="http://schemas.openxmlformats.org/drawingml/2006/main" xmlns:r="http://schemas.openxmlformats.org/officeDocument/2006/relationships" xmlns:p="http://schemas.openxmlformats.org/presentationml/2006/main">
+  <p:cSld>
+    <p:spTree>
+      <p:nvGrpSpPr>
+        <p:cNvPr id="1" name=""/>
+        <p:cNvGrpSpPr/>
+        <p:nvPr/>
+      </p:nvGrpSpPr>
+      <p:grpSpPr>
+        <a:xfrm>
+          <a:off x="0" y="0"/>
+          <a:ext cx="0" cy="0"/>
+          <a:chOff x="0" y="0"/>
+          <a:chExt cx="0" cy="0"/>
+        </a:xfrm>
+      </p:grpSpPr>
+      <p:sp>
+        <p:nvSpPr>
+          <p:cNvPr id="2" name="Title 1"/>
+          <p:cNvSpPr>
+            <a:spLocks noGrp="1"/>
+          </p:cNvSpPr>
+          <p:nvPr>
+            <p:ph type="title"/>
+          </p:nvPr>
+        </p:nvSpPr>
+        <p:spPr/>
+        <p:txBody>
+          <a:bodyPr numCol="1"/>
+          <a:lstStyle/>
+          <a:p>
+            <a:pPr algn="ctr"/>
+            <a:r>
+              <a:rPr lang="en-US" dirty="0"/>
+              <a:t>Recovered Debts: Direct</a:t>
+            </a:r>
+            <a:r>
+              <a:rPr dirty="0"/>
+              <a:t> Write</a:t>
+            </a:r>
+            <a:r>
+              <a:rPr lang="en-US" dirty="0"/>
+              <a:t>-</a:t>
+            </a:r>
+            <a:r>
+              <a:rPr dirty="0"/>
+              <a:t>Off Method</a:t>
+            </a:r>
+          </a:p>
+        </p:txBody>
+      </p:sp>
+      <p:sp>
+        <p:nvSpPr>
+          <p:cNvPr id="3" name="Content Placeholder 2"/>
+          <p:cNvSpPr>
+            <a:spLocks noGrp="1"/>
+          </p:cNvSpPr>
+          <p:nvPr>
+            <p:ph idx="1"/>
+          </p:nvPr>
+        </p:nvSpPr>
+        <p:spPr>
+          <a:xfrm>
+            <a:off x="1522413" y="1981200"/>
+            <a:ext cx="9829799" cy="1447799"/>
+          </a:xfrm>
+        </p:spPr>
+        <p:txBody>
+          <a:bodyPr numCol="1">
+            <a:normAutofit fontScale="85000" lnSpcReduction="20000"/>
+          </a:bodyPr>
+          <a:lstStyle/>
+          <a:p>
+            <a:pPr>
+              <a:buNone/>
+            </a:pPr>
+            <a:r>
+              <a:rPr lang="en-US" dirty="0"/>
+              <a:t>Because of the timing problem, we need to consider when the bad debt was written off in order to recover the debt later. If the recovery happens in the same year as the write off, then a simple reversing entry of the original write-off is used.</a:t>
+            </a:r>
+          </a:p>
+          <a:p>
+            <a:pPr>
+              <a:buNone/>
+            </a:pPr>
+            <a:r>
+              <a:rPr lang="en-US" dirty="0"/>
+              <a:t>If not, then we need to introduce the Bad Debts Recovered account and record two journal entries similar to the accrual method.</a:t>
+            </a:r>
+          </a:p>
+        </p:txBody>
+      </p:sp>
+      <p:graphicFrame>
+        <p:nvGraphicFramePr>
+          <p:cNvPr id="4" name="Table 3">
+            <a:extLst>
+              <a:ext uri="{FF2B5EF4-FFF2-40B4-BE49-F238E27FC236}">
+                <a16:creationId xmlns:a16="http://schemas.microsoft.com/office/drawing/2014/main" id="{596C1259-69D0-4572-B1A9-95C121F506F6}"/>
+              </a:ext>
+            </a:extLst>
+          </p:cNvPr>
+          <p:cNvGraphicFramePr>
+            <a:graphicFrameLocks noGrp="1"/>
+          </p:cNvGraphicFramePr>
+          <p:nvPr/>
+        </p:nvGraphicFramePr>
+        <p:xfrm>
+          <a:off x="2081741" y="4495800"/>
+          <a:ext cx="8025342" cy="2194560"/>
+        </p:xfrm>
+        <a:graphic>
+          <a:graphicData uri="http://schemas.openxmlformats.org/drawingml/2006/table">
+            <a:tbl>
+              <a:tblPr firstRow="1" bandRow="1">
+                <a:tableStyleId>{22838BEF-8BB2-4498-84A7-C5851F593DF1}</a:tableStyleId>
+              </a:tblPr>
+              <a:tblGrid>
+                <a:gridCol w="1354314">
+                  <a:extLst>
+                    <a:ext uri="{9D8B030D-6E8A-4147-A177-3AD203B41FA5}">
+                      <a16:colId xmlns:a16="http://schemas.microsoft.com/office/drawing/2014/main" val="868591414"/>
+                    </a:ext>
+                  </a:extLst>
+                </a:gridCol>
+                <a:gridCol w="3927828">
+                  <a:extLst>
+                    <a:ext uri="{9D8B030D-6E8A-4147-A177-3AD203B41FA5}">
+                      <a16:colId xmlns:a16="http://schemas.microsoft.com/office/drawing/2014/main" val="3981818642"/>
+                    </a:ext>
+                  </a:extLst>
+                </a:gridCol>
+                <a:gridCol w="1371600">
+                  <a:extLst>
+                    <a:ext uri="{9D8B030D-6E8A-4147-A177-3AD203B41FA5}">
+                      <a16:colId xmlns:a16="http://schemas.microsoft.com/office/drawing/2014/main" val="1922779195"/>
+                    </a:ext>
+                  </a:extLst>
+                </a:gridCol>
+                <a:gridCol w="1371600">
+                  <a:extLst>
+                    <a:ext uri="{9D8B030D-6E8A-4147-A177-3AD203B41FA5}">
+                      <a16:colId xmlns:a16="http://schemas.microsoft.com/office/drawing/2014/main" val="2510622341"/>
+                    </a:ext>
+                  </a:extLst>
+                </a:gridCol>
+              </a:tblGrid>
+              <a:tr h="263649">
+                <a:tc>
+                  <a:txBody>
+                    <a:bodyPr/>
+                    <a:lstStyle/>
+                    <a:p>
+                      <a:r>
+                        <a:rPr lang="en-US" b="0" dirty="0"/>
+                        <a:t>2020</a:t>
+                      </a:r>
+                    </a:p>
+                  </a:txBody>
+                  <a:tcPr/>
+                </a:tc>
+                <a:tc>
+                  <a:txBody>
+                    <a:bodyPr/>
+                    <a:lstStyle/>
+                    <a:p>
+                      <a:endParaRPr lang="en-US" dirty="0"/>
+                    </a:p>
+                  </a:txBody>
+                  <a:tcPr/>
+                </a:tc>
+                <a:tc>
+                  <a:txBody>
+                    <a:bodyPr/>
+                    <a:lstStyle/>
+                    <a:p>
+                      <a:pPr algn="ctr"/>
+                      <a:r>
+                        <a:rPr lang="en-US" dirty="0"/>
+                        <a:t>Dr</a:t>
+                      </a:r>
+                    </a:p>
+                  </a:txBody>
+                  <a:tcPr/>
+                </a:tc>
+                <a:tc>
+                  <a:txBody>
+                    <a:bodyPr/>
+                    <a:lstStyle/>
+                    <a:p>
+                      <a:pPr algn="ctr"/>
+                      <a:r>
+                        <a:rPr lang="en-US" dirty="0"/>
+                        <a:t>Cr</a:t>
+                      </a:r>
+                    </a:p>
+                  </a:txBody>
+                  <a:tcPr/>
+                </a:tc>
+                <a:extLst>
+                  <a:ext uri="{0D108BD9-81ED-4DB2-BD59-A6C34878D82A}">
+                    <a16:rowId xmlns:a16="http://schemas.microsoft.com/office/drawing/2014/main" val="2181639554"/>
+                  </a:ext>
+                </a:extLst>
+              </a:tr>
+              <a:tr h="267310">
+                <a:tc>
+                  <a:txBody>
+                    <a:bodyPr/>
+                    <a:lstStyle/>
+                    <a:p>
+                      <a:r>
+                        <a:rPr lang="en-US" dirty="0"/>
+                        <a:t>Apr 4</a:t>
+                      </a:r>
+                    </a:p>
+                  </a:txBody>
+                  <a:tcPr/>
+                </a:tc>
+                <a:tc>
+                  <a:txBody>
+                    <a:bodyPr/>
+                    <a:lstStyle/>
+                    <a:p>
+                      <a:r>
+                        <a:rPr lang="en-US" dirty="0"/>
+                        <a:t>Accounts Receivable, CB+WP Co</a:t>
+                      </a:r>
+                    </a:p>
+                  </a:txBody>
+                  <a:tcPr/>
+                </a:tc>
+                <a:tc>
+                  <a:txBody>
+                    <a:bodyPr/>
+                    <a:lstStyle/>
+                    <a:p>
+                      <a:r>
+                        <a:rPr lang="en-US" dirty="0"/>
+                        <a:t>400.00</a:t>
+                      </a:r>
+                    </a:p>
+                  </a:txBody>
+                  <a:tcPr/>
+                </a:tc>
+                <a:tc>
+                  <a:txBody>
+                    <a:bodyPr/>
+                    <a:lstStyle/>
+                    <a:p>
+                      <a:endParaRPr lang="en-US" dirty="0"/>
+                    </a:p>
+                  </a:txBody>
+                  <a:tcPr/>
+                </a:tc>
+                <a:extLst>
+                  <a:ext uri="{0D108BD9-81ED-4DB2-BD59-A6C34878D82A}">
+                    <a16:rowId xmlns:a16="http://schemas.microsoft.com/office/drawing/2014/main" val="24395714"/>
+                  </a:ext>
+                </a:extLst>
+              </a:tr>
+              <a:tr h="267310">
+                <a:tc>
+                  <a:txBody>
+                    <a:bodyPr/>
+                    <a:lstStyle/>
+                    <a:p>
+                      <a:endParaRPr lang="en-US" dirty="0"/>
+                    </a:p>
+                  </a:txBody>
+                  <a:tcPr/>
+                </a:tc>
+                <a:tc>
+                  <a:txBody>
+                    <a:bodyPr/>
+                    <a:lstStyle/>
+                    <a:p>
+                      <a:r>
+                        <a:rPr lang="en-US" dirty="0"/>
+                        <a:t>    Bad Debts Recovered</a:t>
+                      </a:r>
+                    </a:p>
+                  </a:txBody>
+                  <a:tcPr/>
+                </a:tc>
+                <a:tc>
+                  <a:txBody>
+                    <a:bodyPr/>
+                    <a:lstStyle/>
+                    <a:p>
+                      <a:endParaRPr lang="en-US" dirty="0"/>
+                    </a:p>
+                  </a:txBody>
+                  <a:tcPr/>
+                </a:tc>
+                <a:tc>
+                  <a:txBody>
+                    <a:bodyPr/>
+                    <a:lstStyle/>
+                    <a:p>
+                      <a:r>
+                        <a:rPr lang="en-US" dirty="0"/>
+                        <a:t>400.00</a:t>
+                      </a:r>
+                    </a:p>
+                  </a:txBody>
+                  <a:tcPr/>
+                </a:tc>
+                <a:extLst>
+                  <a:ext uri="{0D108BD9-81ED-4DB2-BD59-A6C34878D82A}">
+                    <a16:rowId xmlns:a16="http://schemas.microsoft.com/office/drawing/2014/main" val="1898026451"/>
+                  </a:ext>
+                </a:extLst>
+              </a:tr>
+              <a:tr h="267310">
+                <a:tc>
+                  <a:txBody>
+                    <a:bodyPr/>
+                    <a:lstStyle/>
+                    <a:p>
+                      <a:endParaRPr lang="en-US"/>
+                    </a:p>
+                  </a:txBody>
+                  <a:tcPr/>
+                </a:tc>
+                <a:tc>
+                  <a:txBody>
+                    <a:bodyPr/>
+                    <a:lstStyle/>
+                    <a:p>
+                      <a:endParaRPr lang="en-US" dirty="0"/>
+                    </a:p>
+                  </a:txBody>
+                  <a:tcPr/>
+                </a:tc>
+                <a:tc>
+                  <a:txBody>
+                    <a:bodyPr/>
+                    <a:lstStyle/>
+                    <a:p>
+                      <a:endParaRPr lang="en-US" dirty="0"/>
+                    </a:p>
+                  </a:txBody>
+                  <a:tcPr/>
+                </a:tc>
+                <a:tc>
+                  <a:txBody>
+                    <a:bodyPr/>
+                    <a:lstStyle/>
+                    <a:p>
+                      <a:endParaRPr lang="en-US" dirty="0"/>
+                    </a:p>
+                  </a:txBody>
+                  <a:tcPr/>
+                </a:tc>
+                <a:extLst>
+                  <a:ext uri="{0D108BD9-81ED-4DB2-BD59-A6C34878D82A}">
+                    <a16:rowId xmlns:a16="http://schemas.microsoft.com/office/drawing/2014/main" val="3378438123"/>
+                  </a:ext>
+                </a:extLst>
+              </a:tr>
+              <a:tr h="267310">
+                <a:tc>
+                  <a:txBody>
+                    <a:bodyPr/>
+                    <a:lstStyle/>
+                    <a:p>
+                      <a:r>
+                        <a:rPr lang="en-US" dirty="0"/>
+                        <a:t>Apr 4</a:t>
+                      </a:r>
+                    </a:p>
+                  </a:txBody>
+                  <a:tcPr/>
+                </a:tc>
+                <a:tc>
+                  <a:txBody>
+                    <a:bodyPr/>
+                    <a:lstStyle/>
+                    <a:p>
+                      <a:r>
+                        <a:rPr lang="en-US" dirty="0"/>
+                        <a:t>Cash</a:t>
+                      </a:r>
+                    </a:p>
+                  </a:txBody>
+                  <a:tcPr/>
+                </a:tc>
+                <a:tc>
+                  <a:txBody>
+                    <a:bodyPr/>
+                    <a:lstStyle/>
+                    <a:p>
+                      <a:r>
+                        <a:rPr lang="en-US" dirty="0"/>
+                        <a:t>400.00</a:t>
+                      </a:r>
+                    </a:p>
+                  </a:txBody>
+                  <a:tcPr/>
+                </a:tc>
+                <a:tc>
+                  <a:txBody>
+                    <a:bodyPr/>
+                    <a:lstStyle/>
+                    <a:p>
+                      <a:endParaRPr lang="en-US" dirty="0"/>
+                    </a:p>
+                  </a:txBody>
+                  <a:tcPr/>
+                </a:tc>
+                <a:extLst>
+                  <a:ext uri="{0D108BD9-81ED-4DB2-BD59-A6C34878D82A}">
+                    <a16:rowId xmlns:a16="http://schemas.microsoft.com/office/drawing/2014/main" val="368383543"/>
+                  </a:ext>
+                </a:extLst>
+              </a:tr>
+              <a:tr h="267310">
+                <a:tc>
+                  <a:txBody>
+                    <a:bodyPr/>
+                    <a:lstStyle/>
+                    <a:p>
+                      <a:endParaRPr lang="en-US"/>
+                    </a:p>
+                  </a:txBody>
+                  <a:tcPr/>
+                </a:tc>
+                <a:tc>
+                  <a:txBody>
+                    <a:bodyPr/>
+                    <a:lstStyle/>
+                    <a:p>
+                      <a:r>
+                        <a:rPr lang="en-US" dirty="0"/>
+                        <a:t>    Accounts Receivable, CB+WP Co</a:t>
+                      </a:r>
+                    </a:p>
+                  </a:txBody>
+                  <a:tcPr/>
+                </a:tc>
+                <a:tc>
+                  <a:txBody>
+                    <a:bodyPr/>
+                    <a:lstStyle/>
+                    <a:p>
+                      <a:endParaRPr lang="en-US" dirty="0"/>
+                    </a:p>
+                  </a:txBody>
+                  <a:tcPr/>
+                </a:tc>
+                <a:tc>
+                  <a:txBody>
+                    <a:bodyPr/>
+                    <a:lstStyle/>
+                    <a:p>
+                      <a:r>
+                        <a:rPr lang="en-US" dirty="0"/>
+                        <a:t>400.00</a:t>
+                      </a:r>
+                    </a:p>
+                  </a:txBody>
+                  <a:tcPr/>
+                </a:tc>
+                <a:extLst>
+                  <a:ext uri="{0D108BD9-81ED-4DB2-BD59-A6C34878D82A}">
+                    <a16:rowId xmlns:a16="http://schemas.microsoft.com/office/drawing/2014/main" val="1838895014"/>
+                  </a:ext>
+                </a:extLst>
+              </a:tr>
+            </a:tbl>
+          </a:graphicData>
+        </a:graphic>
+      </p:graphicFrame>
+      <p:sp>
+        <p:nvSpPr>
+          <p:cNvPr id="6" name="Speech Bubble: Oval 5">
+            <a:extLst>
+              <a:ext uri="{FF2B5EF4-FFF2-40B4-BE49-F238E27FC236}">
+                <a16:creationId xmlns:a16="http://schemas.microsoft.com/office/drawing/2014/main" id="{77CF21D4-8873-4399-AC70-AA90E9B6F283}"/>
+              </a:ext>
+            </a:extLst>
+          </p:cNvPr>
+          <p:cNvSpPr/>
+          <p:nvPr/>
+        </p:nvSpPr>
+        <p:spPr>
+          <a:xfrm>
+            <a:off x="6551612" y="3124200"/>
+            <a:ext cx="5181600" cy="1066800"/>
+          </a:xfrm>
+          <a:prstGeom prst="wedgeEllipseCallout">
+            <a:avLst>
+              <a:gd name="adj1" fmla="val -55123"/>
+              <a:gd name="adj2" fmla="val 169493"/>
+            </a:avLst>
+          </a:prstGeom>
+        </p:spPr>
+        <p:style>
+          <a:lnRef idx="2">
+            <a:schemeClr val="accent4">
+              <a:shade val="50000"/>
+            </a:schemeClr>
+          </a:lnRef>
+          <a:fillRef idx="1">
+            <a:schemeClr val="accent4"/>
+          </a:fillRef>
+          <a:effectRef idx="0">
+            <a:schemeClr val="accent4"/>
+          </a:effectRef>
+          <a:fontRef idx="minor">
+            <a:schemeClr val="lt1"/>
+          </a:fontRef>
+        </p:style>
+        <p:txBody>
+          <a:bodyPr rtlCol="0" anchor="ctr"/>
+          <a:lstStyle/>
+          <a:p>
+            <a:pPr algn="ctr"/>
+            <a:r>
+              <a:rPr lang="en-US" sz="1600" dirty="0"/>
+              <a:t>Revenue account</a:t>
+            </a:r>
+          </a:p>
+          <a:p>
+            <a:pPr algn="ctr"/>
+            <a:r>
+              <a:rPr lang="en-US" sz="1600" dirty="0"/>
+              <a:t>Normal credit balance</a:t>
+            </a:r>
+          </a:p>
+          <a:p>
+            <a:pPr algn="ctr"/>
+            <a:r>
+              <a:rPr lang="en-US" sz="1600" dirty="0"/>
+              <a:t>Other Income on the income statement</a:t>
+            </a:r>
+          </a:p>
+        </p:txBody>
+      </p:sp>
+    </p:spTree>
+    <p:extLst>
+      <p:ext uri="{BB962C8B-B14F-4D97-AF65-F5344CB8AC3E}">
+        <p14:creationId xmlns:p14="http://schemas.microsoft.com/office/powerpoint/2010/main" val="137243973"/>
+      </p:ext>
+    </p:extLst>
+  </p:cSld>
+  <p:clrMapOvr>
+    <a:masterClrMapping/>
+  </p:clrMapOvr>
+</p:sld>
+</file>
+
+<file path=ppt/slides/slide17.xml><?xml version="1.0" encoding="utf-8"?>
 <p:sld xmlns:a="http://schemas.openxmlformats.org/drawingml/2006/main" xmlns:r="http://schemas.openxmlformats.org/officeDocument/2006/relationships" xmlns:p="http://schemas.openxmlformats.org/presentationml/2006/main">
   <p:cSld>
     <p:spTree>
@@ -4787,7 +10076,7 @@
         </p:blipFill>
         <p:spPr>
           <a:xfrm>
-            <a:off x="2720975" y="1981200"/>
+            <a:off x="2589212" y="2514600"/>
             <a:ext cx="7432675" cy="4187825"/>
           </a:xfrm>
           <a:prstGeom prst="rect">
@@ -4795,10 +10084,264 @@
           </a:prstGeom>
         </p:spPr>
       </p:pic>
+      <p:sp>
+        <p:nvSpPr>
+          <p:cNvPr id="4" name="Content Placeholder 2">
+            <a:extLst>
+              <a:ext uri="{FF2B5EF4-FFF2-40B4-BE49-F238E27FC236}">
+                <a16:creationId xmlns:a16="http://schemas.microsoft.com/office/drawing/2014/main" id="{462ADAAC-36EF-4221-864D-4A8DD476D8DC}"/>
+              </a:ext>
+            </a:extLst>
+          </p:cNvPr>
+          <p:cNvSpPr txBox="1">
+            <a:spLocks/>
+          </p:cNvSpPr>
+          <p:nvPr/>
+        </p:nvSpPr>
+        <p:spPr>
+          <a:xfrm>
+            <a:off x="1522413" y="1905001"/>
+            <a:ext cx="9829799" cy="685800"/>
+          </a:xfrm>
+          <a:prstGeom prst="rect">
+            <a:avLst/>
+          </a:prstGeom>
+        </p:spPr>
+        <p:txBody>
+          <a:bodyPr vert="horz" lIns="91440" tIns="45720" rIns="91440" bIns="45720" numCol="1" rtlCol="0">
+            <a:normAutofit lnSpcReduction="10000"/>
+          </a:bodyPr>
+          <a:lstStyle>
+            <a:lvl1pPr marL="223838" indent="-223838" algn="l" defTabSz="914400" rtl="0" eaLnBrk="1" latinLnBrk="0" hangingPunct="1">
+              <a:lnSpc>
+                <a:spcPct val="90000"/>
+              </a:lnSpc>
+              <a:spcBef>
+                <a:spcPts val="1800"/>
+              </a:spcBef>
+              <a:buClr>
+                <a:schemeClr val="tx1">
+                  <a:lumMod val="90000"/>
+                  <a:lumOff val="10000"/>
+                </a:schemeClr>
+              </a:buClr>
+              <a:buSzPct val="80000"/>
+              <a:buFont typeface="Arial" pitchFamily="34" charset="0"/>
+              <a:buChar char="•"/>
+              <a:defRPr sz="2400" kern="1200">
+                <a:solidFill>
+                  <a:schemeClr val="tx1"/>
+                </a:solidFill>
+                <a:latin typeface="+mn-lt"/>
+                <a:ea typeface="+mn-ea"/>
+                <a:cs typeface="+mn-cs"/>
+              </a:defRPr>
+            </a:lvl1pPr>
+            <a:lvl2pPr marL="511175" indent="-228600" algn="l" defTabSz="914400" rtl="0" eaLnBrk="1" latinLnBrk="0" hangingPunct="1">
+              <a:lnSpc>
+                <a:spcPct val="90000"/>
+              </a:lnSpc>
+              <a:spcBef>
+                <a:spcPts val="1000"/>
+              </a:spcBef>
+              <a:buClr>
+                <a:schemeClr val="tx1">
+                  <a:lumMod val="90000"/>
+                  <a:lumOff val="10000"/>
+                </a:schemeClr>
+              </a:buClr>
+              <a:buSzPct val="80000"/>
+              <a:buFont typeface="Arial" pitchFamily="34" charset="0"/>
+              <a:buChar char="•"/>
+              <a:defRPr sz="2000" kern="1200">
+                <a:solidFill>
+                  <a:schemeClr val="tx1"/>
+                </a:solidFill>
+                <a:latin typeface="+mn-lt"/>
+                <a:ea typeface="+mn-ea"/>
+                <a:cs typeface="+mn-cs"/>
+              </a:defRPr>
+            </a:lvl2pPr>
+            <a:lvl3pPr marL="685800" indent="-174625" algn="l" defTabSz="914400" rtl="0" eaLnBrk="1" latinLnBrk="0" hangingPunct="1">
+              <a:lnSpc>
+                <a:spcPct val="90000"/>
+              </a:lnSpc>
+              <a:spcBef>
+                <a:spcPts val="600"/>
+              </a:spcBef>
+              <a:buClr>
+                <a:schemeClr val="tx1">
+                  <a:lumMod val="90000"/>
+                  <a:lumOff val="10000"/>
+                </a:schemeClr>
+              </a:buClr>
+              <a:buSzPct val="80000"/>
+              <a:buFont typeface="Arial" pitchFamily="34" charset="0"/>
+              <a:buChar char="•"/>
+              <a:defRPr sz="1800" kern="1200">
+                <a:solidFill>
+                  <a:schemeClr val="tx1"/>
+                </a:solidFill>
+                <a:latin typeface="+mn-lt"/>
+                <a:ea typeface="+mn-ea"/>
+                <a:cs typeface="+mn-cs"/>
+              </a:defRPr>
+            </a:lvl3pPr>
+            <a:lvl4pPr marL="860425" indent="-174625" algn="l" defTabSz="914400" rtl="0" eaLnBrk="1" latinLnBrk="0" hangingPunct="1">
+              <a:lnSpc>
+                <a:spcPct val="90000"/>
+              </a:lnSpc>
+              <a:spcBef>
+                <a:spcPts val="600"/>
+              </a:spcBef>
+              <a:buClr>
+                <a:schemeClr val="tx1">
+                  <a:lumMod val="90000"/>
+                  <a:lumOff val="10000"/>
+                </a:schemeClr>
+              </a:buClr>
+              <a:buSzPct val="80000"/>
+              <a:buFont typeface="Arial" pitchFamily="34" charset="0"/>
+              <a:buChar char="•"/>
+              <a:defRPr sz="1600" kern="1200">
+                <a:solidFill>
+                  <a:schemeClr val="tx1"/>
+                </a:solidFill>
+                <a:latin typeface="+mn-lt"/>
+                <a:ea typeface="+mn-ea"/>
+                <a:cs typeface="+mn-cs"/>
+              </a:defRPr>
+            </a:lvl4pPr>
+            <a:lvl5pPr marL="1033463" indent="-173038" algn="l" defTabSz="914400" rtl="0" eaLnBrk="1" latinLnBrk="0" hangingPunct="1">
+              <a:lnSpc>
+                <a:spcPct val="90000"/>
+              </a:lnSpc>
+              <a:spcBef>
+                <a:spcPts val="600"/>
+              </a:spcBef>
+              <a:buClr>
+                <a:schemeClr val="tx1">
+                  <a:lumMod val="90000"/>
+                  <a:lumOff val="10000"/>
+                </a:schemeClr>
+              </a:buClr>
+              <a:buSzPct val="80000"/>
+              <a:buFont typeface="Arial" pitchFamily="34" charset="0"/>
+              <a:buChar char="•"/>
+              <a:defRPr sz="1600" kern="1200">
+                <a:solidFill>
+                  <a:schemeClr val="tx1"/>
+                </a:solidFill>
+                <a:latin typeface="+mn-lt"/>
+                <a:ea typeface="+mn-ea"/>
+                <a:cs typeface="+mn-cs"/>
+              </a:defRPr>
+            </a:lvl5pPr>
+            <a:lvl6pPr marL="1207008" indent="-173736" algn="l" defTabSz="914400" rtl="0" eaLnBrk="1" latinLnBrk="0" hangingPunct="1">
+              <a:spcBef>
+                <a:spcPts val="600"/>
+              </a:spcBef>
+              <a:buClr>
+                <a:schemeClr val="tx1">
+                  <a:lumMod val="90000"/>
+                  <a:lumOff val="10000"/>
+                </a:schemeClr>
+              </a:buClr>
+              <a:buSzPct val="80000"/>
+              <a:buFont typeface="Arial" pitchFamily="34" charset="0"/>
+              <a:buChar char="•"/>
+              <a:defRPr sz="1600" kern="1200">
+                <a:solidFill>
+                  <a:schemeClr val="tx1"/>
+                </a:solidFill>
+                <a:latin typeface="+mn-lt"/>
+                <a:ea typeface="+mn-ea"/>
+                <a:cs typeface="+mn-cs"/>
+              </a:defRPr>
+            </a:lvl6pPr>
+            <a:lvl7pPr marL="1380744" indent="-173736" algn="l" defTabSz="914400" rtl="0" eaLnBrk="1" latinLnBrk="0" hangingPunct="1">
+              <a:spcBef>
+                <a:spcPts val="600"/>
+              </a:spcBef>
+              <a:buClr>
+                <a:schemeClr val="tx1">
+                  <a:lumMod val="90000"/>
+                  <a:lumOff val="10000"/>
+                </a:schemeClr>
+              </a:buClr>
+              <a:buSzPct val="80000"/>
+              <a:buFont typeface="Arial" pitchFamily="34" charset="0"/>
+              <a:buChar char="•"/>
+              <a:defRPr sz="1600" kern="1200">
+                <a:solidFill>
+                  <a:schemeClr val="tx1"/>
+                </a:solidFill>
+                <a:latin typeface="+mn-lt"/>
+                <a:ea typeface="+mn-ea"/>
+                <a:cs typeface="+mn-cs"/>
+              </a:defRPr>
+            </a:lvl7pPr>
+            <a:lvl8pPr marL="1554480" indent="-173736" algn="l" defTabSz="914400" rtl="0" eaLnBrk="1" latinLnBrk="0" hangingPunct="1">
+              <a:spcBef>
+                <a:spcPts val="600"/>
+              </a:spcBef>
+              <a:buClr>
+                <a:schemeClr val="tx1">
+                  <a:lumMod val="90000"/>
+                  <a:lumOff val="10000"/>
+                </a:schemeClr>
+              </a:buClr>
+              <a:buSzPct val="80000"/>
+              <a:buFont typeface="Arial" pitchFamily="34" charset="0"/>
+              <a:buChar char="•"/>
+              <a:defRPr sz="1600" kern="1200">
+                <a:solidFill>
+                  <a:schemeClr val="tx1"/>
+                </a:solidFill>
+                <a:latin typeface="+mn-lt"/>
+                <a:ea typeface="+mn-ea"/>
+                <a:cs typeface="+mn-cs"/>
+              </a:defRPr>
+            </a:lvl8pPr>
+            <a:lvl9pPr marL="1728216" indent="-173736" algn="l" defTabSz="914400" rtl="0" eaLnBrk="1" latinLnBrk="0" hangingPunct="1">
+              <a:spcBef>
+                <a:spcPts val="600"/>
+              </a:spcBef>
+              <a:buClr>
+                <a:schemeClr val="tx1">
+                  <a:lumMod val="90000"/>
+                  <a:lumOff val="10000"/>
+                </a:schemeClr>
+              </a:buClr>
+              <a:buSzPct val="80000"/>
+              <a:buFont typeface="Arial" pitchFamily="34" charset="0"/>
+              <a:buChar char="•"/>
+              <a:defRPr sz="1600" kern="1200">
+                <a:solidFill>
+                  <a:schemeClr val="tx1"/>
+                </a:solidFill>
+                <a:latin typeface="+mn-lt"/>
+                <a:ea typeface="+mn-ea"/>
+                <a:cs typeface="+mn-cs"/>
+              </a:defRPr>
+            </a:lvl9pPr>
+          </a:lstStyle>
+          <a:p>
+            <a:pPr>
+              <a:buFont typeface="Arial" pitchFamily="34" charset="0"/>
+              <a:buNone/>
+            </a:pPr>
+            <a:r>
+              <a:rPr lang="en-US" dirty="0"/>
+              <a:t>In a larger organization we may need to explain the bad debt procedures to a diverse set of users. Here’s an example:</a:t>
+            </a:r>
+          </a:p>
+        </p:txBody>
+      </p:sp>
     </p:spTree>
     <p:extLst>
       <p:ext uri="{BB962C8B-B14F-4D97-AF65-F5344CB8AC3E}">
-        <p14:creationId xmlns:p14="http://schemas.microsoft.com/office/powerpoint/2010/main" val="2193902762"/>
+        <p14:creationId xmlns:p14="http://schemas.microsoft.com/office/powerpoint/2010/main" val="3545455143"/>
       </p:ext>
     </p:extLst>
   </p:cSld>
@@ -4946,7 +10489,7 @@
 </p:sld>
 </file>
 
-<file path=ppt/slides/slide12.xml><?xml version="1.0" encoding="utf-8"?>
+<file path=ppt/slides/slide18.xml><?xml version="1.0" encoding="utf-8"?>
 <p:sld xmlns:a="http://schemas.openxmlformats.org/drawingml/2006/main" xmlns:r="http://schemas.openxmlformats.org/officeDocument/2006/relationships" xmlns:p="http://schemas.openxmlformats.org/presentationml/2006/main">
   <p:cSld>
     <p:spTree>
@@ -4978,171 +10521,62 @@
           <a:bodyPr numCol="1"/>
           <a:lstStyle/>
           <a:p>
-            <a:r>
-              <a:rPr lang="en-US" dirty="0"/>
-              <a:t>Accounting for Cash and Cash Equivalents (cont.)</a:t>
+            <a:pPr algn="ctr"/>
+            <a:r>
+              <a:t>Summary</a:t>
             </a:r>
           </a:p>
         </p:txBody>
       </p:sp>
-      <p:pic>
-        <p:nvPicPr>
-          <p:cNvPr id="1030" name="Picture 6" descr="Image result for restricted cash">
-            <a:extLst>
-              <a:ext uri="{FF2B5EF4-FFF2-40B4-BE49-F238E27FC236}">
-                <a16:creationId xmlns:a16="http://schemas.microsoft.com/office/drawing/2014/main" id="{DEE8B7F2-5FB9-491F-98C7-97FB1FB263BC}"/>
-              </a:ext>
-            </a:extLst>
-          </p:cNvPr>
-          <p:cNvPicPr>
-            <a:picLocks noChangeAspect="1" noChangeArrowheads="1"/>
-          </p:cNvPicPr>
-          <p:nvPr/>
-        </p:nvPicPr>
-        <p:blipFill>
-          <a:blip r:embed="rId2">
-            <a:extLst>
-              <a:ext uri="{28A0092B-C50C-407E-A947-70E740481C1C}">
-                <a14:useLocalDpi xmlns:a14="http://schemas.microsoft.com/office/drawing/2010/main" val="0"/>
-              </a:ext>
-            </a:extLst>
-          </a:blip>
-          <a:srcRect/>
-          <a:stretch>
-            <a:fillRect/>
-          </a:stretch>
-        </p:blipFill>
-        <p:spPr>
-          <a:xfrm>
-            <a:off x="1349562" y="2057399"/>
-            <a:ext cx="4516250" cy="2232139"/>
-          </a:xfrm>
-          <a:prstGeom prst="rect">
-            <a:avLst/>
-          </a:prstGeom>
-          <a:noFill/>
-          <a:extLst>
-            <a:ext uri="{909E8E84-426E-40DD-AFC4-6F175D3DCCD1}">
-              <a14:hiddenFill xmlns:a14="http://schemas.microsoft.com/office/drawing/2010/main">
-                <a:solidFill>
-                  <a:srgbClr val="FFFFFF"/>
-                </a:solidFill>
-              </a14:hiddenFill>
-            </a:ext>
-          </a:extLst>
-        </p:spPr>
-      </p:pic>
-      <p:pic>
-        <p:nvPicPr>
-          <p:cNvPr id="1032" name="Picture 8" descr="Image result for compensating balances">
-            <a:extLst>
-              <a:ext uri="{FF2B5EF4-FFF2-40B4-BE49-F238E27FC236}">
-                <a16:creationId xmlns:a16="http://schemas.microsoft.com/office/drawing/2014/main" id="{16AD2A23-BDD3-404C-85FC-2F3D9A98B910}"/>
-              </a:ext>
-            </a:extLst>
-          </p:cNvPr>
-          <p:cNvPicPr>
-            <a:picLocks noChangeAspect="1" noChangeArrowheads="1"/>
-          </p:cNvPicPr>
-          <p:nvPr/>
-        </p:nvPicPr>
-        <p:blipFill>
-          <a:blip r:embed="rId3">
-            <a:extLst>
-              <a:ext uri="{28A0092B-C50C-407E-A947-70E740481C1C}">
-                <a14:useLocalDpi xmlns:a14="http://schemas.microsoft.com/office/drawing/2010/main" val="0"/>
-              </a:ext>
-            </a:extLst>
-          </a:blip>
-          <a:srcRect/>
-          <a:stretch>
-            <a:fillRect/>
-          </a:stretch>
-        </p:blipFill>
-        <p:spPr>
-          <a:xfrm>
-            <a:off x="6094412" y="2232136"/>
-            <a:ext cx="5480674" cy="4114801"/>
-          </a:xfrm>
-          <a:prstGeom prst="rect">
-            <a:avLst/>
-          </a:prstGeom>
-          <a:noFill/>
-          <a:extLst>
-            <a:ext uri="{909E8E84-426E-40DD-AFC4-6F175D3DCCD1}">
-              <a14:hiddenFill xmlns:a14="http://schemas.microsoft.com/office/drawing/2010/main">
-                <a:solidFill>
-                  <a:srgbClr val="FFFFFF"/>
-                </a:solidFill>
-              </a14:hiddenFill>
-            </a:ext>
-          </a:extLst>
-        </p:spPr>
-      </p:pic>
-      <p:pic>
-        <p:nvPicPr>
-          <p:cNvPr id="1034" name="Picture 10" descr="Image result for cash and cash equivalents IFRS">
-            <a:extLst>
-              <a:ext uri="{FF2B5EF4-FFF2-40B4-BE49-F238E27FC236}">
-                <a16:creationId xmlns:a16="http://schemas.microsoft.com/office/drawing/2014/main" id="{A2E97DBE-C615-42D2-99CB-8F439377AA8C}"/>
-              </a:ext>
-            </a:extLst>
-          </p:cNvPr>
-          <p:cNvPicPr>
-            <a:picLocks noChangeAspect="1" noChangeArrowheads="1"/>
-          </p:cNvPicPr>
-          <p:nvPr/>
-        </p:nvPicPr>
-        <p:blipFill>
-          <a:blip r:embed="rId4">
-            <a:extLst>
-              <a:ext uri="{28A0092B-C50C-407E-A947-70E740481C1C}">
-                <a14:useLocalDpi xmlns:a14="http://schemas.microsoft.com/office/drawing/2010/main" val="0"/>
-              </a:ext>
-            </a:extLst>
-          </a:blip>
-          <a:srcRect/>
-          <a:stretch>
-            <a:fillRect/>
-          </a:stretch>
-        </p:blipFill>
-        <p:spPr>
-          <a:xfrm>
-            <a:off x="1578160" y="4648200"/>
-            <a:ext cx="4287651" cy="1983039"/>
-          </a:xfrm>
-          <a:prstGeom prst="rect">
-            <a:avLst/>
-          </a:prstGeom>
-          <a:noFill/>
-          <a:extLst>
-            <a:ext uri="{909E8E84-426E-40DD-AFC4-6F175D3DCCD1}">
-              <a14:hiddenFill xmlns:a14="http://schemas.microsoft.com/office/drawing/2010/main">
-                <a:solidFill>
-                  <a:srgbClr val="FFFFFF"/>
-                </a:solidFill>
-              </a14:hiddenFill>
-            </a:ext>
-          </a:extLst>
-        </p:spPr>
-      </p:pic>
+      <p:sp>
+        <p:nvSpPr>
+          <p:cNvPr id="3" name="Content Placeholder 2"/>
+          <p:cNvSpPr>
+            <a:spLocks noGrp="1"/>
+          </p:cNvSpPr>
+          <p:nvPr>
+            <p:ph idx="1"/>
+          </p:nvPr>
+        </p:nvSpPr>
+        <p:spPr/>
+        <p:txBody>
+          <a:bodyPr numCol="1"/>
+          <a:lstStyle/>
+          <a:p>
+            <a:pPr>
+              <a:buNone/>
+            </a:pPr>
+            <a:r>
+              <a:t>   Bad debt expense is the way businessess account for a receivable account that will not be paid. Bad debt arises ahen a customer either can not pay because of financial difficulities or chooses not to pay due to disagreements over the product of service they were sold.</a:t>
+            </a:r>
+          </a:p>
+          <a:p>
+            <a:pPr>
+              <a:buNone/>
+            </a:pPr>
+            <a:r>
+              <a:t>   Bad debt expense is used to reflect receivables that a company will be unable to collect.</a:t>
+            </a:r>
+          </a:p>
+          <a:p>
+            <a:pPr>
+              <a:buNone/>
+            </a:pPr>
+            <a:r>
+              <a:t>    The amount of bad debt expense can be estimated using the accounts receivable aging method or the percentage sales method.</a:t>
+            </a:r>
+          </a:p>
+        </p:txBody>
+      </p:sp>
     </p:spTree>
-    <p:extLst>
-      <p:ext uri="{BB962C8B-B14F-4D97-AF65-F5344CB8AC3E}">
-        <p14:creationId xmlns:p14="http://schemas.microsoft.com/office/powerpoint/2010/main" val="1447595293"/>
-      </p:ext>
-    </p:extLst>
   </p:cSld>
   <p:clrMapOvr>
     <a:masterClrMapping/>
   </p:clrMapOvr>
-  <p:transition spd="med">
-    <p:fade/>
-  </p:transition>
 </p:sld>
 </file>
 
-<file path=ppt/slides/slide13.xml><?xml version="1.0" encoding="utf-8"?>
+<file path=ppt/slides/slide19.xml><?xml version="1.0" encoding="utf-8"?>
 <p:sld xmlns:a="http://schemas.openxmlformats.org/drawingml/2006/main" xmlns:r="http://schemas.openxmlformats.org/officeDocument/2006/relationships" xmlns:p="http://schemas.openxmlformats.org/presentationml/2006/main">
   <p:cSld>
     <p:spTree>
@@ -5176,269 +10610,6 @@
           <a:p>
             <a:r>
               <a:rPr lang="en-US" dirty="0"/>
-              <a:t>Summary of Learning</a:t>
-            </a:r>
-          </a:p>
-        </p:txBody>
-      </p:sp>
-      <p:sp>
-        <p:nvSpPr>
-          <p:cNvPr id="3" name="Content Placeholder 2"/>
-          <p:cNvSpPr>
-            <a:spLocks noGrp="1"/>
-          </p:cNvSpPr>
-          <p:nvPr>
-            <p:ph sz="half" idx="1"/>
-          </p:nvPr>
-        </p:nvSpPr>
-        <p:spPr/>
-        <p:txBody>
-          <a:bodyPr numCol="1">
-            <a:normAutofit fontScale="92500" lnSpcReduction="20000"/>
-          </a:bodyPr>
-          <a:lstStyle/>
-          <a:p>
-            <a:r>
-              <a:rPr lang="en-US" dirty="0"/>
-              <a:t>Accounting for cash and cash equivalents</a:t>
-            </a:r>
-          </a:p>
-          <a:p>
-            <a:pPr lvl="1"/>
-            <a:r>
-              <a:rPr lang="en-US" dirty="0"/>
-              <a:t>Cash consists of coins, currency, and bank deposits as well as negotiable instruments such as checks and money order.</a:t>
-            </a:r>
-          </a:p>
-          <a:p>
-            <a:pPr lvl="1"/>
-            <a:r>
-              <a:rPr lang="en-US" dirty="0"/>
-              <a:t>Cash equivalents are short-term, highly liquid investments with original maturities of 3 months or less.</a:t>
-            </a:r>
-          </a:p>
-          <a:p>
-            <a:pPr lvl="1"/>
-            <a:r>
-              <a:rPr lang="en-US" dirty="0"/>
-              <a:t>Companies report restricted cash and compensating balances separately from cash.</a:t>
-            </a:r>
-          </a:p>
-        </p:txBody>
-      </p:sp>
-      <p:sp>
-        <p:nvSpPr>
-          <p:cNvPr id="4" name="Content Placeholder 3"/>
-          <p:cNvSpPr>
-            <a:spLocks noGrp="1"/>
-          </p:cNvSpPr>
-          <p:nvPr>
-            <p:ph sz="half" idx="2"/>
-          </p:nvPr>
-        </p:nvSpPr>
-        <p:spPr/>
-        <p:txBody>
-          <a:bodyPr numCol="1">
-            <a:normAutofit fontScale="92500" lnSpcReduction="20000"/>
-          </a:bodyPr>
-          <a:lstStyle/>
-          <a:p>
-            <a:r>
-              <a:rPr lang="en-US" dirty="0"/>
-              <a:t>Accounting for accounts receivable: Initial measurement</a:t>
-            </a:r>
-          </a:p>
-          <a:p>
-            <a:pPr lvl="1"/>
-            <a:r>
-              <a:rPr lang="en-US" dirty="0"/>
-              <a:t>Trade receivables are generally measured at the amount of the sale made.</a:t>
-            </a:r>
-          </a:p>
-          <a:p>
-            <a:pPr lvl="1"/>
-            <a:r>
-              <a:rPr lang="en-US" dirty="0"/>
-              <a:t>Trade discounts are reductions of the catalog price when a company sells to a reseller in the same industry. A volume discount reduces the list price for customers purchasing a large quantity or merchandise.</a:t>
-            </a:r>
-          </a:p>
-          <a:p>
-            <a:pPr lvl="1"/>
-            <a:r>
-              <a:rPr lang="en-US" dirty="0"/>
-              <a:t>Sales discounts are reductions in the cash received and sales for early payments. A company can use the  most-likely-amount or expected-value method to record the receivable initially.</a:t>
-            </a:r>
-          </a:p>
-        </p:txBody>
-      </p:sp>
-    </p:spTree>
-    <p:extLst>
-      <p:ext uri="{BB962C8B-B14F-4D97-AF65-F5344CB8AC3E}">
-        <p14:creationId xmlns:p14="http://schemas.microsoft.com/office/powerpoint/2010/main" val="2339209345"/>
-      </p:ext>
-    </p:extLst>
-  </p:cSld>
-  <p:clrMapOvr>
-    <a:masterClrMapping/>
-  </p:clrMapOvr>
-  <p:transition spd="med">
-    <p:fade/>
-  </p:transition>
-</p:sld>
-</file>
-
-<file path=ppt/slides/slide14.xml><?xml version="1.0" encoding="utf-8"?>
-<p:sld xmlns:a="http://schemas.openxmlformats.org/drawingml/2006/main" xmlns:r="http://schemas.openxmlformats.org/officeDocument/2006/relationships" xmlns:p="http://schemas.openxmlformats.org/presentationml/2006/main">
-  <p:cSld>
-    <p:spTree>
-      <p:nvGrpSpPr>
-        <p:cNvPr id="1" name=""/>
-        <p:cNvGrpSpPr/>
-        <p:nvPr/>
-      </p:nvGrpSpPr>
-      <p:grpSpPr>
-        <a:xfrm>
-          <a:off x="0" y="0"/>
-          <a:ext cx="0" cy="0"/>
-          <a:chOff x="0" y="0"/>
-          <a:chExt cx="0" cy="0"/>
-        </a:xfrm>
-      </p:grpSpPr>
-      <p:sp>
-        <p:nvSpPr>
-          <p:cNvPr id="2" name="Title 1"/>
-          <p:cNvSpPr>
-            <a:spLocks noGrp="1"/>
-          </p:cNvSpPr>
-          <p:nvPr>
-            <p:ph type="title"/>
-          </p:nvPr>
-        </p:nvSpPr>
-        <p:spPr/>
-        <p:txBody>
-          <a:bodyPr numCol="1"/>
-          <a:lstStyle/>
-          <a:p>
-            <a:r>
-              <a:rPr lang="en-US" dirty="0"/>
-              <a:t>Summary of Learning (cont.)</a:t>
-            </a:r>
-          </a:p>
-        </p:txBody>
-      </p:sp>
-      <p:sp>
-        <p:nvSpPr>
-          <p:cNvPr id="3" name="Content Placeholder 2"/>
-          <p:cNvSpPr>
-            <a:spLocks noGrp="1"/>
-          </p:cNvSpPr>
-          <p:nvPr>
-            <p:ph sz="half" idx="1"/>
-          </p:nvPr>
-        </p:nvSpPr>
-        <p:spPr>
-          <a:xfrm>
-            <a:off x="1488167" y="1984248"/>
-            <a:ext cx="9864043" cy="2054352"/>
-          </a:xfrm>
-        </p:spPr>
-        <p:txBody>
-          <a:bodyPr numCol="1"/>
-          <a:lstStyle/>
-          <a:p>
-            <a:r>
-              <a:rPr lang="en-US" dirty="0"/>
-              <a:t>Disclosures for accounts receivable and notes receivable</a:t>
-            </a:r>
-          </a:p>
-          <a:p>
-            <a:pPr lvl="1"/>
-            <a:r>
-              <a:rPr lang="en-US" dirty="0"/>
-              <a:t>Common disclosures include the total accounts receivable, the allowance, and changes in the allowance. Companies also describe the elements that influence management’s judgement and credit risk when estimating the allowance. Other disclosures include the method used to estimate bad debts and the policy for writing off uncollectible receivables. </a:t>
-            </a:r>
-          </a:p>
-        </p:txBody>
-      </p:sp>
-      <p:pic>
-        <p:nvPicPr>
-          <p:cNvPr id="5" name="Content Placeholder 4" descr="Free Clip Art"/>
-          <p:cNvPicPr>
-            <a:picLocks noGrp="1" noChangeAspect="1"/>
-          </p:cNvPicPr>
-          <p:nvPr>
-            <p:ph sz="half" idx="2"/>
-          </p:nvPr>
-        </p:nvPicPr>
-        <p:blipFill>
-          <a:blip r:embed="rId2">
-            <a:extLst>
-              <a:ext uri="{28A0092B-C50C-407E-A947-70E740481C1C}">
-                <a14:useLocalDpi xmlns:a14="http://schemas.microsoft.com/office/drawing/2010/main" val="0"/>
-              </a:ext>
-            </a:extLst>
-          </a:blip>
-          <a:stretch>
-            <a:fillRect/>
-          </a:stretch>
-        </p:blipFill>
-        <p:spPr>
-          <a:xfrm>
-            <a:off x="3960812" y="4114800"/>
-            <a:ext cx="4318000" cy="1905000"/>
-          </a:xfrm>
-        </p:spPr>
-      </p:pic>
-    </p:spTree>
-    <p:extLst>
-      <p:ext uri="{BB962C8B-B14F-4D97-AF65-F5344CB8AC3E}">
-        <p14:creationId xmlns:p14="http://schemas.microsoft.com/office/powerpoint/2010/main" val="2657826270"/>
-      </p:ext>
-    </p:extLst>
-  </p:cSld>
-  <p:clrMapOvr>
-    <a:masterClrMapping/>
-  </p:clrMapOvr>
-  <p:transition spd="med">
-    <p:fade/>
-  </p:transition>
-</p:sld>
-</file>
-
-<file path=ppt/slides/slide15.xml><?xml version="1.0" encoding="utf-8"?>
-<p:sld xmlns:a="http://schemas.openxmlformats.org/drawingml/2006/main" xmlns:r="http://schemas.openxmlformats.org/officeDocument/2006/relationships" xmlns:p="http://schemas.openxmlformats.org/presentationml/2006/main">
-  <p:cSld>
-    <p:spTree>
-      <p:nvGrpSpPr>
-        <p:cNvPr id="1" name=""/>
-        <p:cNvGrpSpPr/>
-        <p:nvPr/>
-      </p:nvGrpSpPr>
-      <p:grpSpPr>
-        <a:xfrm>
-          <a:off x="0" y="0"/>
-          <a:ext cx="0" cy="0"/>
-          <a:chOff x="0" y="0"/>
-          <a:chExt cx="0" cy="0"/>
-        </a:xfrm>
-      </p:grpSpPr>
-      <p:sp>
-        <p:nvSpPr>
-          <p:cNvPr id="2" name="Title 1"/>
-          <p:cNvSpPr>
-            <a:spLocks noGrp="1"/>
-          </p:cNvSpPr>
-          <p:nvPr>
-            <p:ph type="title"/>
-          </p:nvPr>
-        </p:nvSpPr>
-        <p:spPr/>
-        <p:txBody>
-          <a:bodyPr numCol="1"/>
-          <a:lstStyle/>
-          <a:p>
-            <a:r>
-              <a:rPr lang="en-US" dirty="0"/>
               <a:t>Resources</a:t>
             </a:r>
           </a:p>
@@ -5459,7 +10630,7 @@
         <p:spPr>
           <a:xfrm>
             <a:off x="1751012" y="2057400"/>
-            <a:ext cx="9601200" cy="830997"/>
+            <a:ext cx="9601200" cy="2554545"/>
           </a:xfrm>
           <a:prstGeom prst="rect">
             <a:avLst/>
@@ -5474,32 +10645,64 @@
           <a:p>
             <a:r>
               <a:rPr lang="en-US" sz="1600" dirty="0"/>
-              <a:t>Gordon, Elizabeth A., </a:t>
-            </a:r>
-            <a:r>
-              <a:rPr lang="en-US" sz="1600" dirty="0" err="1"/>
-              <a:t>Raedy</a:t>
+              <a:t>Deschamps, Mike, &amp; Slater, Jeffrey  (2019).  </a:t>
+            </a:r>
+            <a:r>
+              <a:rPr lang="en-US" sz="1600" i="1" dirty="0"/>
+              <a:t>College Accounting: A Practical Approach </a:t>
             </a:r>
             <a:r>
               <a:rPr lang="en-US" sz="1600" dirty="0"/>
-              <a:t>, Jana S., &amp; </a:t>
-            </a:r>
-            <a:r>
-              <a:rPr lang="en-US" sz="1600" dirty="0" err="1"/>
-              <a:t>Sannella</a:t>
-            </a:r>
+              <a:t>(14th Ed.).  New York, NY: Pearson.</a:t>
+            </a:r>
+          </a:p>
+          <a:p>
+            <a:endParaRPr lang="en-US" sz="1600" dirty="0"/>
+          </a:p>
+          <a:p>
             <a:r>
               <a:rPr lang="en-US" sz="1600" dirty="0"/>
-              <a:t>, Alexander J.  (2019).  </a:t>
+              <a:t>Accounting In Focus (n.d.). </a:t>
             </a:r>
             <a:r>
               <a:rPr lang="en-US" sz="1600" i="1" dirty="0"/>
-              <a:t>Intermediate Accounting</a:t>
+              <a:t>DIRECT WRITE-OFF AND ALLOWANCE METHODS FOR DEALING WITH BAD DEBT.</a:t>
             </a:r>
             <a:r>
               <a:rPr lang="en-US" sz="1600" dirty="0"/>
-              <a:t> (2nd Ed.).  New York, NY: Pearson.</a:t>
-            </a:r>
+              <a:t> Retrieved April 17, 2022, from </a:t>
+            </a:r>
+            <a:r>
+              <a:rPr lang="en-US" sz="1600" dirty="0">
+                <a:hlinkClick r:id="rId2"/>
+              </a:rPr>
+              <a:t>Direct Write-off and Allowance Methods for Dealing with Bad Debt – Accounting In Focus</a:t>
+            </a:r>
+            <a:endParaRPr lang="en-US" sz="1600" dirty="0"/>
+          </a:p>
+          <a:p>
+            <a:endParaRPr lang="en-US" sz="1600" dirty="0"/>
+          </a:p>
+          <a:p>
+            <a:r>
+              <a:rPr lang="en-US" sz="1600" dirty="0"/>
+              <a:t>University of Colorado (n.d.). </a:t>
+            </a:r>
+            <a:r>
+              <a:rPr lang="en-US" sz="1600" i="1" dirty="0"/>
+              <a:t>Accounting for Bad Debt.</a:t>
+            </a:r>
+            <a:r>
+              <a:rPr lang="en-US" sz="1600" dirty="0"/>
+              <a:t> Retrieved April 17, 2022, from </a:t>
+            </a:r>
+            <a:r>
+              <a:rPr lang="en-US" sz="1600" dirty="0">
+                <a:hlinkClick r:id="rId3"/>
+              </a:rPr>
+              <a:t>Accounting for Bad Debt | University of Colorado (cu.edu)</a:t>
+            </a:r>
+            <a:endParaRPr lang="en-US" sz="1600" dirty="0"/>
           </a:p>
           <a:p>
             <a:endParaRPr lang="en-US" sz="1600" dirty="0"/>
@@ -5509,7 +10712,7 @@
     </p:spTree>
     <p:extLst>
       <p:ext uri="{BB962C8B-B14F-4D97-AF65-F5344CB8AC3E}">
-        <p14:creationId xmlns:p14="http://schemas.microsoft.com/office/powerpoint/2010/main" val="102866038"/>
+        <p14:creationId xmlns:p14="http://schemas.microsoft.com/office/powerpoint/2010/main" val="4004841687"/>
       </p:ext>
     </p:extLst>
   </p:cSld>
@@ -5541,7 +10744,7 @@
       </p:grpSpPr>
       <p:sp>
         <p:nvSpPr>
-          <p:cNvPr id="13" name="Title 12"/>
+          <p:cNvPr id="2" name="Title 1"/>
           <p:cNvSpPr>
             <a:spLocks noGrp="1"/>
           </p:cNvSpPr>
@@ -5554,20 +10757,16 @@
           <a:bodyPr numCol="1"/>
           <a:lstStyle/>
           <a:p>
-            <a:r>
-              <a:rPr lang="en-US"/>
-              <a:t>Outline - Accounting </a:t>
-            </a:r>
-            <a:r>
-              <a:rPr lang="en-US" dirty="0"/>
-              <a:t>For Bad Debts</a:t>
+            <a:pPr algn="ctr"/>
+            <a:r>
+              <a:t>Significance of Bad Debt</a:t>
             </a:r>
           </a:p>
         </p:txBody>
       </p:sp>
       <p:sp>
         <p:nvSpPr>
-          <p:cNvPr id="14" name="Content Placeholder 13"/>
+          <p:cNvPr id="3" name="Content Placeholder 2"/>
           <p:cNvSpPr>
             <a:spLocks noGrp="1"/>
           </p:cNvSpPr>
@@ -5575,138 +10774,40 @@
             <p:ph idx="1"/>
           </p:nvPr>
         </p:nvSpPr>
-        <p:spPr/>
+        <p:spPr>
+          <a:xfrm>
+            <a:off x="1522364" y="1981204"/>
+            <a:ext cx="9886791" cy="4549318"/>
+          </a:xfrm>
+        </p:spPr>
         <p:txBody>
           <a:bodyPr numCol="1">
-            <a:normAutofit/>
+            <a:normAutofit lnSpcReduction="10000"/>
           </a:bodyPr>
           <a:lstStyle/>
           <a:p>
-            <a:r>
-              <a:rPr lang="en-US"/>
-              <a:t>Introduction</a:t>
-            </a:r>
-            <a:endParaRPr lang="en-US" dirty="0"/>
-          </a:p>
-          <a:p>
-            <a:pPr lvl="1"/>
-            <a:r>
-              <a:rPr lang="en-US" dirty="0"/>
-              <a:t>Overview/Objectives-</a:t>
-            </a:r>
-            <a:r>
-              <a:rPr lang="en-US" dirty="0" err="1"/>
-              <a:t>cb</a:t>
-            </a:r>
-            <a:endParaRPr lang="en-US" dirty="0"/>
-          </a:p>
-          <a:p>
-            <a:pPr lvl="1"/>
-            <a:r>
-              <a:rPr lang="en-US" dirty="0"/>
-              <a:t>Journalizing Bad Debts-wp</a:t>
-            </a:r>
-          </a:p>
-          <a:p>
-            <a:pPr lvl="1"/>
-            <a:r>
-              <a:rPr lang="en-US" dirty="0"/>
-              <a:t>Allowance Method – Income Statement Approach-</a:t>
-            </a:r>
-            <a:r>
-              <a:rPr lang="en-US" dirty="0" err="1"/>
-              <a:t>cb</a:t>
-            </a:r>
-            <a:endParaRPr lang="en-US" dirty="0"/>
-          </a:p>
-          <a:p>
-            <a:pPr lvl="1"/>
-            <a:r>
-              <a:rPr lang="en-US" dirty="0"/>
-              <a:t>Allowance Method – Balance Sheet Approach-wp</a:t>
-            </a:r>
-          </a:p>
-          <a:p>
-            <a:pPr lvl="1"/>
-            <a:r>
-              <a:rPr lang="en-US" dirty="0"/>
-              <a:t>Writing Off an Account – Allowance For Doubtful Accounts-</a:t>
-            </a:r>
-            <a:r>
-              <a:rPr lang="en-US" dirty="0" err="1"/>
-              <a:t>cb</a:t>
-            </a:r>
-            <a:endParaRPr lang="en-US" dirty="0"/>
-          </a:p>
-          <a:p>
-            <a:pPr lvl="1"/>
-            <a:r>
-              <a:rPr lang="en-US" dirty="0"/>
-              <a:t>Direct Write Off </a:t>
-            </a:r>
-            <a:r>
-              <a:rPr lang="en-US" dirty="0" err="1"/>
-              <a:t>Methodwp</a:t>
-            </a:r>
-            <a:r>
-              <a:rPr lang="en-US" dirty="0"/>
-              <a:t>-</a:t>
-            </a:r>
-          </a:p>
-          <a:p>
-            <a:pPr lvl="1"/>
-            <a:r>
-              <a:rPr lang="en-US" dirty="0"/>
-              <a:t>Summary</a:t>
-            </a:r>
-          </a:p>
-        </p:txBody>
-      </p:sp>
-      <p:sp>
-        <p:nvSpPr>
-          <p:cNvPr id="2" name="TextBox 1">
-            <a:extLst>
-              <a:ext uri="{FF2B5EF4-FFF2-40B4-BE49-F238E27FC236}">
-                <a16:creationId xmlns:a16="http://schemas.microsoft.com/office/drawing/2014/main" id="{9179BDA6-56B8-234E-AFCE-23BDA7521BA7}"/>
-              </a:ext>
-            </a:extLst>
-          </p:cNvPr>
-          <p:cNvSpPr txBox="1"/>
-          <p:nvPr/>
-        </p:nvSpPr>
-        <p:spPr>
-          <a:xfrm>
-            <a:off x="6949440" y="1353312"/>
-            <a:ext cx="184731" cy="369332"/>
-          </a:xfrm>
-          <a:prstGeom prst="rect">
-            <a:avLst/>
-          </a:prstGeom>
-          <a:noFill/>
-        </p:spPr>
-        <p:txBody>
-          <a:bodyPr wrap="none" numCol="1" rtlCol="0">
-            <a:spAutoFit/>
-          </a:bodyPr>
-          <a:lstStyle/>
-          <a:p>
-            <a:endParaRPr lang="en-US" dirty="0"/>
+            <a:pPr>
+              <a:buNone/>
+            </a:pPr>
+            <a:r>
+              <a:t>   Fundamentally, like all accounting principles, bad debt expense allows companies to accurately ans completely report their financial position. At some point in time, almost every company will deal with a customer who is unable to pay, and they will need to record a bad debt expense. A significant amount of bad debt expenses can change the way potential investors and company executives view the health of the company. </a:t>
+            </a:r>
+          </a:p>
+          <a:p>
+            <a:pPr>
+              <a:buNone/>
+            </a:pPr>
+            <a:r>
+              <a:t>   Bad debt expense comes with tax implications. Reporting a bad debt expense will increase the total expenses and decrease net income. Therefore, the amount of bad debt expenses a company reports will ultimately change how much taxes they pay during a given fiscal period. It is critical that bad debts are recorded timely and accurately. In addition, they help companies recognize customers who defaulted on payments to avoid similar situations in the future.</a:t>
+            </a:r>
           </a:p>
         </p:txBody>
       </p:sp>
     </p:spTree>
-    <p:extLst>
-      <p:ext uri="{BB962C8B-B14F-4D97-AF65-F5344CB8AC3E}">
-        <p14:creationId xmlns:p14="http://schemas.microsoft.com/office/powerpoint/2010/main" val="2717604774"/>
-      </p:ext>
-    </p:extLst>
   </p:cSld>
   <p:clrMapOvr>
     <a:masterClrMapping/>
   </p:clrMapOvr>
-  <p:transition spd="med">
-    <p:fade/>
-  </p:transition>
 </p:sld>
 </file>
 
@@ -5744,7 +10845,7 @@
           <a:p>
             <a:pPr algn="ctr"/>
             <a:r>
-              <a:t>Significance of Bad Debt</a:t>
+              <a:t>Journalizing Bad Debts</a:t>
             </a:r>
           </a:p>
         </p:txBody>
@@ -5761,8 +10862,8 @@
         </p:nvSpPr>
         <p:spPr>
           <a:xfrm>
-            <a:off x="1522364" y="1981204"/>
-            <a:ext cx="9886791" cy="4549318"/>
+            <a:off x="1522413" y="1981201"/>
+            <a:ext cx="9829799" cy="838199"/>
           </a:xfrm>
         </p:spPr>
         <p:txBody>
@@ -5773,19 +10874,39 @@
               <a:buNone/>
             </a:pPr>
             <a:r>
-              <a:t>   Fundamentally, like all accounting principles, bad debt expense allows companies to accurately ans completely report their financial position. At some point in time, almost every company will deal with a customer who is unable to pay, and they will need to record a bad debt expense. A significant amount of bad debt expenses can change the way potential investors and company executives view the health of the company. </a:t>
-            </a:r>
-          </a:p>
-          <a:p>
-            <a:pPr>
-              <a:buNone/>
-            </a:pPr>
-            <a:r>
-              <a:t>   Bad debt expense comes with tax implications. Reporting a bad debt expense will increase the total expenses and decrease net income. Therefore, the amount of bad debt expenses a company reports will ultimately change how much taxes they pay during a given fiscal period. It is critical that bad debts are recorded timely and accurately. In addition, they help companies recognize customers who defaulted on payments to avoid similar situations in the future.</a:t>
-            </a:r>
+              <a:rPr dirty="0"/>
+              <a:t>   </a:t>
+            </a:r>
+            <a:r>
+              <a:rPr lang="en-US" dirty="0"/>
+              <a:t>In order to record bad debts, we need to introduce two new accounts.</a:t>
+            </a:r>
+            <a:endParaRPr dirty="0"/>
           </a:p>
         </p:txBody>
       </p:sp>
+      <p:graphicFrame>
+        <p:nvGraphicFramePr>
+          <p:cNvPr id="4" name="Diagram 3">
+            <a:extLst>
+              <a:ext uri="{FF2B5EF4-FFF2-40B4-BE49-F238E27FC236}">
+                <a16:creationId xmlns:a16="http://schemas.microsoft.com/office/drawing/2014/main" id="{87002E5E-9650-41E6-8E95-D6469939A5EC}"/>
+              </a:ext>
+            </a:extLst>
+          </p:cNvPr>
+          <p:cNvGraphicFramePr/>
+          <p:nvPr/>
+        </p:nvGraphicFramePr>
+        <p:xfrm>
+          <a:off x="1556684" y="2590801"/>
+          <a:ext cx="9829799" cy="4114799"/>
+        </p:xfrm>
+        <a:graphic>
+          <a:graphicData uri="http://schemas.openxmlformats.org/drawingml/2006/diagram">
+            <dgm:relIds xmlns:dgm="http://schemas.openxmlformats.org/drawingml/2006/diagram" xmlns:r="http://schemas.openxmlformats.org/officeDocument/2006/relationships" r:dm="rId2" r:lo="rId3" r:qs="rId4" r:cs="rId5"/>
+          </a:graphicData>
+        </a:graphic>
+      </p:graphicFrame>
     </p:spTree>
   </p:cSld>
   <p:clrMapOvr>
@@ -5828,8 +10949,10 @@
           <a:p>
             <a:pPr algn="ctr"/>
             <a:r>
-              <a:t>Journalizing Bad Debts</a:t>
-            </a:r>
+              <a:rPr lang="en-US" dirty="0"/>
+              <a:t>Estimated Bad Debt</a:t>
+            </a:r>
+            <a:endParaRPr dirty="0"/>
           </a:p>
         </p:txBody>
       </p:sp>
@@ -5843,21 +10966,316 @@
             <p:ph idx="1"/>
           </p:nvPr>
         </p:nvSpPr>
-        <p:spPr/>
+        <p:spPr>
+          <a:xfrm>
+            <a:off x="1522413" y="1981201"/>
+            <a:ext cx="9829799" cy="1295400"/>
+          </a:xfrm>
+        </p:spPr>
         <p:txBody>
-          <a:bodyPr numCol="1"/>
+          <a:bodyPr numCol="1">
+            <a:normAutofit lnSpcReduction="10000"/>
+          </a:bodyPr>
           <a:lstStyle/>
           <a:p>
             <a:pPr>
               <a:buNone/>
             </a:pPr>
             <a:r>
-              <a:t>   Record the journal entry by debiting bad debt expense and crediting allowance for doubtful accounts. When you decide to write off an account, debit allowance for doubtful accounts. The amount represents the value of accounts receivable that a company does not expect to receive payment for. </a:t>
+              <a:rPr dirty="0"/>
+              <a:t>   </a:t>
+            </a:r>
+            <a:r>
+              <a:rPr lang="en-US" dirty="0"/>
+              <a:t>There are two ways to estimate bad debt amount at the end of the year (Income Statement and Balance Sheet approaches), which we discuss later. Suppose, for now, we have figured on $2500 bad debt for the current year. Then we journalize the adjusting entry as:</a:t>
+            </a:r>
+            <a:endParaRPr dirty="0"/>
+          </a:p>
+        </p:txBody>
+      </p:sp>
+      <p:graphicFrame>
+        <p:nvGraphicFramePr>
+          <p:cNvPr id="5" name="Table 5">
+            <a:extLst>
+              <a:ext uri="{FF2B5EF4-FFF2-40B4-BE49-F238E27FC236}">
+                <a16:creationId xmlns:a16="http://schemas.microsoft.com/office/drawing/2014/main" id="{143F0169-F957-42FD-B2DC-D7B07EA58EB7}"/>
+              </a:ext>
+            </a:extLst>
+          </p:cNvPr>
+          <p:cNvGraphicFramePr>
+            <a:graphicFrameLocks noGrp="1"/>
+          </p:cNvGraphicFramePr>
+          <p:nvPr/>
+        </p:nvGraphicFramePr>
+        <p:xfrm>
+          <a:off x="1979612" y="4191000"/>
+          <a:ext cx="8025342" cy="1107440"/>
+        </p:xfrm>
+        <a:graphic>
+          <a:graphicData uri="http://schemas.openxmlformats.org/drawingml/2006/table">
+            <a:tbl>
+              <a:tblPr firstRow="1" bandRow="1">
+                <a:tableStyleId>{22838BEF-8BB2-4498-84A7-C5851F593DF1}</a:tableStyleId>
+              </a:tblPr>
+              <a:tblGrid>
+                <a:gridCol w="1354314">
+                  <a:extLst>
+                    <a:ext uri="{9D8B030D-6E8A-4147-A177-3AD203B41FA5}">
+                      <a16:colId xmlns:a16="http://schemas.microsoft.com/office/drawing/2014/main" val="868591414"/>
+                    </a:ext>
+                  </a:extLst>
+                </a:gridCol>
+                <a:gridCol w="3927828">
+                  <a:extLst>
+                    <a:ext uri="{9D8B030D-6E8A-4147-A177-3AD203B41FA5}">
+                      <a16:colId xmlns:a16="http://schemas.microsoft.com/office/drawing/2014/main" val="3981818642"/>
+                    </a:ext>
+                  </a:extLst>
+                </a:gridCol>
+                <a:gridCol w="1371600">
+                  <a:extLst>
+                    <a:ext uri="{9D8B030D-6E8A-4147-A177-3AD203B41FA5}">
+                      <a16:colId xmlns:a16="http://schemas.microsoft.com/office/drawing/2014/main" val="1922779195"/>
+                    </a:ext>
+                  </a:extLst>
+                </a:gridCol>
+                <a:gridCol w="1371600">
+                  <a:extLst>
+                    <a:ext uri="{9D8B030D-6E8A-4147-A177-3AD203B41FA5}">
+                      <a16:colId xmlns:a16="http://schemas.microsoft.com/office/drawing/2014/main" val="2510622341"/>
+                    </a:ext>
+                  </a:extLst>
+                </a:gridCol>
+              </a:tblGrid>
+              <a:tr h="217096">
+                <a:tc>
+                  <a:txBody>
+                    <a:bodyPr/>
+                    <a:lstStyle/>
+                    <a:p>
+                      <a:r>
+                        <a:rPr lang="en-US" b="0" dirty="0"/>
+                        <a:t>201x</a:t>
+                      </a:r>
+                    </a:p>
+                  </a:txBody>
+                  <a:tcPr/>
+                </a:tc>
+                <a:tc>
+                  <a:txBody>
+                    <a:bodyPr/>
+                    <a:lstStyle/>
+                    <a:p>
+                      <a:endParaRPr lang="en-US" dirty="0"/>
+                    </a:p>
+                  </a:txBody>
+                  <a:tcPr/>
+                </a:tc>
+                <a:tc>
+                  <a:txBody>
+                    <a:bodyPr/>
+                    <a:lstStyle/>
+                    <a:p>
+                      <a:pPr algn="ctr"/>
+                      <a:r>
+                        <a:rPr lang="en-US" dirty="0"/>
+                        <a:t>Dr</a:t>
+                      </a:r>
+                    </a:p>
+                  </a:txBody>
+                  <a:tcPr/>
+                </a:tc>
+                <a:tc>
+                  <a:txBody>
+                    <a:bodyPr/>
+                    <a:lstStyle/>
+                    <a:p>
+                      <a:pPr algn="ctr"/>
+                      <a:r>
+                        <a:rPr lang="en-US" dirty="0"/>
+                        <a:t>Cr</a:t>
+                      </a:r>
+                    </a:p>
+                  </a:txBody>
+                  <a:tcPr/>
+                </a:tc>
+                <a:extLst>
+                  <a:ext uri="{0D108BD9-81ED-4DB2-BD59-A6C34878D82A}">
+                    <a16:rowId xmlns:a16="http://schemas.microsoft.com/office/drawing/2014/main" val="2181639554"/>
+                  </a:ext>
+                </a:extLst>
+              </a:tr>
+              <a:tr h="370840">
+                <a:tc>
+                  <a:txBody>
+                    <a:bodyPr/>
+                    <a:lstStyle/>
+                    <a:p>
+                      <a:r>
+                        <a:rPr lang="en-US" dirty="0"/>
+                        <a:t>Dec 31</a:t>
+                      </a:r>
+                    </a:p>
+                  </a:txBody>
+                  <a:tcPr/>
+                </a:tc>
+                <a:tc>
+                  <a:txBody>
+                    <a:bodyPr/>
+                    <a:lstStyle/>
+                    <a:p>
+                      <a:r>
+                        <a:rPr lang="en-US" dirty="0"/>
+                        <a:t>Bad Debts Expense</a:t>
+                      </a:r>
+                    </a:p>
+                  </a:txBody>
+                  <a:tcPr/>
+                </a:tc>
+                <a:tc>
+                  <a:txBody>
+                    <a:bodyPr/>
+                    <a:lstStyle/>
+                    <a:p>
+                      <a:r>
+                        <a:rPr lang="en-US" dirty="0"/>
+                        <a:t>2500.00</a:t>
+                      </a:r>
+                    </a:p>
+                  </a:txBody>
+                  <a:tcPr/>
+                </a:tc>
+                <a:tc>
+                  <a:txBody>
+                    <a:bodyPr/>
+                    <a:lstStyle/>
+                    <a:p>
+                      <a:endParaRPr lang="en-US" dirty="0"/>
+                    </a:p>
+                  </a:txBody>
+                  <a:tcPr/>
+                </a:tc>
+                <a:extLst>
+                  <a:ext uri="{0D108BD9-81ED-4DB2-BD59-A6C34878D82A}">
+                    <a16:rowId xmlns:a16="http://schemas.microsoft.com/office/drawing/2014/main" val="24395714"/>
+                  </a:ext>
+                </a:extLst>
+              </a:tr>
+              <a:tr h="370840">
+                <a:tc>
+                  <a:txBody>
+                    <a:bodyPr/>
+                    <a:lstStyle/>
+                    <a:p>
+                      <a:endParaRPr lang="en-US"/>
+                    </a:p>
+                  </a:txBody>
+                  <a:tcPr/>
+                </a:tc>
+                <a:tc>
+                  <a:txBody>
+                    <a:bodyPr/>
+                    <a:lstStyle/>
+                    <a:p>
+                      <a:r>
+                        <a:rPr lang="en-US" dirty="0"/>
+                        <a:t>    Allowance for Doubtful Accounts</a:t>
+                      </a:r>
+                    </a:p>
+                  </a:txBody>
+                  <a:tcPr/>
+                </a:tc>
+                <a:tc>
+                  <a:txBody>
+                    <a:bodyPr/>
+                    <a:lstStyle/>
+                    <a:p>
+                      <a:endParaRPr lang="en-US" dirty="0"/>
+                    </a:p>
+                  </a:txBody>
+                  <a:tcPr/>
+                </a:tc>
+                <a:tc>
+                  <a:txBody>
+                    <a:bodyPr/>
+                    <a:lstStyle/>
+                    <a:p>
+                      <a:r>
+                        <a:rPr lang="en-US" dirty="0"/>
+                        <a:t>2500.00</a:t>
+                      </a:r>
+                    </a:p>
+                  </a:txBody>
+                  <a:tcPr/>
+                </a:tc>
+                <a:extLst>
+                  <a:ext uri="{0D108BD9-81ED-4DB2-BD59-A6C34878D82A}">
+                    <a16:rowId xmlns:a16="http://schemas.microsoft.com/office/drawing/2014/main" val="1898026451"/>
+                  </a:ext>
+                </a:extLst>
+              </a:tr>
+            </a:tbl>
+          </a:graphicData>
+        </a:graphic>
+      </p:graphicFrame>
+      <p:sp>
+        <p:nvSpPr>
+          <p:cNvPr id="6" name="Speech Bubble: Oval 5">
+            <a:extLst>
+              <a:ext uri="{FF2B5EF4-FFF2-40B4-BE49-F238E27FC236}">
+                <a16:creationId xmlns:a16="http://schemas.microsoft.com/office/drawing/2014/main" id="{21F2E0AE-CB40-4F45-824B-400C80518C75}"/>
+              </a:ext>
+            </a:extLst>
+          </p:cNvPr>
+          <p:cNvSpPr/>
+          <p:nvPr/>
+        </p:nvSpPr>
+        <p:spPr>
+          <a:xfrm>
+            <a:off x="9294812" y="5410200"/>
+            <a:ext cx="2133600" cy="612648"/>
+          </a:xfrm>
+          <a:prstGeom prst="wedgeEllipseCallout">
+            <a:avLst>
+              <a:gd name="adj1" fmla="val -63818"/>
+              <a:gd name="adj2" fmla="val -77855"/>
+            </a:avLst>
+          </a:prstGeom>
+        </p:spPr>
+        <p:style>
+          <a:lnRef idx="2">
+            <a:schemeClr val="accent4">
+              <a:shade val="50000"/>
+            </a:schemeClr>
+          </a:lnRef>
+          <a:fillRef idx="1">
+            <a:schemeClr val="accent4"/>
+          </a:fillRef>
+          <a:effectRef idx="0">
+            <a:schemeClr val="accent4"/>
+          </a:effectRef>
+          <a:fontRef idx="minor">
+            <a:schemeClr val="lt1"/>
+          </a:fontRef>
+        </p:style>
+        <p:txBody>
+          <a:bodyPr rtlCol="0" anchor="ctr"/>
+          <a:lstStyle/>
+          <a:p>
+            <a:pPr algn="ctr"/>
+            <a:r>
+              <a:rPr lang="en-US" dirty="0"/>
+              <a:t>Contra-Asset!</a:t>
             </a:r>
           </a:p>
         </p:txBody>
       </p:sp>
     </p:spTree>
+    <p:extLst>
+      <p:ext uri="{BB962C8B-B14F-4D97-AF65-F5344CB8AC3E}">
+        <p14:creationId xmlns:p14="http://schemas.microsoft.com/office/powerpoint/2010/main" val="3176553698"/>
+      </p:ext>
+    </p:extLst>
   </p:cSld>
   <p:clrMapOvr>
     <a:masterClrMapping/>
@@ -5899,20 +11317,10 @@
           <a:p>
             <a:pPr algn="ctr"/>
             <a:r>
-              <a:t>Balance-Sheet Approach</a:t>
-            </a:r>
-          </a:p>
-          <a:p>
-            <a:pPr algn="ctr"/>
-            <a:r>
-              <a:t>VS.</a:t>
-            </a:r>
-          </a:p>
-          <a:p>
-            <a:pPr algn="ctr"/>
-            <a:r>
-              <a:t>Income- Statement Approach</a:t>
-            </a:r>
+              <a:rPr lang="en-US" dirty="0"/>
+              <a:t>Net-Realizable Value</a:t>
+            </a:r>
+            <a:endParaRPr dirty="0"/>
           </a:p>
         </p:txBody>
       </p:sp>
@@ -5928,24 +11336,152 @@
         </p:nvSpPr>
         <p:spPr>
           <a:xfrm>
-            <a:off x="1512844" y="2208573"/>
-            <a:ext cx="9943814" cy="4074503"/>
+            <a:off x="1522413" y="1981201"/>
+            <a:ext cx="9829799" cy="1295400"/>
           </a:xfrm>
         </p:spPr>
         <p:txBody>
-          <a:bodyPr numCol="1"/>
+          <a:bodyPr numCol="1">
+            <a:normAutofit lnSpcReduction="10000"/>
+          </a:bodyPr>
           <a:lstStyle/>
           <a:p>
             <a:pPr>
               <a:buNone/>
             </a:pPr>
             <a:r>
-              <a:t>   There are two primary methods for estimating bad-debt expenses. The first is an income-statement approach that measures bad debt as a percentage of sale. The second is a balance-sheet approach that measures uncollectibles as a percentage of ending accounts receivable, Under the the balance-sheet approach, the company looks at historical data and estimates what percentage of receivables ends up being uncollectible.</a:t>
+              <a:rPr dirty="0"/>
+              <a:t>   </a:t>
+            </a:r>
+            <a:r>
+              <a:rPr lang="en-US" dirty="0"/>
+              <a:t>Net-realizable value is the expected amount that we can collect of the Accounts Receivable. It’s calculated simply as [Accounts Receivable]-[Allowance for Doubtful Accounts]. This is shown on the Balance Sheet as:</a:t>
+            </a:r>
+            <a:endParaRPr dirty="0"/>
+          </a:p>
+        </p:txBody>
+      </p:sp>
+      <p:graphicFrame>
+        <p:nvGraphicFramePr>
+          <p:cNvPr id="4" name="Object 3">
+            <a:extLst>
+              <a:ext uri="{FF2B5EF4-FFF2-40B4-BE49-F238E27FC236}">
+                <a16:creationId xmlns:a16="http://schemas.microsoft.com/office/drawing/2014/main" id="{6DD83F8D-4BAF-B26C-B5A7-AA35795873CC}"/>
+              </a:ext>
+            </a:extLst>
+          </p:cNvPr>
+          <p:cNvGraphicFramePr>
+            <a:graphicFrameLocks noChangeAspect="1"/>
+          </p:cNvGraphicFramePr>
+          <p:nvPr/>
+        </p:nvGraphicFramePr>
+        <p:xfrm>
+          <a:off x="1827212" y="3581400"/>
+          <a:ext cx="7594600" cy="3378200"/>
+        </p:xfrm>
+        <a:graphic>
+          <a:graphicData uri="http://schemas.openxmlformats.org/presentationml/2006/ole">
+            <mc:AlternateContent xmlns:mc="http://schemas.openxmlformats.org/markup-compatibility/2006">
+              <mc:Choice xmlns:v="urn:schemas-microsoft-com:vml" Requires="v">
+                <p:oleObj spid="_x0000_s1030" name="Worksheet" r:id="rId3" imgW="7594600" imgH="3378200" progId="Excel.Sheet.12">
+                  <p:embed/>
+                </p:oleObj>
+              </mc:Choice>
+              <mc:Fallback>
+                <p:oleObj name="Worksheet" r:id="rId3" imgW="7594600" imgH="3378200" progId="Excel.Sheet.12">
+                  <p:embed/>
+                  <p:pic>
+                    <p:nvPicPr>
+                      <p:cNvPr id="4" name="Object 3">
+                        <a:extLst>
+                          <a:ext uri="{FF2B5EF4-FFF2-40B4-BE49-F238E27FC236}">
+                            <a16:creationId xmlns:a16="http://schemas.microsoft.com/office/drawing/2014/main" id="{6DD83F8D-4BAF-B26C-B5A7-AA35795873CC}"/>
+                          </a:ext>
+                        </a:extLst>
+                      </p:cNvPr>
+                      <p:cNvPicPr/>
+                      <p:nvPr/>
+                    </p:nvPicPr>
+                    <p:blipFill>
+                      <a:blip r:embed="rId4"/>
+                      <a:stretch>
+                        <a:fillRect/>
+                      </a:stretch>
+                    </p:blipFill>
+                    <p:spPr>
+                      <a:xfrm>
+                        <a:off x="1827212" y="3581400"/>
+                        <a:ext cx="7594600" cy="3378200"/>
+                      </a:xfrm>
+                      <a:prstGeom prst="rect">
+                        <a:avLst/>
+                      </a:prstGeom>
+                    </p:spPr>
+                  </p:pic>
+                </p:oleObj>
+              </mc:Fallback>
+            </mc:AlternateContent>
+          </a:graphicData>
+        </a:graphic>
+      </p:graphicFrame>
+      <p:sp>
+        <p:nvSpPr>
+          <p:cNvPr id="6" name="Speech Bubble: Oval 5">
+            <a:extLst>
+              <a:ext uri="{FF2B5EF4-FFF2-40B4-BE49-F238E27FC236}">
+                <a16:creationId xmlns:a16="http://schemas.microsoft.com/office/drawing/2014/main" id="{21F2E0AE-CB40-4F45-824B-400C80518C75}"/>
+              </a:ext>
+            </a:extLst>
+          </p:cNvPr>
+          <p:cNvSpPr/>
+          <p:nvPr/>
+        </p:nvSpPr>
+        <p:spPr>
+          <a:xfrm>
+            <a:off x="9421812" y="4964176"/>
+            <a:ext cx="2398332" cy="612648"/>
+          </a:xfrm>
+          <a:prstGeom prst="wedgeEllipseCallout">
+            <a:avLst>
+              <a:gd name="adj1" fmla="val -67249"/>
+              <a:gd name="adj2" fmla="val 69906"/>
+            </a:avLst>
+          </a:prstGeom>
+        </p:spPr>
+        <p:style>
+          <a:lnRef idx="2">
+            <a:schemeClr val="accent4">
+              <a:shade val="50000"/>
+            </a:schemeClr>
+          </a:lnRef>
+          <a:fillRef idx="1">
+            <a:schemeClr val="accent4"/>
+          </a:fillRef>
+          <a:effectRef idx="0">
+            <a:schemeClr val="accent4"/>
+          </a:effectRef>
+          <a:fontRef idx="minor">
+            <a:schemeClr val="lt1"/>
+          </a:fontRef>
+        </p:style>
+        <p:txBody>
+          <a:bodyPr rtlCol="0" anchor="ctr"/>
+          <a:lstStyle/>
+          <a:p>
+            <a:pPr algn="ctr"/>
+            <a:r>
+              <a:rPr lang="en-US" dirty="0"/>
+              <a:t>Net-Realizable Value</a:t>
             </a:r>
           </a:p>
         </p:txBody>
       </p:sp>
     </p:spTree>
+    <p:extLst>
+      <p:ext uri="{BB962C8B-B14F-4D97-AF65-F5344CB8AC3E}">
+        <p14:creationId xmlns:p14="http://schemas.microsoft.com/office/powerpoint/2010/main" val="168478699"/>
+      </p:ext>
+    </p:extLst>
   </p:cSld>
   <p:clrMapOvr>
     <a:masterClrMapping/>
@@ -5985,9 +11521,12 @@
           <a:bodyPr numCol="1"/>
           <a:lstStyle/>
           <a:p>
-            <a:r>
-              <a:t>Allowance Method-Income Statement Approach</a:t>
-            </a:r>
+            <a:pPr algn="ctr"/>
+            <a:r>
+              <a:rPr lang="en-US" dirty="0"/>
+              <a:t>Writing Off Uncollectible Account</a:t>
+            </a:r>
+            <a:endParaRPr dirty="0"/>
           </a:p>
         </p:txBody>
       </p:sp>
@@ -6001,21 +11540,420 @@
             <p:ph idx="1"/>
           </p:nvPr>
         </p:nvSpPr>
-        <p:spPr/>
+        <p:spPr>
+          <a:xfrm>
+            <a:off x="1522413" y="1981200"/>
+            <a:ext cx="9829799" cy="1371599"/>
+          </a:xfrm>
+        </p:spPr>
         <p:txBody>
-          <a:bodyPr numCol="1"/>
+          <a:bodyPr numCol="1">
+            <a:normAutofit lnSpcReduction="10000"/>
+          </a:bodyPr>
           <a:lstStyle/>
           <a:p>
             <a:pPr>
               <a:buNone/>
             </a:pPr>
             <a:r>
-              <a:t>   The income statement approach is an approach by which management can eliminate an allowance for uncollectible receivables as a percentage of the period sales in an effective approach when the company has past experience of history to use as a guide.</a:t>
+              <a:rPr dirty="0"/>
+              <a:t>   </a:t>
+            </a:r>
+            <a:r>
+              <a:rPr lang="en-US" dirty="0"/>
+              <a:t>When an account is determined to be uncollectible, then we need to remove the account from the books. Suppose on April 4 CB+WP Co account of $400 has been deemed uncollectible, then we debit the Allowance for Doubtful Accounts, and credit Accounts Receivable.</a:t>
+            </a:r>
+            <a:endParaRPr dirty="0"/>
+          </a:p>
+        </p:txBody>
+      </p:sp>
+      <p:graphicFrame>
+        <p:nvGraphicFramePr>
+          <p:cNvPr id="5" name="Table 5">
+            <a:extLst>
+              <a:ext uri="{FF2B5EF4-FFF2-40B4-BE49-F238E27FC236}">
+                <a16:creationId xmlns:a16="http://schemas.microsoft.com/office/drawing/2014/main" id="{143F0169-F957-42FD-B2DC-D7B07EA58EB7}"/>
+              </a:ext>
+            </a:extLst>
+          </p:cNvPr>
+          <p:cNvGraphicFramePr>
+            <a:graphicFrameLocks noGrp="1"/>
+          </p:cNvGraphicFramePr>
+          <p:nvPr/>
+        </p:nvGraphicFramePr>
+        <p:xfrm>
+          <a:off x="2284412" y="4343400"/>
+          <a:ext cx="8025342" cy="1107440"/>
+        </p:xfrm>
+        <a:graphic>
+          <a:graphicData uri="http://schemas.openxmlformats.org/drawingml/2006/table">
+            <a:tbl>
+              <a:tblPr firstRow="1" bandRow="1">
+                <a:tableStyleId>{22838BEF-8BB2-4498-84A7-C5851F593DF1}</a:tableStyleId>
+              </a:tblPr>
+              <a:tblGrid>
+                <a:gridCol w="1354314">
+                  <a:extLst>
+                    <a:ext uri="{9D8B030D-6E8A-4147-A177-3AD203B41FA5}">
+                      <a16:colId xmlns:a16="http://schemas.microsoft.com/office/drawing/2014/main" val="868591414"/>
+                    </a:ext>
+                  </a:extLst>
+                </a:gridCol>
+                <a:gridCol w="3927828">
+                  <a:extLst>
+                    <a:ext uri="{9D8B030D-6E8A-4147-A177-3AD203B41FA5}">
+                      <a16:colId xmlns:a16="http://schemas.microsoft.com/office/drawing/2014/main" val="3981818642"/>
+                    </a:ext>
+                  </a:extLst>
+                </a:gridCol>
+                <a:gridCol w="1371600">
+                  <a:extLst>
+                    <a:ext uri="{9D8B030D-6E8A-4147-A177-3AD203B41FA5}">
+                      <a16:colId xmlns:a16="http://schemas.microsoft.com/office/drawing/2014/main" val="1922779195"/>
+                    </a:ext>
+                  </a:extLst>
+                </a:gridCol>
+                <a:gridCol w="1371600">
+                  <a:extLst>
+                    <a:ext uri="{9D8B030D-6E8A-4147-A177-3AD203B41FA5}">
+                      <a16:colId xmlns:a16="http://schemas.microsoft.com/office/drawing/2014/main" val="2510622341"/>
+                    </a:ext>
+                  </a:extLst>
+                </a:gridCol>
+              </a:tblGrid>
+              <a:tr h="217096">
+                <a:tc>
+                  <a:txBody>
+                    <a:bodyPr/>
+                    <a:lstStyle/>
+                    <a:p>
+                      <a:r>
+                        <a:rPr lang="en-US" b="0" dirty="0"/>
+                        <a:t>201x</a:t>
+                      </a:r>
+                    </a:p>
+                  </a:txBody>
+                  <a:tcPr/>
+                </a:tc>
+                <a:tc>
+                  <a:txBody>
+                    <a:bodyPr/>
+                    <a:lstStyle/>
+                    <a:p>
+                      <a:endParaRPr lang="en-US" dirty="0"/>
+                    </a:p>
+                  </a:txBody>
+                  <a:tcPr/>
+                </a:tc>
+                <a:tc>
+                  <a:txBody>
+                    <a:bodyPr/>
+                    <a:lstStyle/>
+                    <a:p>
+                      <a:pPr algn="ctr"/>
+                      <a:r>
+                        <a:rPr lang="en-US" dirty="0"/>
+                        <a:t>Dr</a:t>
+                      </a:r>
+                    </a:p>
+                  </a:txBody>
+                  <a:tcPr/>
+                </a:tc>
+                <a:tc>
+                  <a:txBody>
+                    <a:bodyPr/>
+                    <a:lstStyle/>
+                    <a:p>
+                      <a:pPr algn="ctr"/>
+                      <a:r>
+                        <a:rPr lang="en-US" dirty="0"/>
+                        <a:t>Cr</a:t>
+                      </a:r>
+                    </a:p>
+                  </a:txBody>
+                  <a:tcPr/>
+                </a:tc>
+                <a:extLst>
+                  <a:ext uri="{0D108BD9-81ED-4DB2-BD59-A6C34878D82A}">
+                    <a16:rowId xmlns:a16="http://schemas.microsoft.com/office/drawing/2014/main" val="2181639554"/>
+                  </a:ext>
+                </a:extLst>
+              </a:tr>
+              <a:tr h="370840">
+                <a:tc>
+                  <a:txBody>
+                    <a:bodyPr/>
+                    <a:lstStyle/>
+                    <a:p>
+                      <a:r>
+                        <a:rPr lang="en-US" dirty="0"/>
+                        <a:t>Apr 4</a:t>
+                      </a:r>
+                    </a:p>
+                  </a:txBody>
+                  <a:tcPr/>
+                </a:tc>
+                <a:tc>
+                  <a:txBody>
+                    <a:bodyPr/>
+                    <a:lstStyle/>
+                    <a:p>
+                      <a:r>
+                        <a:rPr lang="en-US" dirty="0"/>
+                        <a:t>Allowance for Doubtful Accounts</a:t>
+                      </a:r>
+                    </a:p>
+                  </a:txBody>
+                  <a:tcPr/>
+                </a:tc>
+                <a:tc>
+                  <a:txBody>
+                    <a:bodyPr/>
+                    <a:lstStyle/>
+                    <a:p>
+                      <a:r>
+                        <a:rPr lang="en-US" dirty="0"/>
+                        <a:t>400.00</a:t>
+                      </a:r>
+                    </a:p>
+                  </a:txBody>
+                  <a:tcPr/>
+                </a:tc>
+                <a:tc>
+                  <a:txBody>
+                    <a:bodyPr/>
+                    <a:lstStyle/>
+                    <a:p>
+                      <a:endParaRPr lang="en-US" dirty="0"/>
+                    </a:p>
+                  </a:txBody>
+                  <a:tcPr/>
+                </a:tc>
+                <a:extLst>
+                  <a:ext uri="{0D108BD9-81ED-4DB2-BD59-A6C34878D82A}">
+                    <a16:rowId xmlns:a16="http://schemas.microsoft.com/office/drawing/2014/main" val="24395714"/>
+                  </a:ext>
+                </a:extLst>
+              </a:tr>
+              <a:tr h="370840">
+                <a:tc>
+                  <a:txBody>
+                    <a:bodyPr/>
+                    <a:lstStyle/>
+                    <a:p>
+                      <a:endParaRPr lang="en-US"/>
+                    </a:p>
+                  </a:txBody>
+                  <a:tcPr/>
+                </a:tc>
+                <a:tc>
+                  <a:txBody>
+                    <a:bodyPr/>
+                    <a:lstStyle/>
+                    <a:p>
+                      <a:r>
+                        <a:rPr lang="en-US" dirty="0"/>
+                        <a:t>    Accounts Receivable, CB+WP Co</a:t>
+                      </a:r>
+                    </a:p>
+                  </a:txBody>
+                  <a:tcPr/>
+                </a:tc>
+                <a:tc>
+                  <a:txBody>
+                    <a:bodyPr/>
+                    <a:lstStyle/>
+                    <a:p>
+                      <a:endParaRPr lang="en-US" dirty="0"/>
+                    </a:p>
+                  </a:txBody>
+                  <a:tcPr/>
+                </a:tc>
+                <a:tc>
+                  <a:txBody>
+                    <a:bodyPr/>
+                    <a:lstStyle/>
+                    <a:p>
+                      <a:r>
+                        <a:rPr lang="en-US" dirty="0"/>
+                        <a:t>400.00</a:t>
+                      </a:r>
+                    </a:p>
+                  </a:txBody>
+                  <a:tcPr/>
+                </a:tc>
+                <a:extLst>
+                  <a:ext uri="{0D108BD9-81ED-4DB2-BD59-A6C34878D82A}">
+                    <a16:rowId xmlns:a16="http://schemas.microsoft.com/office/drawing/2014/main" val="1898026451"/>
+                  </a:ext>
+                </a:extLst>
+              </a:tr>
+            </a:tbl>
+          </a:graphicData>
+        </a:graphic>
+      </p:graphicFrame>
+      <p:sp>
+        <p:nvSpPr>
+          <p:cNvPr id="7" name="Speech Bubble: Oval 6">
+            <a:extLst>
+              <a:ext uri="{FF2B5EF4-FFF2-40B4-BE49-F238E27FC236}">
+                <a16:creationId xmlns:a16="http://schemas.microsoft.com/office/drawing/2014/main" id="{3015376A-66A2-4DFF-87C3-F14A6FE2A901}"/>
+              </a:ext>
+            </a:extLst>
+          </p:cNvPr>
+          <p:cNvSpPr/>
+          <p:nvPr/>
+        </p:nvSpPr>
+        <p:spPr>
+          <a:xfrm>
+            <a:off x="2741612" y="5638800"/>
+            <a:ext cx="2373951" cy="1107440"/>
+          </a:xfrm>
+          <a:prstGeom prst="wedgeEllipseCallout">
+            <a:avLst>
+              <a:gd name="adj1" fmla="val 117136"/>
+              <a:gd name="adj2" fmla="val -72463"/>
+            </a:avLst>
+          </a:prstGeom>
+        </p:spPr>
+        <p:style>
+          <a:lnRef idx="2">
+            <a:schemeClr val="accent4">
+              <a:shade val="50000"/>
+            </a:schemeClr>
+          </a:lnRef>
+          <a:fillRef idx="1">
+            <a:schemeClr val="accent4"/>
+          </a:fillRef>
+          <a:effectRef idx="0">
+            <a:schemeClr val="accent4"/>
+          </a:effectRef>
+          <a:fontRef idx="minor">
+            <a:schemeClr val="lt1"/>
+          </a:fontRef>
+        </p:style>
+        <p:txBody>
+          <a:bodyPr rtlCol="0" anchor="ctr"/>
+          <a:lstStyle/>
+          <a:p>
+            <a:pPr algn="ctr"/>
+            <a:r>
+              <a:rPr lang="en-US" dirty="0"/>
+              <a:t>Don’t forget the subsidiary ledger </a:t>
+            </a:r>
+          </a:p>
+        </p:txBody>
+      </p:sp>
+      <p:sp>
+        <p:nvSpPr>
+          <p:cNvPr id="8" name="Speech Bubble: Oval 7">
+            <a:extLst>
+              <a:ext uri="{FF2B5EF4-FFF2-40B4-BE49-F238E27FC236}">
+                <a16:creationId xmlns:a16="http://schemas.microsoft.com/office/drawing/2014/main" id="{C374673A-3D81-40A8-B4EB-8952E71C6CB5}"/>
+              </a:ext>
+            </a:extLst>
+          </p:cNvPr>
+          <p:cNvSpPr/>
+          <p:nvPr/>
+        </p:nvSpPr>
+        <p:spPr>
+          <a:xfrm>
+            <a:off x="8685212" y="3269412"/>
+            <a:ext cx="2312378" cy="992124"/>
+          </a:xfrm>
+          <a:prstGeom prst="wedgeEllipseCallout">
+            <a:avLst>
+              <a:gd name="adj1" fmla="val -62735"/>
+              <a:gd name="adj2" fmla="val 113190"/>
+            </a:avLst>
+          </a:prstGeom>
+        </p:spPr>
+        <p:style>
+          <a:lnRef idx="2">
+            <a:schemeClr val="accent4">
+              <a:shade val="50000"/>
+            </a:schemeClr>
+          </a:lnRef>
+          <a:fillRef idx="1">
+            <a:schemeClr val="accent4"/>
+          </a:fillRef>
+          <a:effectRef idx="0">
+            <a:schemeClr val="accent4"/>
+          </a:effectRef>
+          <a:fontRef idx="minor">
+            <a:schemeClr val="lt1"/>
+          </a:fontRef>
+        </p:style>
+        <p:txBody>
+          <a:bodyPr rtlCol="0" anchor="ctr"/>
+          <a:lstStyle/>
+          <a:p>
+            <a:pPr algn="ctr"/>
+            <a:r>
+              <a:rPr lang="en-US" dirty="0"/>
+              <a:t>Contra-Asset: the amount decreased</a:t>
+            </a:r>
+          </a:p>
+        </p:txBody>
+      </p:sp>
+      <p:sp>
+        <p:nvSpPr>
+          <p:cNvPr id="9" name="Speech Bubble: Oval 8">
+            <a:extLst>
+              <a:ext uri="{FF2B5EF4-FFF2-40B4-BE49-F238E27FC236}">
+                <a16:creationId xmlns:a16="http://schemas.microsoft.com/office/drawing/2014/main" id="{A9559A67-DD4B-4CAD-87FF-FEF648B509AE}"/>
+              </a:ext>
+            </a:extLst>
+          </p:cNvPr>
+          <p:cNvSpPr/>
+          <p:nvPr/>
+        </p:nvSpPr>
+        <p:spPr>
+          <a:xfrm>
+            <a:off x="7923212" y="5670814"/>
+            <a:ext cx="2286000" cy="882386"/>
+          </a:xfrm>
+          <a:prstGeom prst="wedgeEllipseCallout">
+            <a:avLst>
+              <a:gd name="adj1" fmla="val 18364"/>
+              <a:gd name="adj2" fmla="val -83354"/>
+            </a:avLst>
+          </a:prstGeom>
+        </p:spPr>
+        <p:style>
+          <a:lnRef idx="2">
+            <a:schemeClr val="accent4">
+              <a:shade val="50000"/>
+            </a:schemeClr>
+          </a:lnRef>
+          <a:fillRef idx="1">
+            <a:schemeClr val="accent4"/>
+          </a:fillRef>
+          <a:effectRef idx="0">
+            <a:schemeClr val="accent4"/>
+          </a:effectRef>
+          <a:fontRef idx="minor">
+            <a:schemeClr val="lt1"/>
+          </a:fontRef>
+        </p:style>
+        <p:txBody>
+          <a:bodyPr rtlCol="0" anchor="ctr"/>
+          <a:lstStyle/>
+          <a:p>
+            <a:pPr algn="ctr"/>
+            <a:r>
+              <a:rPr lang="en-US" dirty="0"/>
+              <a:t>CB+WP Co account is now $0</a:t>
             </a:r>
           </a:p>
         </p:txBody>
       </p:sp>
     </p:spTree>
+    <p:extLst>
+      <p:ext uri="{BB962C8B-B14F-4D97-AF65-F5344CB8AC3E}">
+        <p14:creationId xmlns:p14="http://schemas.microsoft.com/office/powerpoint/2010/main" val="1317969319"/>
+      </p:ext>
+    </p:extLst>
   </p:cSld>
   <p:clrMapOvr>
     <a:masterClrMapping/>
@@ -6052,11 +11990,26 @@
         </p:nvSpPr>
         <p:spPr/>
         <p:txBody>
-          <a:bodyPr numCol="1"/>
+          <a:bodyPr numCol="1">
+            <a:normAutofit fontScale="90000"/>
+          </a:bodyPr>
           <a:lstStyle/>
           <a:p>
-            <a:r>
-              <a:t>Allowance Method-Balance Sheet Approach</a:t>
+            <a:pPr algn="ctr"/>
+            <a:r>
+              <a:t>Balance-Sheet Approach</a:t>
+            </a:r>
+          </a:p>
+          <a:p>
+            <a:pPr algn="ctr"/>
+            <a:r>
+              <a:t>VS.</a:t>
+            </a:r>
+          </a:p>
+          <a:p>
+            <a:pPr algn="ctr"/>
+            <a:r>
+              <a:t>Income- Statement Approach</a:t>
             </a:r>
           </a:p>
         </p:txBody>
@@ -6071,7 +12024,12 @@
             <p:ph idx="1"/>
           </p:nvPr>
         </p:nvSpPr>
-        <p:spPr/>
+        <p:spPr>
+          <a:xfrm>
+            <a:off x="1512844" y="2208573"/>
+            <a:ext cx="9943814" cy="4074503"/>
+          </a:xfrm>
+        </p:spPr>
         <p:txBody>
           <a:bodyPr numCol="1"/>
           <a:lstStyle/>
@@ -6080,7 +12038,7 @@
               <a:buNone/>
             </a:pPr>
             <a:r>
-              <a:t>   When booking bad-debt expenses, the second half of the journal entry is a contra-equity account called allowance for doubtful accounts. The balance of this account reduces the net value of the accounts receivable.</a:t>
+              <a:t>   There are two primary methods for estimating bad-debt expenses. The first is an income-statement approach that measures bad debt as a percentage of sale. The second is a balance-sheet approach that measures uncollectibles as a percentage of ending accounts receivable, Under the the balance-sheet approach, the company looks at historical data and estimates what percentage of receivables ends up being uncollectible.</a:t>
             </a:r>
           </a:p>
         </p:txBody>
@@ -6125,9 +12083,8 @@
           <a:bodyPr numCol="1"/>
           <a:lstStyle/>
           <a:p>
-            <a:pPr algn="ctr"/>
-            <a:r>
-              <a:t>Writing Off an Account-Allowance for doubtful Accounts</a:t>
+            <a:r>
+              <a:t>Allowance Method-Income Statement Approach</a:t>
             </a:r>
           </a:p>
         </p:txBody>
@@ -6151,7 +12108,7 @@
               <a:buNone/>
             </a:pPr>
             <a:r>
-              <a:t>   When it is determined that an account cannot be collected, the receivable balance should be written off. When the unit maintains an allowance for doubtful accounts, the write-off reduces the outstanding accounts receivable, and is charged against the allowance.</a:t>
+              <a:t>   The income statement approach is an approach by which management can eliminate an allowance for uncollectible receivables as a percentage of the period sales in an effective approach when the company has past experience of history to use as a guide.</a:t>
             </a:r>
           </a:p>
         </p:txBody>
@@ -6196,9 +12153,8 @@
           <a:bodyPr numCol="1"/>
           <a:lstStyle/>
           <a:p>
-            <a:pPr algn="ctr"/>
-            <a:r>
-              <a:t>Direct Write Off Method</a:t>
+            <a:r>
+              <a:t>Allowance Method-Balance Sheet Approach</a:t>
             </a:r>
           </a:p>
         </p:txBody>
@@ -6222,7 +12178,8 @@
               <a:buNone/>
             </a:pPr>
             <a:r>
-              <a:t>   The direct write off method involves writing off a bad debt directly against the corrosponding receivable account. Therefore, under the direct srite off method a specific dollar amout from the customer account will be written off as a bad debt expense</a:t>
+              <a:rPr lang="en-US" dirty="0"/>
+              <a:t>The balance sheet approach seeks to determine the desired ending balance for the Allowance for Doubtful Accounts.</a:t>
             </a:r>
           </a:p>
           <a:p>
@@ -6230,7 +12187,17 @@
               <a:buNone/>
             </a:pPr>
             <a:r>
-              <a:t>    However, the direct write-off method can result in misstating the income reporting periods if the bad debt journal entry occurred in a different period from the sale entry. For such a reason, it is only permitted when writing off immaterial amounts. The journal entry for the direct write-off methods is a bad debt expense and a credit to accoounts receivable.</a:t>
+              <a:rPr lang="en-US" dirty="0"/>
+              <a:t>This approach uses the aging of Accounts Receivable, which is an analysis of the past due age of an account. The assumption is that the longer an account is past due, the less likely it can be collected.</a:t>
+            </a:r>
+          </a:p>
+          <a:p>
+            <a:pPr>
+              <a:buNone/>
+            </a:pPr>
+            <a:r>
+              <a:rPr lang="en-US" dirty="0"/>
+              <a:t>Management needs historical experience with bad debt in order for an accurate estimate to be made.</a:t>
             </a:r>
           </a:p>
         </p:txBody>
